--- a/Projeto_Módulo_4_Estatistica.pptx
+++ b/Projeto_Módulo_4_Estatistica.pptx
@@ -5,23 +5,24 @@
     <p:sldMasterId id="2147483660" r:id="rId1"/>
   </p:sldMasterIdLst>
   <p:sldIdLst>
-    <p:sldId id="256" r:id="rId2"/>
-    <p:sldId id="257" r:id="rId3"/>
-    <p:sldId id="258" r:id="rId4"/>
-    <p:sldId id="259" r:id="rId5"/>
-    <p:sldId id="260" r:id="rId6"/>
-    <p:sldId id="262" r:id="rId7"/>
-    <p:sldId id="263" r:id="rId8"/>
-    <p:sldId id="264" r:id="rId9"/>
-    <p:sldId id="266" r:id="rId10"/>
-    <p:sldId id="265" r:id="rId11"/>
-    <p:sldId id="267" r:id="rId12"/>
-    <p:sldId id="269" r:id="rId13"/>
-    <p:sldId id="268" r:id="rId14"/>
-    <p:sldId id="270" r:id="rId15"/>
-    <p:sldId id="271" r:id="rId16"/>
-    <p:sldId id="272" r:id="rId17"/>
-    <p:sldId id="273" r:id="rId18"/>
+    <p:sldId id="274" r:id="rId2"/>
+    <p:sldId id="256" r:id="rId3"/>
+    <p:sldId id="257" r:id="rId4"/>
+    <p:sldId id="258" r:id="rId5"/>
+    <p:sldId id="259" r:id="rId6"/>
+    <p:sldId id="260" r:id="rId7"/>
+    <p:sldId id="262" r:id="rId8"/>
+    <p:sldId id="263" r:id="rId9"/>
+    <p:sldId id="264" r:id="rId10"/>
+    <p:sldId id="266" r:id="rId11"/>
+    <p:sldId id="265" r:id="rId12"/>
+    <p:sldId id="267" r:id="rId13"/>
+    <p:sldId id="269" r:id="rId14"/>
+    <p:sldId id="268" r:id="rId15"/>
+    <p:sldId id="270" r:id="rId16"/>
+    <p:sldId id="271" r:id="rId17"/>
+    <p:sldId id="272" r:id="rId18"/>
+    <p:sldId id="273" r:id="rId19"/>
   </p:sldIdLst>
   <p:sldSz cx="9906000" cy="6858000" type="A4"/>
   <p:notesSz cx="6858000" cy="9144000"/>
@@ -120,6 +121,11 @@
       </a:defRPr>
     </a:lvl9pPr>
   </p:defaultTextStyle>
+  <p:extLst>
+    <p:ext uri="{EFAFB233-063F-42B5-8137-9DF3F51BA10A}">
+      <p15:sldGuideLst xmlns:p15="http://schemas.microsoft.com/office/powerpoint/2012/main"/>
+    </p:ext>
+  </p:extLst>
 </p:presentation>
 </file>
 
@@ -2945,6 +2951,2581 @@
           <a:chExt cx="0" cy="0"/>
         </a:xfrm>
       </p:grpSpPr>
+      <p:sp>
+        <p:nvSpPr>
+          <p:cNvPr id="4" name="CaixaDeTexto 3">
+            <a:extLst>
+              <a:ext uri="{FF2B5EF4-FFF2-40B4-BE49-F238E27FC236}">
+                <a16:creationId xmlns:a16="http://schemas.microsoft.com/office/drawing/2014/main" id="{A04C20BF-1D79-4220-A3E5-95E9EBA2D735}"/>
+              </a:ext>
+            </a:extLst>
+          </p:cNvPr>
+          <p:cNvSpPr txBox="1"/>
+          <p:nvPr/>
+        </p:nvSpPr>
+        <p:spPr>
+          <a:xfrm>
+            <a:off x="0" y="-6807"/>
+            <a:ext cx="9906000" cy="523220"/>
+          </a:xfrm>
+          <a:prstGeom prst="rect">
+            <a:avLst/>
+          </a:prstGeom>
+          <a:solidFill>
+            <a:schemeClr val="accent5">
+              <a:lumMod val="40000"/>
+              <a:lumOff val="60000"/>
+            </a:schemeClr>
+          </a:solidFill>
+        </p:spPr>
+        <p:txBody>
+          <a:bodyPr wrap="square" rtlCol="0">
+            <a:spAutoFit/>
+          </a:bodyPr>
+          <a:lstStyle/>
+          <a:p>
+            <a:pPr algn="ctr"/>
+            <a:r>
+              <a:rPr lang="pt-BR" sz="2800" b="1" dirty="0">
+                <a:solidFill>
+                  <a:schemeClr val="accent1">
+                    <a:lumMod val="50000"/>
+                  </a:schemeClr>
+                </a:solidFill>
+                <a:latin typeface="Oswald"/>
+              </a:rPr>
+              <a:t>PROJETO MÓDULO 4 - ESTATÍSTICAS</a:t>
+            </a:r>
+          </a:p>
+        </p:txBody>
+      </p:sp>
+      <p:sp>
+        <p:nvSpPr>
+          <p:cNvPr id="5" name="Retângulo 4">
+            <a:extLst>
+              <a:ext uri="{FF2B5EF4-FFF2-40B4-BE49-F238E27FC236}">
+                <a16:creationId xmlns:a16="http://schemas.microsoft.com/office/drawing/2014/main" id="{D47F1DA6-FB78-4C93-B7EE-D0F801D61857}"/>
+              </a:ext>
+            </a:extLst>
+          </p:cNvPr>
+          <p:cNvSpPr/>
+          <p:nvPr/>
+        </p:nvSpPr>
+        <p:spPr>
+          <a:xfrm>
+            <a:off x="2063032" y="5470699"/>
+            <a:ext cx="5322291" cy="523220"/>
+          </a:xfrm>
+          <a:prstGeom prst="rect">
+            <a:avLst/>
+          </a:prstGeom>
+        </p:spPr>
+        <p:txBody>
+          <a:bodyPr wrap="none">
+            <a:spAutoFit/>
+          </a:bodyPr>
+          <a:lstStyle/>
+          <a:p>
+            <a:pPr algn="ctr"/>
+            <a:r>
+              <a:rPr lang="pt-BR" sz="2800" dirty="0">
+                <a:solidFill>
+                  <a:srgbClr val="002060"/>
+                </a:solidFill>
+                <a:latin typeface="Oswald"/>
+              </a:rPr>
+              <a:t>Santander </a:t>
+            </a:r>
+            <a:r>
+              <a:rPr lang="pt-BR" sz="2800" dirty="0" err="1">
+                <a:solidFill>
+                  <a:srgbClr val="002060"/>
+                </a:solidFill>
+                <a:latin typeface="Oswald"/>
+              </a:rPr>
+              <a:t>Coders</a:t>
+            </a:r>
+            <a:r>
+              <a:rPr lang="pt-BR" sz="2800" dirty="0">
+                <a:solidFill>
+                  <a:srgbClr val="002060"/>
+                </a:solidFill>
+                <a:latin typeface="Oswald"/>
+              </a:rPr>
+              <a:t> 2023 - Data Science</a:t>
+            </a:r>
+          </a:p>
+        </p:txBody>
+      </p:sp>
+      <p:sp>
+        <p:nvSpPr>
+          <p:cNvPr id="6" name="CaixaDeTexto 5">
+            <a:extLst>
+              <a:ext uri="{FF2B5EF4-FFF2-40B4-BE49-F238E27FC236}">
+                <a16:creationId xmlns:a16="http://schemas.microsoft.com/office/drawing/2014/main" id="{74404EF7-1582-4834-AAF1-1550C5F57AF0}"/>
+              </a:ext>
+            </a:extLst>
+          </p:cNvPr>
+          <p:cNvSpPr txBox="1"/>
+          <p:nvPr/>
+        </p:nvSpPr>
+        <p:spPr>
+          <a:xfrm>
+            <a:off x="2987965" y="1895062"/>
+            <a:ext cx="3472425" cy="1384995"/>
+          </a:xfrm>
+          <a:prstGeom prst="rect">
+            <a:avLst/>
+          </a:prstGeom>
+          <a:noFill/>
+        </p:spPr>
+        <p:txBody>
+          <a:bodyPr wrap="none" rtlCol="0">
+            <a:spAutoFit/>
+          </a:bodyPr>
+          <a:lstStyle/>
+          <a:p>
+            <a:pPr algn="ctr"/>
+            <a:r>
+              <a:rPr lang="pt-BR" sz="2800" b="1" dirty="0">
+                <a:solidFill>
+                  <a:srgbClr val="002060"/>
+                </a:solidFill>
+                <a:latin typeface="Oswald"/>
+              </a:rPr>
+              <a:t>Alunos</a:t>
+            </a:r>
+          </a:p>
+          <a:p>
+            <a:pPr algn="ctr"/>
+            <a:r>
+              <a:rPr lang="pt-BR" sz="2800" dirty="0">
+                <a:solidFill>
+                  <a:srgbClr val="002060"/>
+                </a:solidFill>
+                <a:latin typeface="Oswald"/>
+              </a:rPr>
+              <a:t>Ana Cristina Zanetti</a:t>
+            </a:r>
+          </a:p>
+          <a:p>
+            <a:pPr algn="ctr"/>
+            <a:r>
+              <a:rPr lang="pt-BR" sz="2800" dirty="0">
+                <a:solidFill>
+                  <a:srgbClr val="002060"/>
+                </a:solidFill>
+                <a:latin typeface="Oswald"/>
+              </a:rPr>
+              <a:t>Mauro Domingues Junior</a:t>
+            </a:r>
+          </a:p>
+        </p:txBody>
+      </p:sp>
+      <p:sp>
+        <p:nvSpPr>
+          <p:cNvPr id="7" name="CaixaDeTexto 6">
+            <a:extLst>
+              <a:ext uri="{FF2B5EF4-FFF2-40B4-BE49-F238E27FC236}">
+                <a16:creationId xmlns:a16="http://schemas.microsoft.com/office/drawing/2014/main" id="{8C8E9C44-9C8D-4D97-A401-D301EE102FC1}"/>
+              </a:ext>
+            </a:extLst>
+          </p:cNvPr>
+          <p:cNvSpPr txBox="1"/>
+          <p:nvPr/>
+        </p:nvSpPr>
+        <p:spPr>
+          <a:xfrm>
+            <a:off x="3945759" y="4087206"/>
+            <a:ext cx="1556836" cy="954107"/>
+          </a:xfrm>
+          <a:prstGeom prst="rect">
+            <a:avLst/>
+          </a:prstGeom>
+          <a:noFill/>
+        </p:spPr>
+        <p:txBody>
+          <a:bodyPr wrap="none" rtlCol="0">
+            <a:spAutoFit/>
+          </a:bodyPr>
+          <a:lstStyle/>
+          <a:p>
+            <a:pPr algn="ctr"/>
+            <a:r>
+              <a:rPr lang="pt-BR" sz="2800" b="1" dirty="0">
+                <a:solidFill>
+                  <a:srgbClr val="002060"/>
+                </a:solidFill>
+                <a:latin typeface="Oswald"/>
+              </a:rPr>
+              <a:t>Professor</a:t>
+            </a:r>
+          </a:p>
+          <a:p>
+            <a:pPr algn="ctr"/>
+            <a:r>
+              <a:rPr lang="pt-BR" sz="2800" dirty="0">
+                <a:solidFill>
+                  <a:srgbClr val="002060"/>
+                </a:solidFill>
+                <a:latin typeface="Oswald"/>
+              </a:rPr>
+              <a:t>Alex Lima</a:t>
+            </a:r>
+          </a:p>
+        </p:txBody>
+      </p:sp>
+    </p:spTree>
+    <p:extLst>
+      <p:ext uri="{BB962C8B-B14F-4D97-AF65-F5344CB8AC3E}">
+        <p14:creationId xmlns:p14="http://schemas.microsoft.com/office/powerpoint/2010/main" val="162472949"/>
+      </p:ext>
+    </p:extLst>
+  </p:cSld>
+  <p:clrMapOvr>
+    <a:masterClrMapping/>
+  </p:clrMapOvr>
+</p:sld>
+</file>
+
+<file path=ppt/slides/slide10.xml><?xml version="1.0" encoding="utf-8"?>
+<p:sld xmlns:a="http://schemas.openxmlformats.org/drawingml/2006/main" xmlns:r="http://schemas.openxmlformats.org/officeDocument/2006/relationships" xmlns:p="http://schemas.openxmlformats.org/presentationml/2006/main">
+  <p:cSld>
+    <p:spTree>
+      <p:nvGrpSpPr>
+        <p:cNvPr id="1" name=""/>
+        <p:cNvGrpSpPr/>
+        <p:nvPr/>
+      </p:nvGrpSpPr>
+      <p:grpSpPr>
+        <a:xfrm>
+          <a:off x="0" y="0"/>
+          <a:ext cx="0" cy="0"/>
+          <a:chOff x="0" y="0"/>
+          <a:chExt cx="0" cy="0"/>
+        </a:xfrm>
+      </p:grpSpPr>
+      <p:sp>
+        <p:nvSpPr>
+          <p:cNvPr id="2" name="CaixaDeTexto 1">
+            <a:extLst>
+              <a:ext uri="{FF2B5EF4-FFF2-40B4-BE49-F238E27FC236}">
+                <a16:creationId xmlns:a16="http://schemas.microsoft.com/office/drawing/2014/main" id="{BAF53F97-753A-4957-BE26-3B201D692607}"/>
+              </a:ext>
+            </a:extLst>
+          </p:cNvPr>
+          <p:cNvSpPr txBox="1"/>
+          <p:nvPr/>
+        </p:nvSpPr>
+        <p:spPr>
+          <a:xfrm>
+            <a:off x="0" y="-6807"/>
+            <a:ext cx="9906000" cy="523220"/>
+          </a:xfrm>
+          <a:prstGeom prst="rect">
+            <a:avLst/>
+          </a:prstGeom>
+          <a:solidFill>
+            <a:schemeClr val="accent5">
+              <a:lumMod val="40000"/>
+              <a:lumOff val="60000"/>
+            </a:schemeClr>
+          </a:solidFill>
+        </p:spPr>
+        <p:txBody>
+          <a:bodyPr wrap="square" rtlCol="0">
+            <a:spAutoFit/>
+          </a:bodyPr>
+          <a:lstStyle/>
+          <a:p>
+            <a:r>
+              <a:rPr lang="pt-BR" sz="2800" b="1" dirty="0">
+                <a:solidFill>
+                  <a:schemeClr val="accent1">
+                    <a:lumMod val="50000"/>
+                  </a:schemeClr>
+                </a:solidFill>
+                <a:latin typeface="Oswald"/>
+              </a:rPr>
+              <a:t>ANÁLISES</a:t>
+            </a:r>
+          </a:p>
+        </p:txBody>
+      </p:sp>
+      <p:sp>
+        <p:nvSpPr>
+          <p:cNvPr id="4" name="CaixaDeTexto 3">
+            <a:extLst>
+              <a:ext uri="{FF2B5EF4-FFF2-40B4-BE49-F238E27FC236}">
+                <a16:creationId xmlns:a16="http://schemas.microsoft.com/office/drawing/2014/main" id="{EB37902E-928D-4E2B-8A3E-AF908E1A68B0}"/>
+              </a:ext>
+            </a:extLst>
+          </p:cNvPr>
+          <p:cNvSpPr txBox="1"/>
+          <p:nvPr/>
+        </p:nvSpPr>
+        <p:spPr>
+          <a:xfrm>
+            <a:off x="286602" y="954501"/>
+            <a:ext cx="6250429" cy="369332"/>
+          </a:xfrm>
+          <a:prstGeom prst="rect">
+            <a:avLst/>
+          </a:prstGeom>
+          <a:noFill/>
+        </p:spPr>
+        <p:txBody>
+          <a:bodyPr wrap="none" rtlCol="0">
+            <a:spAutoFit/>
+          </a:bodyPr>
+          <a:lstStyle/>
+          <a:p>
+            <a:r>
+              <a:rPr lang="pt-BR" b="1" dirty="0">
+                <a:solidFill>
+                  <a:schemeClr val="accent1">
+                    <a:lumMod val="50000"/>
+                  </a:schemeClr>
+                </a:solidFill>
+                <a:latin typeface="Oswald"/>
+              </a:rPr>
+              <a:t>Distribuição das idades dos pacientes para as diferentes vacinas</a:t>
+            </a:r>
+            <a:endParaRPr lang="pt-BR" dirty="0">
+              <a:solidFill>
+                <a:schemeClr val="accent1">
+                  <a:lumMod val="50000"/>
+                </a:schemeClr>
+              </a:solidFill>
+              <a:latin typeface="Oswald"/>
+            </a:endParaRPr>
+          </a:p>
+        </p:txBody>
+      </p:sp>
+      <p:sp>
+        <p:nvSpPr>
+          <p:cNvPr id="3" name="CaixaDeTexto 2">
+            <a:extLst>
+              <a:ext uri="{FF2B5EF4-FFF2-40B4-BE49-F238E27FC236}">
+                <a16:creationId xmlns:a16="http://schemas.microsoft.com/office/drawing/2014/main" id="{777A9AF8-50B4-46A1-8915-35B49E5AB78F}"/>
+              </a:ext>
+            </a:extLst>
+          </p:cNvPr>
+          <p:cNvSpPr txBox="1"/>
+          <p:nvPr/>
+        </p:nvSpPr>
+        <p:spPr>
+          <a:xfrm>
+            <a:off x="286602" y="1761921"/>
+            <a:ext cx="3381439" cy="338554"/>
+          </a:xfrm>
+          <a:prstGeom prst="rect">
+            <a:avLst/>
+          </a:prstGeom>
+          <a:noFill/>
+        </p:spPr>
+        <p:txBody>
+          <a:bodyPr wrap="none" rtlCol="0">
+            <a:spAutoFit/>
+          </a:bodyPr>
+          <a:lstStyle/>
+          <a:p>
+            <a:r>
+              <a:rPr lang="pt-BR" sz="1600" b="1" dirty="0">
+                <a:solidFill>
+                  <a:schemeClr val="accent1">
+                    <a:lumMod val="50000"/>
+                  </a:schemeClr>
+                </a:solidFill>
+                <a:latin typeface="Oswald"/>
+              </a:rPr>
+              <a:t>Análise do Outliers da Vacina Pediátrica</a:t>
+            </a:r>
+            <a:endParaRPr lang="pt-BR" sz="1600" dirty="0">
+              <a:solidFill>
+                <a:schemeClr val="accent1">
+                  <a:lumMod val="50000"/>
+                </a:schemeClr>
+              </a:solidFill>
+              <a:latin typeface="Oswald"/>
+            </a:endParaRPr>
+          </a:p>
+        </p:txBody>
+      </p:sp>
+      <p:sp>
+        <p:nvSpPr>
+          <p:cNvPr id="6" name="CaixaDeTexto 5">
+            <a:extLst>
+              <a:ext uri="{FF2B5EF4-FFF2-40B4-BE49-F238E27FC236}">
+                <a16:creationId xmlns:a16="http://schemas.microsoft.com/office/drawing/2014/main" id="{7EFFC658-6A28-4003-A01C-BB518714DE4A}"/>
+              </a:ext>
+            </a:extLst>
+          </p:cNvPr>
+          <p:cNvSpPr txBox="1"/>
+          <p:nvPr/>
+        </p:nvSpPr>
+        <p:spPr>
+          <a:xfrm>
+            <a:off x="375138" y="2579077"/>
+            <a:ext cx="2865464" cy="338554"/>
+          </a:xfrm>
+          <a:prstGeom prst="rect">
+            <a:avLst/>
+          </a:prstGeom>
+          <a:noFill/>
+        </p:spPr>
+        <p:txBody>
+          <a:bodyPr wrap="none" rtlCol="0">
+            <a:spAutoFit/>
+          </a:bodyPr>
+          <a:lstStyle/>
+          <a:p>
+            <a:r>
+              <a:rPr lang="pt-BR" sz="1600" dirty="0">
+                <a:solidFill>
+                  <a:schemeClr val="accent1">
+                    <a:lumMod val="50000"/>
+                  </a:schemeClr>
+                </a:solidFill>
+                <a:latin typeface="Oswald"/>
+              </a:rPr>
+              <a:t>Total da vacina pediátrica – 236.831</a:t>
+            </a:r>
+          </a:p>
+        </p:txBody>
+      </p:sp>
+      <p:sp>
+        <p:nvSpPr>
+          <p:cNvPr id="7" name="CaixaDeTexto 6">
+            <a:extLst>
+              <a:ext uri="{FF2B5EF4-FFF2-40B4-BE49-F238E27FC236}">
+                <a16:creationId xmlns:a16="http://schemas.microsoft.com/office/drawing/2014/main" id="{40632E83-0355-491A-8D77-B29EDAE5123C}"/>
+              </a:ext>
+            </a:extLst>
+          </p:cNvPr>
+          <p:cNvSpPr txBox="1"/>
+          <p:nvPr/>
+        </p:nvSpPr>
+        <p:spPr>
+          <a:xfrm>
+            <a:off x="375138" y="3140276"/>
+            <a:ext cx="2362122" cy="338554"/>
+          </a:xfrm>
+          <a:prstGeom prst="rect">
+            <a:avLst/>
+          </a:prstGeom>
+          <a:noFill/>
+        </p:spPr>
+        <p:txBody>
+          <a:bodyPr wrap="none" rtlCol="0">
+            <a:spAutoFit/>
+          </a:bodyPr>
+          <a:lstStyle/>
+          <a:p>
+            <a:r>
+              <a:rPr lang="pt-BR" sz="1600" dirty="0">
+                <a:solidFill>
+                  <a:schemeClr val="accent1">
+                    <a:lumMod val="50000"/>
+                  </a:schemeClr>
+                </a:solidFill>
+                <a:latin typeface="Oswald"/>
+              </a:rPr>
+              <a:t>Total de outliers – 457 (0,2%)</a:t>
+            </a:r>
+          </a:p>
+        </p:txBody>
+      </p:sp>
+      <p:pic>
+        <p:nvPicPr>
+          <p:cNvPr id="5" name="Imagem 4">
+            <a:extLst>
+              <a:ext uri="{FF2B5EF4-FFF2-40B4-BE49-F238E27FC236}">
+                <a16:creationId xmlns:a16="http://schemas.microsoft.com/office/drawing/2014/main" id="{4E272B5E-6DBD-4C09-824E-A45F156C0523}"/>
+              </a:ext>
+            </a:extLst>
+          </p:cNvPr>
+          <p:cNvPicPr>
+            <a:picLocks noChangeAspect="1"/>
+          </p:cNvPicPr>
+          <p:nvPr/>
+        </p:nvPicPr>
+        <p:blipFill rotWithShape="1">
+          <a:blip r:embed="rId2"/>
+          <a:srcRect l="18460" t="24947" r="35205" b="25238"/>
+          <a:stretch/>
+        </p:blipFill>
+        <p:spPr>
+          <a:xfrm>
+            <a:off x="4048090" y="1432100"/>
+            <a:ext cx="4469777" cy="3416351"/>
+          </a:xfrm>
+          <a:prstGeom prst="rect">
+            <a:avLst/>
+          </a:prstGeom>
+        </p:spPr>
+      </p:pic>
+      <p:pic>
+        <p:nvPicPr>
+          <p:cNvPr id="9" name="Imagem 8">
+            <a:extLst>
+              <a:ext uri="{FF2B5EF4-FFF2-40B4-BE49-F238E27FC236}">
+                <a16:creationId xmlns:a16="http://schemas.microsoft.com/office/drawing/2014/main" id="{EF493D11-DD85-47C2-8477-89091CC4A01D}"/>
+              </a:ext>
+            </a:extLst>
+          </p:cNvPr>
+          <p:cNvPicPr>
+            <a:picLocks noChangeAspect="1"/>
+          </p:cNvPicPr>
+          <p:nvPr/>
+        </p:nvPicPr>
+        <p:blipFill rotWithShape="1">
+          <a:blip r:embed="rId3"/>
+          <a:srcRect l="21137" t="55589" r="64614" b="13918"/>
+          <a:stretch/>
+        </p:blipFill>
+        <p:spPr>
+          <a:xfrm>
+            <a:off x="7425312" y="3309553"/>
+            <a:ext cx="2185110" cy="3324422"/>
+          </a:xfrm>
+          <a:prstGeom prst="rect">
+            <a:avLst/>
+          </a:prstGeom>
+        </p:spPr>
+      </p:pic>
+    </p:spTree>
+    <p:extLst>
+      <p:ext uri="{BB962C8B-B14F-4D97-AF65-F5344CB8AC3E}">
+        <p14:creationId xmlns:p14="http://schemas.microsoft.com/office/powerpoint/2010/main" val="548593830"/>
+      </p:ext>
+    </p:extLst>
+  </p:cSld>
+  <p:clrMapOvr>
+    <a:masterClrMapping/>
+  </p:clrMapOvr>
+</p:sld>
+</file>
+
+<file path=ppt/slides/slide11.xml><?xml version="1.0" encoding="utf-8"?>
+<p:sld xmlns:a="http://schemas.openxmlformats.org/drawingml/2006/main" xmlns:r="http://schemas.openxmlformats.org/officeDocument/2006/relationships" xmlns:p="http://schemas.openxmlformats.org/presentationml/2006/main">
+  <p:cSld>
+    <p:spTree>
+      <p:nvGrpSpPr>
+        <p:cNvPr id="1" name=""/>
+        <p:cNvGrpSpPr/>
+        <p:nvPr/>
+      </p:nvGrpSpPr>
+      <p:grpSpPr>
+        <a:xfrm>
+          <a:off x="0" y="0"/>
+          <a:ext cx="0" cy="0"/>
+          <a:chOff x="0" y="0"/>
+          <a:chExt cx="0" cy="0"/>
+        </a:xfrm>
+      </p:grpSpPr>
+      <p:sp>
+        <p:nvSpPr>
+          <p:cNvPr id="2" name="CaixaDeTexto 1">
+            <a:extLst>
+              <a:ext uri="{FF2B5EF4-FFF2-40B4-BE49-F238E27FC236}">
+                <a16:creationId xmlns:a16="http://schemas.microsoft.com/office/drawing/2014/main" id="{BAF53F97-753A-4957-BE26-3B201D692607}"/>
+              </a:ext>
+            </a:extLst>
+          </p:cNvPr>
+          <p:cNvSpPr txBox="1"/>
+          <p:nvPr/>
+        </p:nvSpPr>
+        <p:spPr>
+          <a:xfrm>
+            <a:off x="0" y="-6807"/>
+            <a:ext cx="9906000" cy="523220"/>
+          </a:xfrm>
+          <a:prstGeom prst="rect">
+            <a:avLst/>
+          </a:prstGeom>
+          <a:solidFill>
+            <a:schemeClr val="accent5">
+              <a:lumMod val="40000"/>
+              <a:lumOff val="60000"/>
+            </a:schemeClr>
+          </a:solidFill>
+        </p:spPr>
+        <p:txBody>
+          <a:bodyPr wrap="square" rtlCol="0">
+            <a:spAutoFit/>
+          </a:bodyPr>
+          <a:lstStyle/>
+          <a:p>
+            <a:r>
+              <a:rPr lang="pt-BR" sz="2800" b="1" dirty="0">
+                <a:solidFill>
+                  <a:schemeClr val="accent1">
+                    <a:lumMod val="50000"/>
+                  </a:schemeClr>
+                </a:solidFill>
+                <a:latin typeface="Oswald"/>
+              </a:rPr>
+              <a:t>ANÁLISES</a:t>
+            </a:r>
+          </a:p>
+        </p:txBody>
+      </p:sp>
+      <p:sp>
+        <p:nvSpPr>
+          <p:cNvPr id="4" name="CaixaDeTexto 3">
+            <a:extLst>
+              <a:ext uri="{FF2B5EF4-FFF2-40B4-BE49-F238E27FC236}">
+                <a16:creationId xmlns:a16="http://schemas.microsoft.com/office/drawing/2014/main" id="{EB37902E-928D-4E2B-8A3E-AF908E1A68B0}"/>
+              </a:ext>
+            </a:extLst>
+          </p:cNvPr>
+          <p:cNvSpPr txBox="1"/>
+          <p:nvPr/>
+        </p:nvSpPr>
+        <p:spPr>
+          <a:xfrm>
+            <a:off x="286602" y="954501"/>
+            <a:ext cx="4323620" cy="369332"/>
+          </a:xfrm>
+          <a:prstGeom prst="rect">
+            <a:avLst/>
+          </a:prstGeom>
+          <a:noFill/>
+        </p:spPr>
+        <p:txBody>
+          <a:bodyPr wrap="none" rtlCol="0">
+            <a:spAutoFit/>
+          </a:bodyPr>
+          <a:lstStyle/>
+          <a:p>
+            <a:r>
+              <a:rPr lang="pt-BR" b="1" dirty="0">
+                <a:solidFill>
+                  <a:schemeClr val="accent1">
+                    <a:lumMod val="50000"/>
+                  </a:schemeClr>
+                </a:solidFill>
+                <a:latin typeface="Oswald"/>
+              </a:rPr>
+              <a:t>Distribuição da quantidade de doses tomadas</a:t>
+            </a:r>
+            <a:endParaRPr lang="pt-BR" dirty="0">
+              <a:solidFill>
+                <a:schemeClr val="accent1">
+                  <a:lumMod val="50000"/>
+                </a:schemeClr>
+              </a:solidFill>
+              <a:latin typeface="Oswald"/>
+            </a:endParaRPr>
+          </a:p>
+        </p:txBody>
+      </p:sp>
+      <p:pic>
+        <p:nvPicPr>
+          <p:cNvPr id="10" name="Imagem 9">
+            <a:extLst>
+              <a:ext uri="{FF2B5EF4-FFF2-40B4-BE49-F238E27FC236}">
+                <a16:creationId xmlns:a16="http://schemas.microsoft.com/office/drawing/2014/main" id="{0EE77298-B13B-4A62-9B5E-D4BAC6E7F267}"/>
+              </a:ext>
+            </a:extLst>
+          </p:cNvPr>
+          <p:cNvPicPr>
+            <a:picLocks noChangeAspect="1"/>
+          </p:cNvPicPr>
+          <p:nvPr/>
+        </p:nvPicPr>
+        <p:blipFill rotWithShape="1">
+          <a:blip r:embed="rId2"/>
+          <a:srcRect l="23030" t="31534" r="18892" b="6667"/>
+          <a:stretch/>
+        </p:blipFill>
+        <p:spPr>
+          <a:xfrm>
+            <a:off x="566058" y="1761921"/>
+            <a:ext cx="6212114" cy="4699319"/>
+          </a:xfrm>
+          <a:prstGeom prst="rect">
+            <a:avLst/>
+          </a:prstGeom>
+        </p:spPr>
+      </p:pic>
+      <p:sp>
+        <p:nvSpPr>
+          <p:cNvPr id="11" name="CaixaDeTexto 10">
+            <a:extLst>
+              <a:ext uri="{FF2B5EF4-FFF2-40B4-BE49-F238E27FC236}">
+                <a16:creationId xmlns:a16="http://schemas.microsoft.com/office/drawing/2014/main" id="{10D7DDEC-2184-433A-9A5C-9A117B1A93A0}"/>
+              </a:ext>
+            </a:extLst>
+          </p:cNvPr>
+          <p:cNvSpPr txBox="1"/>
+          <p:nvPr/>
+        </p:nvSpPr>
+        <p:spPr>
+          <a:xfrm>
+            <a:off x="7053943" y="3095917"/>
+            <a:ext cx="1540615" cy="2031325"/>
+          </a:xfrm>
+          <a:prstGeom prst="rect">
+            <a:avLst/>
+          </a:prstGeom>
+          <a:noFill/>
+        </p:spPr>
+        <p:txBody>
+          <a:bodyPr wrap="none" rtlCol="0">
+            <a:spAutoFit/>
+          </a:bodyPr>
+          <a:lstStyle/>
+          <a:p>
+            <a:r>
+              <a:rPr lang="pt-BR" dirty="0">
+                <a:solidFill>
+                  <a:schemeClr val="accent1">
+                    <a:lumMod val="50000"/>
+                  </a:schemeClr>
+                </a:solidFill>
+                <a:latin typeface="Oswald"/>
+              </a:rPr>
+              <a:t>Doses Tomadas</a:t>
+            </a:r>
+          </a:p>
+          <a:p>
+            <a:r>
+              <a:rPr lang="pt-BR" dirty="0">
+                <a:solidFill>
+                  <a:schemeClr val="accent1">
+                    <a:lumMod val="50000"/>
+                  </a:schemeClr>
+                </a:solidFill>
+                <a:latin typeface="Oswald"/>
+              </a:rPr>
+              <a:t>1 -13.4% </a:t>
+            </a:r>
+          </a:p>
+          <a:p>
+            <a:r>
+              <a:rPr lang="pt-BR" dirty="0">
+                <a:solidFill>
+                  <a:schemeClr val="accent1">
+                    <a:lumMod val="50000"/>
+                  </a:schemeClr>
+                </a:solidFill>
+                <a:latin typeface="Oswald"/>
+              </a:rPr>
+              <a:t>2 - 33.0% </a:t>
+            </a:r>
+          </a:p>
+          <a:p>
+            <a:r>
+              <a:rPr lang="pt-BR" dirty="0">
+                <a:solidFill>
+                  <a:schemeClr val="accent1">
+                    <a:lumMod val="50000"/>
+                  </a:schemeClr>
+                </a:solidFill>
+                <a:latin typeface="Oswald"/>
+              </a:rPr>
+              <a:t>3 - 27.0% </a:t>
+            </a:r>
+          </a:p>
+          <a:p>
+            <a:r>
+              <a:rPr lang="pt-BR" dirty="0">
+                <a:solidFill>
+                  <a:schemeClr val="accent1">
+                    <a:lumMod val="50000"/>
+                  </a:schemeClr>
+                </a:solidFill>
+                <a:latin typeface="Oswald"/>
+              </a:rPr>
+              <a:t>4 - 15.5% </a:t>
+            </a:r>
+          </a:p>
+          <a:p>
+            <a:r>
+              <a:rPr lang="pt-BR" dirty="0">
+                <a:solidFill>
+                  <a:schemeClr val="accent1">
+                    <a:lumMod val="50000"/>
+                  </a:schemeClr>
+                </a:solidFill>
+                <a:latin typeface="Oswald"/>
+              </a:rPr>
+              <a:t>5 - 10.9% </a:t>
+            </a:r>
+          </a:p>
+          <a:p>
+            <a:r>
+              <a:rPr lang="pt-BR" dirty="0">
+                <a:solidFill>
+                  <a:schemeClr val="accent1">
+                    <a:lumMod val="50000"/>
+                  </a:schemeClr>
+                </a:solidFill>
+                <a:latin typeface="Oswald"/>
+              </a:rPr>
+              <a:t>5+ - 0.2%</a:t>
+            </a:r>
+          </a:p>
+        </p:txBody>
+      </p:sp>
+    </p:spTree>
+    <p:extLst>
+      <p:ext uri="{BB962C8B-B14F-4D97-AF65-F5344CB8AC3E}">
+        <p14:creationId xmlns:p14="http://schemas.microsoft.com/office/powerpoint/2010/main" val="3797479102"/>
+      </p:ext>
+    </p:extLst>
+  </p:cSld>
+  <p:clrMapOvr>
+    <a:masterClrMapping/>
+  </p:clrMapOvr>
+</p:sld>
+</file>
+
+<file path=ppt/slides/slide12.xml><?xml version="1.0" encoding="utf-8"?>
+<p:sld xmlns:a="http://schemas.openxmlformats.org/drawingml/2006/main" xmlns:r="http://schemas.openxmlformats.org/officeDocument/2006/relationships" xmlns:p="http://schemas.openxmlformats.org/presentationml/2006/main">
+  <p:cSld>
+    <p:spTree>
+      <p:nvGrpSpPr>
+        <p:cNvPr id="1" name=""/>
+        <p:cNvGrpSpPr/>
+        <p:nvPr/>
+      </p:nvGrpSpPr>
+      <p:grpSpPr>
+        <a:xfrm>
+          <a:off x="0" y="0"/>
+          <a:ext cx="0" cy="0"/>
+          <a:chOff x="0" y="0"/>
+          <a:chExt cx="0" cy="0"/>
+        </a:xfrm>
+      </p:grpSpPr>
+      <p:sp>
+        <p:nvSpPr>
+          <p:cNvPr id="2" name="CaixaDeTexto 1">
+            <a:extLst>
+              <a:ext uri="{FF2B5EF4-FFF2-40B4-BE49-F238E27FC236}">
+                <a16:creationId xmlns:a16="http://schemas.microsoft.com/office/drawing/2014/main" id="{BAF53F97-753A-4957-BE26-3B201D692607}"/>
+              </a:ext>
+            </a:extLst>
+          </p:cNvPr>
+          <p:cNvSpPr txBox="1"/>
+          <p:nvPr/>
+        </p:nvSpPr>
+        <p:spPr>
+          <a:xfrm>
+            <a:off x="0" y="-6807"/>
+            <a:ext cx="9906000" cy="523220"/>
+          </a:xfrm>
+          <a:prstGeom prst="rect">
+            <a:avLst/>
+          </a:prstGeom>
+          <a:solidFill>
+            <a:schemeClr val="accent5">
+              <a:lumMod val="40000"/>
+              <a:lumOff val="60000"/>
+            </a:schemeClr>
+          </a:solidFill>
+        </p:spPr>
+        <p:txBody>
+          <a:bodyPr wrap="square" rtlCol="0">
+            <a:spAutoFit/>
+          </a:bodyPr>
+          <a:lstStyle/>
+          <a:p>
+            <a:r>
+              <a:rPr lang="pt-BR" sz="2800" b="1" dirty="0">
+                <a:solidFill>
+                  <a:schemeClr val="accent1">
+                    <a:lumMod val="50000"/>
+                  </a:schemeClr>
+                </a:solidFill>
+                <a:latin typeface="Oswald"/>
+              </a:rPr>
+              <a:t>ANÁLISES</a:t>
+            </a:r>
+          </a:p>
+        </p:txBody>
+      </p:sp>
+      <p:sp>
+        <p:nvSpPr>
+          <p:cNvPr id="4" name="CaixaDeTexto 3">
+            <a:extLst>
+              <a:ext uri="{FF2B5EF4-FFF2-40B4-BE49-F238E27FC236}">
+                <a16:creationId xmlns:a16="http://schemas.microsoft.com/office/drawing/2014/main" id="{EB37902E-928D-4E2B-8A3E-AF908E1A68B0}"/>
+              </a:ext>
+            </a:extLst>
+          </p:cNvPr>
+          <p:cNvSpPr txBox="1"/>
+          <p:nvPr/>
+        </p:nvSpPr>
+        <p:spPr>
+          <a:xfrm>
+            <a:off x="286602" y="954501"/>
+            <a:ext cx="1544012" cy="369332"/>
+          </a:xfrm>
+          <a:prstGeom prst="rect">
+            <a:avLst/>
+          </a:prstGeom>
+          <a:noFill/>
+        </p:spPr>
+        <p:txBody>
+          <a:bodyPr wrap="none" rtlCol="0">
+            <a:spAutoFit/>
+          </a:bodyPr>
+          <a:lstStyle/>
+          <a:p>
+            <a:r>
+              <a:rPr lang="pt-BR" b="1" dirty="0">
+                <a:solidFill>
+                  <a:schemeClr val="accent1">
+                    <a:lumMod val="50000"/>
+                  </a:schemeClr>
+                </a:solidFill>
+                <a:latin typeface="Oswald"/>
+              </a:rPr>
+              <a:t>Probabilidades</a:t>
+            </a:r>
+            <a:endParaRPr lang="pt-BR" dirty="0">
+              <a:solidFill>
+                <a:schemeClr val="accent1">
+                  <a:lumMod val="50000"/>
+                </a:schemeClr>
+              </a:solidFill>
+              <a:latin typeface="Oswald"/>
+            </a:endParaRPr>
+          </a:p>
+        </p:txBody>
+      </p:sp>
+      <p:sp>
+        <p:nvSpPr>
+          <p:cNvPr id="3" name="CaixaDeTexto 2">
+            <a:extLst>
+              <a:ext uri="{FF2B5EF4-FFF2-40B4-BE49-F238E27FC236}">
+                <a16:creationId xmlns:a16="http://schemas.microsoft.com/office/drawing/2014/main" id="{05A2F39F-CB77-45B6-B032-B318CCF06A90}"/>
+              </a:ext>
+            </a:extLst>
+          </p:cNvPr>
+          <p:cNvSpPr txBox="1"/>
+          <p:nvPr/>
+        </p:nvSpPr>
+        <p:spPr>
+          <a:xfrm>
+            <a:off x="324736" y="1474098"/>
+            <a:ext cx="3794629" cy="3416320"/>
+          </a:xfrm>
+          <a:prstGeom prst="rect">
+            <a:avLst/>
+          </a:prstGeom>
+          <a:noFill/>
+        </p:spPr>
+        <p:txBody>
+          <a:bodyPr wrap="none" rtlCol="0">
+            <a:spAutoFit/>
+          </a:bodyPr>
+          <a:lstStyle/>
+          <a:p>
+            <a:r>
+              <a:rPr lang="pt-BR" dirty="0">
+                <a:latin typeface="Oswald"/>
+              </a:rPr>
+              <a:t>População Total:  2.817.068</a:t>
+            </a:r>
+          </a:p>
+          <a:p>
+            <a:r>
+              <a:rPr lang="pt-BR" dirty="0">
+                <a:latin typeface="Oswald"/>
+              </a:rPr>
+              <a:t>Pessoas que tomaram a vacina: 2.420.470</a:t>
+            </a:r>
+          </a:p>
+          <a:p>
+            <a:br>
+              <a:rPr lang="pt-BR" dirty="0">
+                <a:latin typeface="Oswald"/>
+              </a:rPr>
+            </a:br>
+            <a:r>
+              <a:rPr lang="pt-BR" dirty="0">
+                <a:latin typeface="Oswald"/>
+              </a:rPr>
+              <a:t>Percentuais de doses:</a:t>
+            </a:r>
+          </a:p>
+          <a:p>
+            <a:br>
+              <a:rPr lang="pt-BR" dirty="0">
+                <a:latin typeface="Oswald"/>
+              </a:rPr>
+            </a:br>
+            <a:r>
+              <a:rPr lang="pt-BR" dirty="0">
+                <a:latin typeface="Oswald"/>
+              </a:rPr>
+              <a:t>- 1    13.4 %</a:t>
+            </a:r>
+          </a:p>
+          <a:p>
+            <a:r>
+              <a:rPr lang="pt-BR" dirty="0">
+                <a:latin typeface="Oswald"/>
+              </a:rPr>
+              <a:t>- 2    32.9 %</a:t>
+            </a:r>
+          </a:p>
+          <a:p>
+            <a:r>
+              <a:rPr lang="pt-BR" dirty="0">
+                <a:latin typeface="Oswald"/>
+              </a:rPr>
+              <a:t>- 3    27.0 %</a:t>
+            </a:r>
+          </a:p>
+          <a:p>
+            <a:r>
+              <a:rPr lang="pt-BR" dirty="0">
+                <a:latin typeface="Oswald"/>
+              </a:rPr>
+              <a:t>- 4    15.6 %</a:t>
+            </a:r>
+          </a:p>
+          <a:p>
+            <a:r>
+              <a:rPr lang="pt-BR" dirty="0">
+                <a:latin typeface="Oswald"/>
+              </a:rPr>
+              <a:t>- 5    10.9 %</a:t>
+            </a:r>
+          </a:p>
+          <a:p>
+            <a:r>
+              <a:rPr lang="pt-BR" dirty="0">
+                <a:latin typeface="Oswald"/>
+              </a:rPr>
+              <a:t>- +5    0.2 %</a:t>
+            </a:r>
+          </a:p>
+          <a:p>
+            <a:endParaRPr lang="pt-BR" dirty="0">
+              <a:latin typeface="Oswald"/>
+            </a:endParaRPr>
+          </a:p>
+        </p:txBody>
+      </p:sp>
+      <p:sp>
+        <p:nvSpPr>
+          <p:cNvPr id="5" name="CaixaDeTexto 4">
+            <a:extLst>
+              <a:ext uri="{FF2B5EF4-FFF2-40B4-BE49-F238E27FC236}">
+                <a16:creationId xmlns:a16="http://schemas.microsoft.com/office/drawing/2014/main" id="{7963AA75-7ADF-4F91-9EBC-A9EB196C7271}"/>
+              </a:ext>
+            </a:extLst>
+          </p:cNvPr>
+          <p:cNvSpPr txBox="1"/>
+          <p:nvPr/>
+        </p:nvSpPr>
+        <p:spPr>
+          <a:xfrm>
+            <a:off x="4360474" y="794847"/>
+            <a:ext cx="4867038" cy="830997"/>
+          </a:xfrm>
+          <a:prstGeom prst="rect">
+            <a:avLst/>
+          </a:prstGeom>
+          <a:noFill/>
+        </p:spPr>
+        <p:txBody>
+          <a:bodyPr wrap="square" rtlCol="0">
+            <a:spAutoFit/>
+          </a:bodyPr>
+          <a:lstStyle/>
+          <a:p>
+            <a:r>
+              <a:rPr lang="pt-BR" sz="1600" dirty="0">
+                <a:latin typeface="Oswald"/>
+              </a:rPr>
+              <a:t>Probabilidade de termos uma pessoa escolhida aleatoriamente</a:t>
+            </a:r>
+          </a:p>
+          <a:p>
+            <a:r>
+              <a:rPr lang="pt-BR" sz="1600" dirty="0">
+                <a:latin typeface="Oswald"/>
+              </a:rPr>
+              <a:t> na população e ela ter tomado pelo menos 3 doses de vacina</a:t>
+            </a:r>
+          </a:p>
+          <a:p>
+            <a:endParaRPr lang="pt-BR" sz="1600" dirty="0">
+              <a:latin typeface="Oswald"/>
+            </a:endParaRPr>
+          </a:p>
+        </p:txBody>
+      </p:sp>
+      <p:pic>
+        <p:nvPicPr>
+          <p:cNvPr id="7" name="Imagem 6">
+            <a:extLst>
+              <a:ext uri="{FF2B5EF4-FFF2-40B4-BE49-F238E27FC236}">
+                <a16:creationId xmlns:a16="http://schemas.microsoft.com/office/drawing/2014/main" id="{2900E693-9F16-48D2-BC63-253A9087DB93}"/>
+              </a:ext>
+            </a:extLst>
+          </p:cNvPr>
+          <p:cNvPicPr>
+            <a:picLocks noChangeAspect="1"/>
+          </p:cNvPicPr>
+          <p:nvPr/>
+        </p:nvPicPr>
+        <p:blipFill rotWithShape="1">
+          <a:blip r:embed="rId2"/>
+          <a:srcRect l="21614" t="36867" r="29220" b="10686"/>
+          <a:stretch/>
+        </p:blipFill>
+        <p:spPr>
+          <a:xfrm>
+            <a:off x="4446570" y="1470961"/>
+            <a:ext cx="4742808" cy="3596769"/>
+          </a:xfrm>
+          <a:prstGeom prst="rect">
+            <a:avLst/>
+          </a:prstGeom>
+        </p:spPr>
+      </p:pic>
+      <p:sp>
+        <p:nvSpPr>
+          <p:cNvPr id="8" name="CaixaDeTexto 7">
+            <a:extLst>
+              <a:ext uri="{FF2B5EF4-FFF2-40B4-BE49-F238E27FC236}">
+                <a16:creationId xmlns:a16="http://schemas.microsoft.com/office/drawing/2014/main" id="{DCA7971C-4683-46FD-836A-CFF260DA28C2}"/>
+              </a:ext>
+            </a:extLst>
+          </p:cNvPr>
+          <p:cNvSpPr txBox="1"/>
+          <p:nvPr/>
+        </p:nvSpPr>
+        <p:spPr>
+          <a:xfrm>
+            <a:off x="7797217" y="4023399"/>
+            <a:ext cx="1223412" cy="954107"/>
+          </a:xfrm>
+          <a:prstGeom prst="rect">
+            <a:avLst/>
+          </a:prstGeom>
+          <a:solidFill>
+            <a:schemeClr val="accent1">
+              <a:lumMod val="60000"/>
+              <a:lumOff val="40000"/>
+            </a:schemeClr>
+          </a:solidFill>
+        </p:spPr>
+        <p:txBody>
+          <a:bodyPr wrap="none" rtlCol="0">
+            <a:spAutoFit/>
+          </a:bodyPr>
+          <a:lstStyle/>
+          <a:p>
+            <a:pPr algn="ctr"/>
+            <a:r>
+              <a:rPr lang="pt-BR" sz="2800" dirty="0">
+                <a:solidFill>
+                  <a:schemeClr val="bg1"/>
+                </a:solidFill>
+                <a:latin typeface="Oswald"/>
+              </a:rPr>
+              <a:t>Prob+3 </a:t>
+            </a:r>
+          </a:p>
+          <a:p>
+            <a:pPr algn="ctr"/>
+            <a:r>
+              <a:rPr lang="pt-BR" sz="2800" dirty="0">
+                <a:solidFill>
+                  <a:schemeClr val="bg1"/>
+                </a:solidFill>
+                <a:latin typeface="Oswald"/>
+              </a:rPr>
+              <a:t>46%</a:t>
+            </a:r>
+          </a:p>
+        </p:txBody>
+      </p:sp>
+      <p:sp>
+        <p:nvSpPr>
+          <p:cNvPr id="12" name="CaixaDeTexto 11">
+            <a:extLst>
+              <a:ext uri="{FF2B5EF4-FFF2-40B4-BE49-F238E27FC236}">
+                <a16:creationId xmlns:a16="http://schemas.microsoft.com/office/drawing/2014/main" id="{01822F17-48CB-4359-AC73-9ED431BA6314}"/>
+              </a:ext>
+            </a:extLst>
+          </p:cNvPr>
+          <p:cNvSpPr txBox="1"/>
+          <p:nvPr/>
+        </p:nvSpPr>
+        <p:spPr>
+          <a:xfrm>
+            <a:off x="4360474" y="5205235"/>
+            <a:ext cx="4867038" cy="830997"/>
+          </a:xfrm>
+          <a:prstGeom prst="rect">
+            <a:avLst/>
+          </a:prstGeom>
+          <a:noFill/>
+        </p:spPr>
+        <p:txBody>
+          <a:bodyPr wrap="square" rtlCol="0">
+            <a:spAutoFit/>
+          </a:bodyPr>
+          <a:lstStyle/>
+          <a:p>
+            <a:r>
+              <a:rPr lang="pt-BR" sz="1600" dirty="0">
+                <a:latin typeface="Oswald"/>
+              </a:rPr>
+              <a:t>Probabilidade de termos uma pessoa escolhida aleatoriamente</a:t>
+            </a:r>
+          </a:p>
+          <a:p>
+            <a:r>
+              <a:rPr lang="pt-BR" sz="1600" dirty="0">
+                <a:latin typeface="Oswald"/>
+              </a:rPr>
+              <a:t> na população e ela ter apenas uma dose de vacina</a:t>
+            </a:r>
+          </a:p>
+          <a:p>
+            <a:endParaRPr lang="pt-BR" sz="1600" dirty="0">
+              <a:latin typeface="Oswald"/>
+            </a:endParaRPr>
+          </a:p>
+        </p:txBody>
+      </p:sp>
+      <p:sp>
+        <p:nvSpPr>
+          <p:cNvPr id="13" name="CaixaDeTexto 12">
+            <a:extLst>
+              <a:ext uri="{FF2B5EF4-FFF2-40B4-BE49-F238E27FC236}">
+                <a16:creationId xmlns:a16="http://schemas.microsoft.com/office/drawing/2014/main" id="{31644BB7-274C-4CE0-A342-21FEB7BD4E32}"/>
+              </a:ext>
+            </a:extLst>
+          </p:cNvPr>
+          <p:cNvSpPr txBox="1"/>
+          <p:nvPr/>
+        </p:nvSpPr>
+        <p:spPr>
+          <a:xfrm>
+            <a:off x="7910581" y="5772872"/>
+            <a:ext cx="996683" cy="954107"/>
+          </a:xfrm>
+          <a:prstGeom prst="rect">
+            <a:avLst/>
+          </a:prstGeom>
+          <a:solidFill>
+            <a:schemeClr val="accent1">
+              <a:lumMod val="60000"/>
+              <a:lumOff val="40000"/>
+            </a:schemeClr>
+          </a:solidFill>
+        </p:spPr>
+        <p:txBody>
+          <a:bodyPr wrap="none" rtlCol="0">
+            <a:spAutoFit/>
+          </a:bodyPr>
+          <a:lstStyle/>
+          <a:p>
+            <a:pPr algn="ctr"/>
+            <a:r>
+              <a:rPr lang="pt-BR" sz="2800" dirty="0">
+                <a:solidFill>
+                  <a:schemeClr val="bg1"/>
+                </a:solidFill>
+                <a:latin typeface="Oswald"/>
+              </a:rPr>
+              <a:t>Prob1</a:t>
+            </a:r>
+          </a:p>
+          <a:p>
+            <a:pPr algn="ctr"/>
+            <a:r>
+              <a:rPr lang="pt-BR" sz="2800" dirty="0">
+                <a:solidFill>
+                  <a:schemeClr val="bg1"/>
+                </a:solidFill>
+                <a:latin typeface="Oswald"/>
+              </a:rPr>
+              <a:t>11.5%</a:t>
+            </a:r>
+          </a:p>
+        </p:txBody>
+      </p:sp>
+    </p:spTree>
+    <p:extLst>
+      <p:ext uri="{BB962C8B-B14F-4D97-AF65-F5344CB8AC3E}">
+        <p14:creationId xmlns:p14="http://schemas.microsoft.com/office/powerpoint/2010/main" val="2753795546"/>
+      </p:ext>
+    </p:extLst>
+  </p:cSld>
+  <p:clrMapOvr>
+    <a:masterClrMapping/>
+  </p:clrMapOvr>
+</p:sld>
+</file>
+
+<file path=ppt/slides/slide13.xml><?xml version="1.0" encoding="utf-8"?>
+<p:sld xmlns:a="http://schemas.openxmlformats.org/drawingml/2006/main" xmlns:r="http://schemas.openxmlformats.org/officeDocument/2006/relationships" xmlns:p="http://schemas.openxmlformats.org/presentationml/2006/main">
+  <p:cSld>
+    <p:spTree>
+      <p:nvGrpSpPr>
+        <p:cNvPr id="1" name=""/>
+        <p:cNvGrpSpPr/>
+        <p:nvPr/>
+      </p:nvGrpSpPr>
+      <p:grpSpPr>
+        <a:xfrm>
+          <a:off x="0" y="0"/>
+          <a:ext cx="0" cy="0"/>
+          <a:chOff x="0" y="0"/>
+          <a:chExt cx="0" cy="0"/>
+        </a:xfrm>
+      </p:grpSpPr>
+      <p:sp>
+        <p:nvSpPr>
+          <p:cNvPr id="2" name="CaixaDeTexto 1">
+            <a:extLst>
+              <a:ext uri="{FF2B5EF4-FFF2-40B4-BE49-F238E27FC236}">
+                <a16:creationId xmlns:a16="http://schemas.microsoft.com/office/drawing/2014/main" id="{BAF53F97-753A-4957-BE26-3B201D692607}"/>
+              </a:ext>
+            </a:extLst>
+          </p:cNvPr>
+          <p:cNvSpPr txBox="1"/>
+          <p:nvPr/>
+        </p:nvSpPr>
+        <p:spPr>
+          <a:xfrm>
+            <a:off x="0" y="-6807"/>
+            <a:ext cx="9906000" cy="523220"/>
+          </a:xfrm>
+          <a:prstGeom prst="rect">
+            <a:avLst/>
+          </a:prstGeom>
+          <a:solidFill>
+            <a:schemeClr val="accent5">
+              <a:lumMod val="40000"/>
+              <a:lumOff val="60000"/>
+            </a:schemeClr>
+          </a:solidFill>
+        </p:spPr>
+        <p:txBody>
+          <a:bodyPr wrap="square" rtlCol="0">
+            <a:spAutoFit/>
+          </a:bodyPr>
+          <a:lstStyle/>
+          <a:p>
+            <a:r>
+              <a:rPr lang="pt-BR" sz="2800" b="1" dirty="0">
+                <a:solidFill>
+                  <a:schemeClr val="accent1">
+                    <a:lumMod val="50000"/>
+                  </a:schemeClr>
+                </a:solidFill>
+                <a:latin typeface="Oswald"/>
+              </a:rPr>
+              <a:t>ANÁLISE TEMPORAL</a:t>
+            </a:r>
+          </a:p>
+        </p:txBody>
+      </p:sp>
+      <p:pic>
+        <p:nvPicPr>
+          <p:cNvPr id="6" name="Imagem 5">
+            <a:extLst>
+              <a:ext uri="{FF2B5EF4-FFF2-40B4-BE49-F238E27FC236}">
+                <a16:creationId xmlns:a16="http://schemas.microsoft.com/office/drawing/2014/main" id="{6E1360FA-C7D3-487E-BCF0-71C32175D445}"/>
+              </a:ext>
+            </a:extLst>
+          </p:cNvPr>
+          <p:cNvPicPr>
+            <a:picLocks noChangeAspect="1"/>
+          </p:cNvPicPr>
+          <p:nvPr/>
+        </p:nvPicPr>
+        <p:blipFill rotWithShape="1">
+          <a:blip r:embed="rId2"/>
+          <a:srcRect l="17914" t="25608" r="1438" b="6244"/>
+          <a:stretch/>
+        </p:blipFill>
+        <p:spPr>
+          <a:xfrm>
+            <a:off x="584199" y="1416641"/>
+            <a:ext cx="8476512" cy="5092234"/>
+          </a:xfrm>
+          <a:prstGeom prst="rect">
+            <a:avLst/>
+          </a:prstGeom>
+        </p:spPr>
+      </p:pic>
+      <p:sp>
+        <p:nvSpPr>
+          <p:cNvPr id="11" name="CaixaDeTexto 10">
+            <a:extLst>
+              <a:ext uri="{FF2B5EF4-FFF2-40B4-BE49-F238E27FC236}">
+                <a16:creationId xmlns:a16="http://schemas.microsoft.com/office/drawing/2014/main" id="{D4393D9B-8544-4880-B8DA-3C9AD2DE33D0}"/>
+              </a:ext>
+            </a:extLst>
+          </p:cNvPr>
+          <p:cNvSpPr txBox="1"/>
+          <p:nvPr/>
+        </p:nvSpPr>
+        <p:spPr>
+          <a:xfrm>
+            <a:off x="286602" y="577131"/>
+            <a:ext cx="4177747" cy="369332"/>
+          </a:xfrm>
+          <a:prstGeom prst="rect">
+            <a:avLst/>
+          </a:prstGeom>
+          <a:noFill/>
+        </p:spPr>
+        <p:txBody>
+          <a:bodyPr wrap="none" rtlCol="0">
+            <a:spAutoFit/>
+          </a:bodyPr>
+          <a:lstStyle/>
+          <a:p>
+            <a:r>
+              <a:rPr lang="pt-BR" b="1" dirty="0">
+                <a:solidFill>
+                  <a:schemeClr val="accent1">
+                    <a:lumMod val="50000"/>
+                  </a:schemeClr>
+                </a:solidFill>
+                <a:latin typeface="Oswald"/>
+              </a:rPr>
+              <a:t>Evolução da quantidade de doses tomadas</a:t>
+            </a:r>
+            <a:endParaRPr lang="pt-BR" dirty="0">
+              <a:solidFill>
+                <a:schemeClr val="accent1">
+                  <a:lumMod val="50000"/>
+                </a:schemeClr>
+              </a:solidFill>
+              <a:latin typeface="Oswald"/>
+            </a:endParaRPr>
+          </a:p>
+        </p:txBody>
+      </p:sp>
+    </p:spTree>
+    <p:extLst>
+      <p:ext uri="{BB962C8B-B14F-4D97-AF65-F5344CB8AC3E}">
+        <p14:creationId xmlns:p14="http://schemas.microsoft.com/office/powerpoint/2010/main" val="1492413397"/>
+      </p:ext>
+    </p:extLst>
+  </p:cSld>
+  <p:clrMapOvr>
+    <a:masterClrMapping/>
+  </p:clrMapOvr>
+</p:sld>
+</file>
+
+<file path=ppt/slides/slide14.xml><?xml version="1.0" encoding="utf-8"?>
+<p:sld xmlns:a="http://schemas.openxmlformats.org/drawingml/2006/main" xmlns:r="http://schemas.openxmlformats.org/officeDocument/2006/relationships" xmlns:p="http://schemas.openxmlformats.org/presentationml/2006/main">
+  <p:cSld>
+    <p:spTree>
+      <p:nvGrpSpPr>
+        <p:cNvPr id="1" name=""/>
+        <p:cNvGrpSpPr/>
+        <p:nvPr/>
+      </p:nvGrpSpPr>
+      <p:grpSpPr>
+        <a:xfrm>
+          <a:off x="0" y="0"/>
+          <a:ext cx="0" cy="0"/>
+          <a:chOff x="0" y="0"/>
+          <a:chExt cx="0" cy="0"/>
+        </a:xfrm>
+      </p:grpSpPr>
+      <p:sp>
+        <p:nvSpPr>
+          <p:cNvPr id="2" name="CaixaDeTexto 1">
+            <a:extLst>
+              <a:ext uri="{FF2B5EF4-FFF2-40B4-BE49-F238E27FC236}">
+                <a16:creationId xmlns:a16="http://schemas.microsoft.com/office/drawing/2014/main" id="{BAF53F97-753A-4957-BE26-3B201D692607}"/>
+              </a:ext>
+            </a:extLst>
+          </p:cNvPr>
+          <p:cNvSpPr txBox="1"/>
+          <p:nvPr/>
+        </p:nvSpPr>
+        <p:spPr>
+          <a:xfrm>
+            <a:off x="0" y="-6807"/>
+            <a:ext cx="9906000" cy="523220"/>
+          </a:xfrm>
+          <a:prstGeom prst="rect">
+            <a:avLst/>
+          </a:prstGeom>
+          <a:solidFill>
+            <a:schemeClr val="accent5">
+              <a:lumMod val="40000"/>
+              <a:lumOff val="60000"/>
+            </a:schemeClr>
+          </a:solidFill>
+        </p:spPr>
+        <p:txBody>
+          <a:bodyPr wrap="square" rtlCol="0">
+            <a:spAutoFit/>
+          </a:bodyPr>
+          <a:lstStyle/>
+          <a:p>
+            <a:r>
+              <a:rPr lang="pt-BR" sz="2800" b="1" dirty="0">
+                <a:solidFill>
+                  <a:schemeClr val="accent1">
+                    <a:lumMod val="50000"/>
+                  </a:schemeClr>
+                </a:solidFill>
+                <a:latin typeface="Oswald"/>
+              </a:rPr>
+              <a:t>ANÁLISE TEMPORAL</a:t>
+            </a:r>
+          </a:p>
+        </p:txBody>
+      </p:sp>
+      <p:pic>
+        <p:nvPicPr>
+          <p:cNvPr id="6" name="Imagem 5">
+            <a:extLst>
+              <a:ext uri="{FF2B5EF4-FFF2-40B4-BE49-F238E27FC236}">
+                <a16:creationId xmlns:a16="http://schemas.microsoft.com/office/drawing/2014/main" id="{6E1360FA-C7D3-487E-BCF0-71C32175D445}"/>
+              </a:ext>
+            </a:extLst>
+          </p:cNvPr>
+          <p:cNvPicPr>
+            <a:picLocks noChangeAspect="1"/>
+          </p:cNvPicPr>
+          <p:nvPr/>
+        </p:nvPicPr>
+        <p:blipFill rotWithShape="1">
+          <a:blip r:embed="rId2"/>
+          <a:srcRect l="17914" t="25608" r="1438" b="6244"/>
+          <a:stretch/>
+        </p:blipFill>
+        <p:spPr>
+          <a:xfrm>
+            <a:off x="2622207" y="1182346"/>
+            <a:ext cx="3915754" cy="2352375"/>
+          </a:xfrm>
+          <a:prstGeom prst="rect">
+            <a:avLst/>
+          </a:prstGeom>
+        </p:spPr>
+      </p:pic>
+      <p:sp>
+        <p:nvSpPr>
+          <p:cNvPr id="11" name="CaixaDeTexto 10">
+            <a:extLst>
+              <a:ext uri="{FF2B5EF4-FFF2-40B4-BE49-F238E27FC236}">
+                <a16:creationId xmlns:a16="http://schemas.microsoft.com/office/drawing/2014/main" id="{D4393D9B-8544-4880-B8DA-3C9AD2DE33D0}"/>
+              </a:ext>
+            </a:extLst>
+          </p:cNvPr>
+          <p:cNvSpPr txBox="1"/>
+          <p:nvPr/>
+        </p:nvSpPr>
+        <p:spPr>
+          <a:xfrm>
+            <a:off x="286602" y="577131"/>
+            <a:ext cx="4177747" cy="369332"/>
+          </a:xfrm>
+          <a:prstGeom prst="rect">
+            <a:avLst/>
+          </a:prstGeom>
+          <a:noFill/>
+        </p:spPr>
+        <p:txBody>
+          <a:bodyPr wrap="none" rtlCol="0">
+            <a:spAutoFit/>
+          </a:bodyPr>
+          <a:lstStyle/>
+          <a:p>
+            <a:r>
+              <a:rPr lang="pt-BR" b="1" dirty="0">
+                <a:solidFill>
+                  <a:schemeClr val="accent1">
+                    <a:lumMod val="50000"/>
+                  </a:schemeClr>
+                </a:solidFill>
+                <a:latin typeface="Oswald"/>
+              </a:rPr>
+              <a:t>Evolução da quantidade de doses tomadas</a:t>
+            </a:r>
+            <a:endParaRPr lang="pt-BR" dirty="0">
+              <a:solidFill>
+                <a:schemeClr val="accent1">
+                  <a:lumMod val="50000"/>
+                </a:schemeClr>
+              </a:solidFill>
+              <a:latin typeface="Oswald"/>
+            </a:endParaRPr>
+          </a:p>
+        </p:txBody>
+      </p:sp>
+      <p:pic>
+        <p:nvPicPr>
+          <p:cNvPr id="9" name="Imagem 8">
+            <a:extLst>
+              <a:ext uri="{FF2B5EF4-FFF2-40B4-BE49-F238E27FC236}">
+                <a16:creationId xmlns:a16="http://schemas.microsoft.com/office/drawing/2014/main" id="{5ECC826F-1566-4184-9F05-BC3007D67FD2}"/>
+              </a:ext>
+            </a:extLst>
+          </p:cNvPr>
+          <p:cNvPicPr>
+            <a:picLocks noChangeAspect="1"/>
+          </p:cNvPicPr>
+          <p:nvPr/>
+        </p:nvPicPr>
+        <p:blipFill rotWithShape="1">
+          <a:blip r:embed="rId3"/>
+          <a:srcRect l="23029" t="32593" r="29123" b="19364"/>
+          <a:stretch/>
+        </p:blipFill>
+        <p:spPr>
+          <a:xfrm>
+            <a:off x="715725" y="3770604"/>
+            <a:ext cx="4034540" cy="2880000"/>
+          </a:xfrm>
+          <a:prstGeom prst="rect">
+            <a:avLst/>
+          </a:prstGeom>
+        </p:spPr>
+      </p:pic>
+      <p:pic>
+        <p:nvPicPr>
+          <p:cNvPr id="10" name="Imagem 9">
+            <a:extLst>
+              <a:ext uri="{FF2B5EF4-FFF2-40B4-BE49-F238E27FC236}">
+                <a16:creationId xmlns:a16="http://schemas.microsoft.com/office/drawing/2014/main" id="{A55398BF-5009-41D8-96EF-04BBEB7D5E1F}"/>
+              </a:ext>
+            </a:extLst>
+          </p:cNvPr>
+          <p:cNvPicPr>
+            <a:picLocks noChangeAspect="1"/>
+          </p:cNvPicPr>
+          <p:nvPr/>
+        </p:nvPicPr>
+        <p:blipFill rotWithShape="1">
+          <a:blip r:embed="rId4"/>
+          <a:srcRect l="23180" t="27724" r="28823" b="24021"/>
+          <a:stretch/>
+        </p:blipFill>
+        <p:spPr>
+          <a:xfrm>
+            <a:off x="4916209" y="3770604"/>
+            <a:ext cx="4029472" cy="2880000"/>
+          </a:xfrm>
+          <a:prstGeom prst="rect">
+            <a:avLst/>
+          </a:prstGeom>
+        </p:spPr>
+      </p:pic>
+      <p:cxnSp>
+        <p:nvCxnSpPr>
+          <p:cNvPr id="18" name="Conector de Seta Reta 17">
+            <a:extLst>
+              <a:ext uri="{FF2B5EF4-FFF2-40B4-BE49-F238E27FC236}">
+                <a16:creationId xmlns:a16="http://schemas.microsoft.com/office/drawing/2014/main" id="{D2D3AAB6-A6F5-4430-8BC6-1472ABA4FD1A}"/>
+              </a:ext>
+            </a:extLst>
+          </p:cNvPr>
+          <p:cNvCxnSpPr>
+            <a:cxnSpLocks/>
+          </p:cNvCxnSpPr>
+          <p:nvPr/>
+        </p:nvCxnSpPr>
+        <p:spPr>
+          <a:xfrm>
+            <a:off x="3823335" y="2358533"/>
+            <a:ext cx="1754505" cy="2042017"/>
+          </a:xfrm>
+          <a:prstGeom prst="straightConnector1">
+            <a:avLst/>
+          </a:prstGeom>
+          <a:ln w="38100">
+            <a:tailEnd type="triangle"/>
+          </a:ln>
+        </p:spPr>
+        <p:style>
+          <a:lnRef idx="1">
+            <a:schemeClr val="accent1"/>
+          </a:lnRef>
+          <a:fillRef idx="0">
+            <a:schemeClr val="accent1"/>
+          </a:fillRef>
+          <a:effectRef idx="0">
+            <a:schemeClr val="accent1"/>
+          </a:effectRef>
+          <a:fontRef idx="minor">
+            <a:schemeClr val="tx1"/>
+          </a:fontRef>
+        </p:style>
+      </p:cxnSp>
+      <p:cxnSp>
+        <p:nvCxnSpPr>
+          <p:cNvPr id="20" name="Conector de Seta Reta 19">
+            <a:extLst>
+              <a:ext uri="{FF2B5EF4-FFF2-40B4-BE49-F238E27FC236}">
+                <a16:creationId xmlns:a16="http://schemas.microsoft.com/office/drawing/2014/main" id="{FB91B325-A978-41F1-9664-BCF2123A67CA}"/>
+              </a:ext>
+            </a:extLst>
+          </p:cNvPr>
+          <p:cNvCxnSpPr>
+            <a:cxnSpLocks/>
+          </p:cNvCxnSpPr>
+          <p:nvPr/>
+        </p:nvCxnSpPr>
+        <p:spPr>
+          <a:xfrm>
+            <a:off x="3449782" y="2743200"/>
+            <a:ext cx="516428" cy="1817370"/>
+          </a:xfrm>
+          <a:prstGeom prst="straightConnector1">
+            <a:avLst/>
+          </a:prstGeom>
+          <a:ln w="38100">
+            <a:tailEnd type="triangle"/>
+          </a:ln>
+        </p:spPr>
+        <p:style>
+          <a:lnRef idx="1">
+            <a:schemeClr val="accent1"/>
+          </a:lnRef>
+          <a:fillRef idx="0">
+            <a:schemeClr val="accent1"/>
+          </a:fillRef>
+          <a:effectRef idx="0">
+            <a:schemeClr val="accent1"/>
+          </a:effectRef>
+          <a:fontRef idx="minor">
+            <a:schemeClr val="tx1"/>
+          </a:fontRef>
+        </p:style>
+      </p:cxnSp>
+    </p:spTree>
+    <p:extLst>
+      <p:ext uri="{BB962C8B-B14F-4D97-AF65-F5344CB8AC3E}">
+        <p14:creationId xmlns:p14="http://schemas.microsoft.com/office/powerpoint/2010/main" val="1329204382"/>
+      </p:ext>
+    </p:extLst>
+  </p:cSld>
+  <p:clrMapOvr>
+    <a:masterClrMapping/>
+  </p:clrMapOvr>
+</p:sld>
+</file>
+
+<file path=ppt/slides/slide15.xml><?xml version="1.0" encoding="utf-8"?>
+<p:sld xmlns:a="http://schemas.openxmlformats.org/drawingml/2006/main" xmlns:r="http://schemas.openxmlformats.org/officeDocument/2006/relationships" xmlns:p="http://schemas.openxmlformats.org/presentationml/2006/main">
+  <p:cSld>
+    <p:spTree>
+      <p:nvGrpSpPr>
+        <p:cNvPr id="1" name=""/>
+        <p:cNvGrpSpPr/>
+        <p:nvPr/>
+      </p:nvGrpSpPr>
+      <p:grpSpPr>
+        <a:xfrm>
+          <a:off x="0" y="0"/>
+          <a:ext cx="0" cy="0"/>
+          <a:chOff x="0" y="0"/>
+          <a:chExt cx="0" cy="0"/>
+        </a:xfrm>
+      </p:grpSpPr>
+      <p:sp>
+        <p:nvSpPr>
+          <p:cNvPr id="2" name="CaixaDeTexto 1">
+            <a:extLst>
+              <a:ext uri="{FF2B5EF4-FFF2-40B4-BE49-F238E27FC236}">
+                <a16:creationId xmlns:a16="http://schemas.microsoft.com/office/drawing/2014/main" id="{BAF53F97-753A-4957-BE26-3B201D692607}"/>
+              </a:ext>
+            </a:extLst>
+          </p:cNvPr>
+          <p:cNvSpPr txBox="1"/>
+          <p:nvPr/>
+        </p:nvSpPr>
+        <p:spPr>
+          <a:xfrm>
+            <a:off x="0" y="-6807"/>
+            <a:ext cx="9906000" cy="523220"/>
+          </a:xfrm>
+          <a:prstGeom prst="rect">
+            <a:avLst/>
+          </a:prstGeom>
+          <a:solidFill>
+            <a:schemeClr val="accent5">
+              <a:lumMod val="40000"/>
+              <a:lumOff val="60000"/>
+            </a:schemeClr>
+          </a:solidFill>
+        </p:spPr>
+        <p:txBody>
+          <a:bodyPr wrap="square" rtlCol="0">
+            <a:spAutoFit/>
+          </a:bodyPr>
+          <a:lstStyle/>
+          <a:p>
+            <a:r>
+              <a:rPr lang="pt-BR" sz="2800" b="1" dirty="0">
+                <a:solidFill>
+                  <a:schemeClr val="accent1">
+                    <a:lumMod val="50000"/>
+                  </a:schemeClr>
+                </a:solidFill>
+                <a:latin typeface="Oswald"/>
+              </a:rPr>
+              <a:t>ANÁLISE TEMPORAL</a:t>
+            </a:r>
+          </a:p>
+        </p:txBody>
+      </p:sp>
+      <p:sp>
+        <p:nvSpPr>
+          <p:cNvPr id="11" name="CaixaDeTexto 10">
+            <a:extLst>
+              <a:ext uri="{FF2B5EF4-FFF2-40B4-BE49-F238E27FC236}">
+                <a16:creationId xmlns:a16="http://schemas.microsoft.com/office/drawing/2014/main" id="{D4393D9B-8544-4880-B8DA-3C9AD2DE33D0}"/>
+              </a:ext>
+            </a:extLst>
+          </p:cNvPr>
+          <p:cNvSpPr txBox="1"/>
+          <p:nvPr/>
+        </p:nvSpPr>
+        <p:spPr>
+          <a:xfrm>
+            <a:off x="286602" y="577131"/>
+            <a:ext cx="4041491" cy="369332"/>
+          </a:xfrm>
+          <a:prstGeom prst="rect">
+            <a:avLst/>
+          </a:prstGeom>
+          <a:noFill/>
+        </p:spPr>
+        <p:txBody>
+          <a:bodyPr wrap="none" rtlCol="0">
+            <a:spAutoFit/>
+          </a:bodyPr>
+          <a:lstStyle/>
+          <a:p>
+            <a:r>
+              <a:rPr lang="pt-BR" b="1" dirty="0">
+                <a:solidFill>
+                  <a:schemeClr val="accent1">
+                    <a:lumMod val="50000"/>
+                  </a:schemeClr>
+                </a:solidFill>
+                <a:latin typeface="Oswald"/>
+              </a:rPr>
+              <a:t>Evolução dos casos de COVID acumulado</a:t>
+            </a:r>
+            <a:endParaRPr lang="pt-BR" dirty="0">
+              <a:solidFill>
+                <a:schemeClr val="accent1">
+                  <a:lumMod val="50000"/>
+                </a:schemeClr>
+              </a:solidFill>
+              <a:latin typeface="Oswald"/>
+            </a:endParaRPr>
+          </a:p>
+        </p:txBody>
+      </p:sp>
+      <p:pic>
+        <p:nvPicPr>
+          <p:cNvPr id="5" name="Imagem 4">
+            <a:extLst>
+              <a:ext uri="{FF2B5EF4-FFF2-40B4-BE49-F238E27FC236}">
+                <a16:creationId xmlns:a16="http://schemas.microsoft.com/office/drawing/2014/main" id="{226CC449-8D5D-41BE-9E89-983D8B226C0D}"/>
+              </a:ext>
+            </a:extLst>
+          </p:cNvPr>
+          <p:cNvPicPr>
+            <a:picLocks noChangeAspect="1"/>
+          </p:cNvPicPr>
+          <p:nvPr/>
+        </p:nvPicPr>
+        <p:blipFill rotWithShape="1">
+          <a:blip r:embed="rId2"/>
+          <a:srcRect l="18079" t="24918" r="1581" b="11694"/>
+          <a:stretch/>
+        </p:blipFill>
+        <p:spPr>
+          <a:xfrm>
+            <a:off x="1289381" y="1603948"/>
+            <a:ext cx="7749916" cy="4347148"/>
+          </a:xfrm>
+          <a:prstGeom prst="rect">
+            <a:avLst/>
+          </a:prstGeom>
+        </p:spPr>
+      </p:pic>
+    </p:spTree>
+    <p:extLst>
+      <p:ext uri="{BB962C8B-B14F-4D97-AF65-F5344CB8AC3E}">
+        <p14:creationId xmlns:p14="http://schemas.microsoft.com/office/powerpoint/2010/main" val="809296902"/>
+      </p:ext>
+    </p:extLst>
+  </p:cSld>
+  <p:clrMapOvr>
+    <a:masterClrMapping/>
+  </p:clrMapOvr>
+</p:sld>
+</file>
+
+<file path=ppt/slides/slide16.xml><?xml version="1.0" encoding="utf-8"?>
+<p:sld xmlns:a="http://schemas.openxmlformats.org/drawingml/2006/main" xmlns:r="http://schemas.openxmlformats.org/officeDocument/2006/relationships" xmlns:p="http://schemas.openxmlformats.org/presentationml/2006/main">
+  <p:cSld>
+    <p:spTree>
+      <p:nvGrpSpPr>
+        <p:cNvPr id="1" name=""/>
+        <p:cNvGrpSpPr/>
+        <p:nvPr/>
+      </p:nvGrpSpPr>
+      <p:grpSpPr>
+        <a:xfrm>
+          <a:off x="0" y="0"/>
+          <a:ext cx="0" cy="0"/>
+          <a:chOff x="0" y="0"/>
+          <a:chExt cx="0" cy="0"/>
+        </a:xfrm>
+      </p:grpSpPr>
+      <p:sp>
+        <p:nvSpPr>
+          <p:cNvPr id="2" name="CaixaDeTexto 1">
+            <a:extLst>
+              <a:ext uri="{FF2B5EF4-FFF2-40B4-BE49-F238E27FC236}">
+                <a16:creationId xmlns:a16="http://schemas.microsoft.com/office/drawing/2014/main" id="{BAF53F97-753A-4957-BE26-3B201D692607}"/>
+              </a:ext>
+            </a:extLst>
+          </p:cNvPr>
+          <p:cNvSpPr txBox="1"/>
+          <p:nvPr/>
+        </p:nvSpPr>
+        <p:spPr>
+          <a:xfrm>
+            <a:off x="0" y="-6807"/>
+            <a:ext cx="9906000" cy="523220"/>
+          </a:xfrm>
+          <a:prstGeom prst="rect">
+            <a:avLst/>
+          </a:prstGeom>
+          <a:solidFill>
+            <a:schemeClr val="accent5">
+              <a:lumMod val="40000"/>
+              <a:lumOff val="60000"/>
+            </a:schemeClr>
+          </a:solidFill>
+        </p:spPr>
+        <p:txBody>
+          <a:bodyPr wrap="square" rtlCol="0">
+            <a:spAutoFit/>
+          </a:bodyPr>
+          <a:lstStyle/>
+          <a:p>
+            <a:r>
+              <a:rPr lang="pt-BR" sz="2800" b="1" dirty="0">
+                <a:solidFill>
+                  <a:schemeClr val="accent1">
+                    <a:lumMod val="50000"/>
+                  </a:schemeClr>
+                </a:solidFill>
+                <a:latin typeface="Oswald"/>
+              </a:rPr>
+              <a:t>ANÁLISE TEMPORAL</a:t>
+            </a:r>
+          </a:p>
+        </p:txBody>
+      </p:sp>
+      <p:sp>
+        <p:nvSpPr>
+          <p:cNvPr id="11" name="CaixaDeTexto 10">
+            <a:extLst>
+              <a:ext uri="{FF2B5EF4-FFF2-40B4-BE49-F238E27FC236}">
+                <a16:creationId xmlns:a16="http://schemas.microsoft.com/office/drawing/2014/main" id="{D4393D9B-8544-4880-B8DA-3C9AD2DE33D0}"/>
+              </a:ext>
+            </a:extLst>
+          </p:cNvPr>
+          <p:cNvSpPr txBox="1"/>
+          <p:nvPr/>
+        </p:nvSpPr>
+        <p:spPr>
+          <a:xfrm>
+            <a:off x="286602" y="577131"/>
+            <a:ext cx="4100803" cy="369332"/>
+          </a:xfrm>
+          <a:prstGeom prst="rect">
+            <a:avLst/>
+          </a:prstGeom>
+          <a:noFill/>
+        </p:spPr>
+        <p:txBody>
+          <a:bodyPr wrap="none" rtlCol="0">
+            <a:spAutoFit/>
+          </a:bodyPr>
+          <a:lstStyle/>
+          <a:p>
+            <a:r>
+              <a:rPr lang="pt-BR" b="1" dirty="0">
+                <a:solidFill>
+                  <a:schemeClr val="accent1">
+                    <a:lumMod val="50000"/>
+                  </a:schemeClr>
+                </a:solidFill>
+                <a:latin typeface="Oswald"/>
+              </a:rPr>
+              <a:t>Evolução dos óbitos por COVID acumulado</a:t>
+            </a:r>
+            <a:endParaRPr lang="pt-BR" dirty="0">
+              <a:solidFill>
+                <a:schemeClr val="accent1">
+                  <a:lumMod val="50000"/>
+                </a:schemeClr>
+              </a:solidFill>
+              <a:latin typeface="Oswald"/>
+            </a:endParaRPr>
+          </a:p>
+        </p:txBody>
+      </p:sp>
+      <p:pic>
+        <p:nvPicPr>
+          <p:cNvPr id="5" name="Imagem 4">
+            <a:extLst>
+              <a:ext uri="{FF2B5EF4-FFF2-40B4-BE49-F238E27FC236}">
+                <a16:creationId xmlns:a16="http://schemas.microsoft.com/office/drawing/2014/main" id="{226CC449-8D5D-41BE-9E89-983D8B226C0D}"/>
+              </a:ext>
+            </a:extLst>
+          </p:cNvPr>
+          <p:cNvPicPr>
+            <a:picLocks noChangeAspect="1"/>
+          </p:cNvPicPr>
+          <p:nvPr/>
+        </p:nvPicPr>
+        <p:blipFill rotWithShape="1">
+          <a:blip r:embed="rId2"/>
+          <a:srcRect l="18079" t="24918" r="1581" b="11694"/>
+          <a:stretch/>
+        </p:blipFill>
+        <p:spPr>
+          <a:xfrm>
+            <a:off x="1289381" y="1603948"/>
+            <a:ext cx="7749916" cy="4347148"/>
+          </a:xfrm>
+          <a:prstGeom prst="rect">
+            <a:avLst/>
+          </a:prstGeom>
+        </p:spPr>
+      </p:pic>
+      <p:pic>
+        <p:nvPicPr>
+          <p:cNvPr id="7" name="Imagem 6">
+            <a:extLst>
+              <a:ext uri="{FF2B5EF4-FFF2-40B4-BE49-F238E27FC236}">
+                <a16:creationId xmlns:a16="http://schemas.microsoft.com/office/drawing/2014/main" id="{B9397E7F-079C-46E4-BAF2-6B32259419B6}"/>
+              </a:ext>
+            </a:extLst>
+          </p:cNvPr>
+          <p:cNvPicPr>
+            <a:picLocks noChangeAspect="1"/>
+          </p:cNvPicPr>
+          <p:nvPr/>
+        </p:nvPicPr>
+        <p:blipFill rotWithShape="1">
+          <a:blip r:embed="rId3"/>
+          <a:srcRect l="21187" t="31694" r="7823" b="14754"/>
+          <a:stretch/>
+        </p:blipFill>
+        <p:spPr>
+          <a:xfrm>
+            <a:off x="959996" y="1648920"/>
+            <a:ext cx="8108887" cy="4348800"/>
+          </a:xfrm>
+          <a:prstGeom prst="rect">
+            <a:avLst/>
+          </a:prstGeom>
+        </p:spPr>
+      </p:pic>
+    </p:spTree>
+    <p:extLst>
+      <p:ext uri="{BB962C8B-B14F-4D97-AF65-F5344CB8AC3E}">
+        <p14:creationId xmlns:p14="http://schemas.microsoft.com/office/powerpoint/2010/main" val="1962978847"/>
+      </p:ext>
+    </p:extLst>
+  </p:cSld>
+  <p:clrMapOvr>
+    <a:masterClrMapping/>
+  </p:clrMapOvr>
+</p:sld>
+</file>
+
+<file path=ppt/slides/slide17.xml><?xml version="1.0" encoding="utf-8"?>
+<p:sld xmlns:a="http://schemas.openxmlformats.org/drawingml/2006/main" xmlns:r="http://schemas.openxmlformats.org/officeDocument/2006/relationships" xmlns:p="http://schemas.openxmlformats.org/presentationml/2006/main">
+  <p:cSld>
+    <p:spTree>
+      <p:nvGrpSpPr>
+        <p:cNvPr id="1" name=""/>
+        <p:cNvGrpSpPr/>
+        <p:nvPr/>
+      </p:nvGrpSpPr>
+      <p:grpSpPr>
+        <a:xfrm>
+          <a:off x="0" y="0"/>
+          <a:ext cx="0" cy="0"/>
+          <a:chOff x="0" y="0"/>
+          <a:chExt cx="0" cy="0"/>
+        </a:xfrm>
+      </p:grpSpPr>
+      <p:sp>
+        <p:nvSpPr>
+          <p:cNvPr id="2" name="CaixaDeTexto 1">
+            <a:extLst>
+              <a:ext uri="{FF2B5EF4-FFF2-40B4-BE49-F238E27FC236}">
+                <a16:creationId xmlns:a16="http://schemas.microsoft.com/office/drawing/2014/main" id="{BAF53F97-753A-4957-BE26-3B201D692607}"/>
+              </a:ext>
+            </a:extLst>
+          </p:cNvPr>
+          <p:cNvSpPr txBox="1"/>
+          <p:nvPr/>
+        </p:nvSpPr>
+        <p:spPr>
+          <a:xfrm>
+            <a:off x="0" y="-6807"/>
+            <a:ext cx="9906000" cy="523220"/>
+          </a:xfrm>
+          <a:prstGeom prst="rect">
+            <a:avLst/>
+          </a:prstGeom>
+          <a:solidFill>
+            <a:schemeClr val="accent5">
+              <a:lumMod val="40000"/>
+              <a:lumOff val="60000"/>
+            </a:schemeClr>
+          </a:solidFill>
+        </p:spPr>
+        <p:txBody>
+          <a:bodyPr wrap="square" rtlCol="0">
+            <a:spAutoFit/>
+          </a:bodyPr>
+          <a:lstStyle/>
+          <a:p>
+            <a:r>
+              <a:rPr lang="pt-BR" sz="2800" b="1" dirty="0">
+                <a:solidFill>
+                  <a:schemeClr val="accent1">
+                    <a:lumMod val="50000"/>
+                  </a:schemeClr>
+                </a:solidFill>
+                <a:latin typeface="Oswald"/>
+              </a:rPr>
+              <a:t>ANÁLISE TEMPORAL</a:t>
+            </a:r>
+          </a:p>
+        </p:txBody>
+      </p:sp>
+      <p:sp>
+        <p:nvSpPr>
+          <p:cNvPr id="11" name="CaixaDeTexto 10">
+            <a:extLst>
+              <a:ext uri="{FF2B5EF4-FFF2-40B4-BE49-F238E27FC236}">
+                <a16:creationId xmlns:a16="http://schemas.microsoft.com/office/drawing/2014/main" id="{D4393D9B-8544-4880-B8DA-3C9AD2DE33D0}"/>
+              </a:ext>
+            </a:extLst>
+          </p:cNvPr>
+          <p:cNvSpPr txBox="1"/>
+          <p:nvPr/>
+        </p:nvSpPr>
+        <p:spPr>
+          <a:xfrm>
+            <a:off x="286602" y="577131"/>
+            <a:ext cx="6370205" cy="369332"/>
+          </a:xfrm>
+          <a:prstGeom prst="rect">
+            <a:avLst/>
+          </a:prstGeom>
+          <a:noFill/>
+        </p:spPr>
+        <p:txBody>
+          <a:bodyPr wrap="none" rtlCol="0">
+            <a:spAutoFit/>
+          </a:bodyPr>
+          <a:lstStyle/>
+          <a:p>
+            <a:r>
+              <a:rPr lang="pt-BR" b="1" dirty="0">
+                <a:solidFill>
+                  <a:schemeClr val="accent1">
+                    <a:lumMod val="50000"/>
+                  </a:schemeClr>
+                </a:solidFill>
+                <a:latin typeface="Oswald"/>
+              </a:rPr>
+              <a:t>Comparação da Aplicação das Doses e o comportamento dos óbitos</a:t>
+            </a:r>
+            <a:endParaRPr lang="pt-BR" dirty="0">
+              <a:solidFill>
+                <a:schemeClr val="accent1">
+                  <a:lumMod val="50000"/>
+                </a:schemeClr>
+              </a:solidFill>
+              <a:latin typeface="Oswald"/>
+            </a:endParaRPr>
+          </a:p>
+        </p:txBody>
+      </p:sp>
+      <p:pic>
+        <p:nvPicPr>
+          <p:cNvPr id="4" name="Imagem 3">
+            <a:extLst>
+              <a:ext uri="{FF2B5EF4-FFF2-40B4-BE49-F238E27FC236}">
+                <a16:creationId xmlns:a16="http://schemas.microsoft.com/office/drawing/2014/main" id="{F4A10DBD-011D-4F9E-8875-41709D94845F}"/>
+              </a:ext>
+            </a:extLst>
+          </p:cNvPr>
+          <p:cNvPicPr>
+            <a:picLocks noChangeAspect="1"/>
+          </p:cNvPicPr>
+          <p:nvPr/>
+        </p:nvPicPr>
+        <p:blipFill rotWithShape="1">
+          <a:blip r:embed="rId2"/>
+          <a:srcRect l="23829" t="30820" r="1115" b="13006"/>
+          <a:stretch/>
+        </p:blipFill>
+        <p:spPr>
+          <a:xfrm>
+            <a:off x="467477" y="1517753"/>
+            <a:ext cx="8500954" cy="4523283"/>
+          </a:xfrm>
+          <a:prstGeom prst="rect">
+            <a:avLst/>
+          </a:prstGeom>
+        </p:spPr>
+      </p:pic>
+    </p:spTree>
+    <p:extLst>
+      <p:ext uri="{BB962C8B-B14F-4D97-AF65-F5344CB8AC3E}">
+        <p14:creationId xmlns:p14="http://schemas.microsoft.com/office/powerpoint/2010/main" val="233266088"/>
+      </p:ext>
+    </p:extLst>
+  </p:cSld>
+  <p:clrMapOvr>
+    <a:masterClrMapping/>
+  </p:clrMapOvr>
+</p:sld>
+</file>
+
+<file path=ppt/slides/slide18.xml><?xml version="1.0" encoding="utf-8"?>
+<p:sld xmlns:a="http://schemas.openxmlformats.org/drawingml/2006/main" xmlns:r="http://schemas.openxmlformats.org/officeDocument/2006/relationships" xmlns:p="http://schemas.openxmlformats.org/presentationml/2006/main">
+  <p:cSld>
+    <p:spTree>
+      <p:nvGrpSpPr>
+        <p:cNvPr id="1" name=""/>
+        <p:cNvGrpSpPr/>
+        <p:nvPr/>
+      </p:nvGrpSpPr>
+      <p:grpSpPr>
+        <a:xfrm>
+          <a:off x="0" y="0"/>
+          <a:ext cx="0" cy="0"/>
+          <a:chOff x="0" y="0"/>
+          <a:chExt cx="0" cy="0"/>
+        </a:xfrm>
+      </p:grpSpPr>
+      <p:sp>
+        <p:nvSpPr>
+          <p:cNvPr id="2" name="CaixaDeTexto 1">
+            <a:extLst>
+              <a:ext uri="{FF2B5EF4-FFF2-40B4-BE49-F238E27FC236}">
+                <a16:creationId xmlns:a16="http://schemas.microsoft.com/office/drawing/2014/main" id="{BAF53F97-753A-4957-BE26-3B201D692607}"/>
+              </a:ext>
+            </a:extLst>
+          </p:cNvPr>
+          <p:cNvSpPr txBox="1"/>
+          <p:nvPr/>
+        </p:nvSpPr>
+        <p:spPr>
+          <a:xfrm>
+            <a:off x="0" y="-6807"/>
+            <a:ext cx="9906000" cy="523220"/>
+          </a:xfrm>
+          <a:prstGeom prst="rect">
+            <a:avLst/>
+          </a:prstGeom>
+          <a:solidFill>
+            <a:schemeClr val="accent5">
+              <a:lumMod val="40000"/>
+              <a:lumOff val="60000"/>
+            </a:schemeClr>
+          </a:solidFill>
+        </p:spPr>
+        <p:txBody>
+          <a:bodyPr wrap="square" rtlCol="0">
+            <a:spAutoFit/>
+          </a:bodyPr>
+          <a:lstStyle/>
+          <a:p>
+            <a:r>
+              <a:rPr lang="pt-BR" sz="2800" b="1" dirty="0">
+                <a:solidFill>
+                  <a:schemeClr val="accent1">
+                    <a:lumMod val="50000"/>
+                  </a:schemeClr>
+                </a:solidFill>
+                <a:latin typeface="Oswald"/>
+              </a:rPr>
+              <a:t>Maiores Desafios e Aprendizado</a:t>
+            </a:r>
+          </a:p>
+        </p:txBody>
+      </p:sp>
+      <p:sp>
+        <p:nvSpPr>
+          <p:cNvPr id="3" name="CaixaDeTexto 2">
+            <a:extLst>
+              <a:ext uri="{FF2B5EF4-FFF2-40B4-BE49-F238E27FC236}">
+                <a16:creationId xmlns:a16="http://schemas.microsoft.com/office/drawing/2014/main" id="{AADD7C1B-8555-4E3A-9DDB-AE929B4416C8}"/>
+              </a:ext>
+            </a:extLst>
+          </p:cNvPr>
+          <p:cNvSpPr txBox="1"/>
+          <p:nvPr/>
+        </p:nvSpPr>
+        <p:spPr>
+          <a:xfrm>
+            <a:off x="719528" y="1244184"/>
+            <a:ext cx="7544053" cy="1477328"/>
+          </a:xfrm>
+          <a:prstGeom prst="rect">
+            <a:avLst/>
+          </a:prstGeom>
+          <a:solidFill>
+            <a:schemeClr val="accent5">
+              <a:lumMod val="40000"/>
+              <a:lumOff val="60000"/>
+            </a:schemeClr>
+          </a:solidFill>
+        </p:spPr>
+        <p:txBody>
+          <a:bodyPr wrap="none" rtlCol="0">
+            <a:spAutoFit/>
+          </a:bodyPr>
+          <a:lstStyle/>
+          <a:p>
+            <a:pPr marL="285750" indent="-285750" algn="just">
+              <a:buFont typeface="Arial" panose="020B0604020202020204" pitchFamily="34" charset="0"/>
+              <a:buChar char="•"/>
+            </a:pPr>
+            <a:r>
+              <a:rPr lang="pt-BR" dirty="0" err="1">
+                <a:latin typeface="Oswald"/>
+              </a:rPr>
+              <a:t>Dataset</a:t>
+            </a:r>
+            <a:r>
+              <a:rPr lang="pt-BR" dirty="0">
+                <a:latin typeface="Oswald"/>
+              </a:rPr>
+              <a:t> muito grande,  tivemos que escolher um Estado com população menor;</a:t>
+            </a:r>
+          </a:p>
+          <a:p>
+            <a:pPr marL="285750" indent="-285750" algn="just">
+              <a:buFont typeface="Arial" panose="020B0604020202020204" pitchFamily="34" charset="0"/>
+              <a:buChar char="•"/>
+            </a:pPr>
+            <a:r>
+              <a:rPr lang="pt-BR" dirty="0">
+                <a:latin typeface="Oswald"/>
+              </a:rPr>
+              <a:t>Dados não padronizados, exigindo pesquisa sobre as campanhas, tipos de vacinas;</a:t>
+            </a:r>
+          </a:p>
+          <a:p>
+            <a:pPr marL="285750" indent="-285750" algn="just">
+              <a:buFont typeface="Arial" panose="020B0604020202020204" pitchFamily="34" charset="0"/>
+              <a:buChar char="•"/>
+            </a:pPr>
+            <a:r>
+              <a:rPr lang="pt-BR" dirty="0">
+                <a:latin typeface="Oswald"/>
+              </a:rPr>
+              <a:t> sobre as categorização dos grupos </a:t>
+            </a:r>
+            <a:r>
+              <a:rPr lang="pt-BR" dirty="0" err="1">
+                <a:latin typeface="Oswald"/>
+              </a:rPr>
+              <a:t>etc</a:t>
+            </a:r>
+            <a:r>
+              <a:rPr lang="pt-BR" dirty="0">
+                <a:latin typeface="Oswald"/>
+              </a:rPr>
+              <a:t>;</a:t>
+            </a:r>
+          </a:p>
+          <a:p>
+            <a:pPr marL="285750" indent="-285750" algn="just">
+              <a:buFont typeface="Arial" panose="020B0604020202020204" pitchFamily="34" charset="0"/>
+              <a:buChar char="•"/>
+            </a:pPr>
+            <a:r>
+              <a:rPr lang="pt-BR" dirty="0" err="1">
+                <a:latin typeface="Oswald"/>
+              </a:rPr>
+              <a:t>Dataset</a:t>
+            </a:r>
+            <a:r>
+              <a:rPr lang="pt-BR" dirty="0">
+                <a:latin typeface="Oswald"/>
+              </a:rPr>
+              <a:t> com muitos dados categóricos o que dificultou as análises estatísticas, </a:t>
+            </a:r>
+          </a:p>
+          <a:p>
+            <a:pPr marL="285750" indent="-285750" algn="just">
+              <a:buFont typeface="Arial" panose="020B0604020202020204" pitchFamily="34" charset="0"/>
+              <a:buChar char="•"/>
+            </a:pPr>
+            <a:r>
+              <a:rPr lang="pt-BR" dirty="0">
+                <a:latin typeface="Oswald"/>
+              </a:rPr>
+              <a:t>por isso buscamos mais dados complementares.</a:t>
+            </a:r>
+          </a:p>
+        </p:txBody>
+      </p:sp>
+      <p:sp>
+        <p:nvSpPr>
+          <p:cNvPr id="6" name="CaixaDeTexto 5">
+            <a:extLst>
+              <a:ext uri="{FF2B5EF4-FFF2-40B4-BE49-F238E27FC236}">
+                <a16:creationId xmlns:a16="http://schemas.microsoft.com/office/drawing/2014/main" id="{F8B25DD0-1E50-4137-90FD-F2176CED765F}"/>
+              </a:ext>
+            </a:extLst>
+          </p:cNvPr>
+          <p:cNvSpPr txBox="1"/>
+          <p:nvPr/>
+        </p:nvSpPr>
+        <p:spPr>
+          <a:xfrm>
+            <a:off x="719528" y="3449283"/>
+            <a:ext cx="8893781" cy="1200329"/>
+          </a:xfrm>
+          <a:prstGeom prst="rect">
+            <a:avLst/>
+          </a:prstGeom>
+          <a:solidFill>
+            <a:schemeClr val="accent6">
+              <a:lumMod val="40000"/>
+              <a:lumOff val="60000"/>
+            </a:schemeClr>
+          </a:solidFill>
+        </p:spPr>
+        <p:txBody>
+          <a:bodyPr wrap="none" rtlCol="0">
+            <a:spAutoFit/>
+          </a:bodyPr>
+          <a:lstStyle/>
+          <a:p>
+            <a:pPr marL="285750" indent="-285750">
+              <a:buFont typeface="Arial" panose="020B0604020202020204" pitchFamily="34" charset="0"/>
+              <a:buChar char="•"/>
+            </a:pPr>
+            <a:r>
+              <a:rPr lang="pt-BR" dirty="0">
+                <a:latin typeface="Oswald"/>
+              </a:rPr>
+              <a:t>Treino com o uso de bases de dados grandes;</a:t>
+            </a:r>
+          </a:p>
+          <a:p>
+            <a:pPr marL="285750" indent="-285750">
+              <a:buFont typeface="Arial" panose="020B0604020202020204" pitchFamily="34" charset="0"/>
+              <a:buChar char="•"/>
+            </a:pPr>
+            <a:r>
+              <a:rPr lang="pt-BR" dirty="0">
+                <a:latin typeface="Oswald"/>
+              </a:rPr>
+              <a:t>Necessidade de uso de novas funções, principalmente em pandas;</a:t>
+            </a:r>
+          </a:p>
+          <a:p>
+            <a:pPr marL="285750" indent="-285750">
+              <a:buFont typeface="Arial" panose="020B0604020202020204" pitchFamily="34" charset="0"/>
+              <a:buChar char="•"/>
+            </a:pPr>
+            <a:r>
+              <a:rPr lang="pt-BR" dirty="0">
+                <a:latin typeface="Oswald"/>
+              </a:rPr>
+              <a:t>Criatividade para aplicar o que foi visto em aula neste projeto;</a:t>
+            </a:r>
+          </a:p>
+          <a:p>
+            <a:pPr marL="285750" indent="-285750">
+              <a:buFont typeface="Arial" panose="020B0604020202020204" pitchFamily="34" charset="0"/>
+              <a:buChar char="•"/>
+            </a:pPr>
+            <a:r>
+              <a:rPr lang="pt-BR" dirty="0">
+                <a:latin typeface="Oswald"/>
+              </a:rPr>
+              <a:t>Levar para os próximos projetos, escolha de </a:t>
+            </a:r>
+            <a:r>
+              <a:rPr lang="pt-BR" dirty="0" err="1">
+                <a:latin typeface="Oswald"/>
+              </a:rPr>
+              <a:t>Dataset</a:t>
+            </a:r>
+            <a:r>
+              <a:rPr lang="pt-BR" dirty="0">
+                <a:latin typeface="Oswald"/>
+              </a:rPr>
+              <a:t> mais apropriado par ao que está sendo pedido.</a:t>
+            </a:r>
+          </a:p>
+        </p:txBody>
+      </p:sp>
+    </p:spTree>
+    <p:extLst>
+      <p:ext uri="{BB962C8B-B14F-4D97-AF65-F5344CB8AC3E}">
+        <p14:creationId xmlns:p14="http://schemas.microsoft.com/office/powerpoint/2010/main" val="206434860"/>
+      </p:ext>
+    </p:extLst>
+  </p:cSld>
+  <p:clrMapOvr>
+    <a:masterClrMapping/>
+  </p:clrMapOvr>
+</p:sld>
+</file>
+
+<file path=ppt/slides/slide2.xml><?xml version="1.0" encoding="utf-8"?>
+<p:sld xmlns:a="http://schemas.openxmlformats.org/drawingml/2006/main" xmlns:r="http://schemas.openxmlformats.org/officeDocument/2006/relationships" xmlns:p="http://schemas.openxmlformats.org/presentationml/2006/main">
+  <p:cSld>
+    <p:spTree>
+      <p:nvGrpSpPr>
+        <p:cNvPr id="1" name=""/>
+        <p:cNvGrpSpPr/>
+        <p:nvPr/>
+      </p:nvGrpSpPr>
+      <p:grpSpPr>
+        <a:xfrm>
+          <a:off x="0" y="0"/>
+          <a:ext cx="0" cy="0"/>
+          <a:chOff x="0" y="0"/>
+          <a:chExt cx="0" cy="0"/>
+        </a:xfrm>
+      </p:grpSpPr>
       <p:grpSp>
         <p:nvGrpSpPr>
           <p:cNvPr id="5" name="Agrupar 4">
@@ -3733,2521 +6314,6 @@
 </p:sld>
 </file>
 
-<file path=ppt/slides/slide10.xml><?xml version="1.0" encoding="utf-8"?>
-<p:sld xmlns:a="http://schemas.openxmlformats.org/drawingml/2006/main" xmlns:r="http://schemas.openxmlformats.org/officeDocument/2006/relationships" xmlns:p="http://schemas.openxmlformats.org/presentationml/2006/main">
-  <p:cSld>
-    <p:spTree>
-      <p:nvGrpSpPr>
-        <p:cNvPr id="1" name=""/>
-        <p:cNvGrpSpPr/>
-        <p:nvPr/>
-      </p:nvGrpSpPr>
-      <p:grpSpPr>
-        <a:xfrm>
-          <a:off x="0" y="0"/>
-          <a:ext cx="0" cy="0"/>
-          <a:chOff x="0" y="0"/>
-          <a:chExt cx="0" cy="0"/>
-        </a:xfrm>
-      </p:grpSpPr>
-      <p:sp>
-        <p:nvSpPr>
-          <p:cNvPr id="2" name="CaixaDeTexto 1">
-            <a:extLst>
-              <a:ext uri="{FF2B5EF4-FFF2-40B4-BE49-F238E27FC236}">
-                <a16:creationId xmlns:a16="http://schemas.microsoft.com/office/drawing/2014/main" id="{BAF53F97-753A-4957-BE26-3B201D692607}"/>
-              </a:ext>
-            </a:extLst>
-          </p:cNvPr>
-          <p:cNvSpPr txBox="1"/>
-          <p:nvPr/>
-        </p:nvSpPr>
-        <p:spPr>
-          <a:xfrm>
-            <a:off x="0" y="-6807"/>
-            <a:ext cx="9906000" cy="523220"/>
-          </a:xfrm>
-          <a:prstGeom prst="rect">
-            <a:avLst/>
-          </a:prstGeom>
-          <a:solidFill>
-            <a:schemeClr val="accent5">
-              <a:lumMod val="40000"/>
-              <a:lumOff val="60000"/>
-            </a:schemeClr>
-          </a:solidFill>
-        </p:spPr>
-        <p:txBody>
-          <a:bodyPr wrap="square" rtlCol="0">
-            <a:spAutoFit/>
-          </a:bodyPr>
-          <a:lstStyle/>
-          <a:p>
-            <a:r>
-              <a:rPr lang="pt-BR" sz="2800" b="1" dirty="0">
-                <a:solidFill>
-                  <a:schemeClr val="accent1">
-                    <a:lumMod val="50000"/>
-                  </a:schemeClr>
-                </a:solidFill>
-                <a:latin typeface="Oswald"/>
-              </a:rPr>
-              <a:t>ANÁLISES</a:t>
-            </a:r>
-          </a:p>
-        </p:txBody>
-      </p:sp>
-      <p:sp>
-        <p:nvSpPr>
-          <p:cNvPr id="4" name="CaixaDeTexto 3">
-            <a:extLst>
-              <a:ext uri="{FF2B5EF4-FFF2-40B4-BE49-F238E27FC236}">
-                <a16:creationId xmlns:a16="http://schemas.microsoft.com/office/drawing/2014/main" id="{EB37902E-928D-4E2B-8A3E-AF908E1A68B0}"/>
-              </a:ext>
-            </a:extLst>
-          </p:cNvPr>
-          <p:cNvSpPr txBox="1"/>
-          <p:nvPr/>
-        </p:nvSpPr>
-        <p:spPr>
-          <a:xfrm>
-            <a:off x="286602" y="954501"/>
-            <a:ext cx="4323620" cy="369332"/>
-          </a:xfrm>
-          <a:prstGeom prst="rect">
-            <a:avLst/>
-          </a:prstGeom>
-          <a:noFill/>
-        </p:spPr>
-        <p:txBody>
-          <a:bodyPr wrap="none" rtlCol="0">
-            <a:spAutoFit/>
-          </a:bodyPr>
-          <a:lstStyle/>
-          <a:p>
-            <a:r>
-              <a:rPr lang="pt-BR" b="1" dirty="0">
-                <a:solidFill>
-                  <a:schemeClr val="accent1">
-                    <a:lumMod val="50000"/>
-                  </a:schemeClr>
-                </a:solidFill>
-                <a:latin typeface="Oswald"/>
-              </a:rPr>
-              <a:t>Distribuição da quantidade de doses tomadas</a:t>
-            </a:r>
-            <a:endParaRPr lang="pt-BR" dirty="0">
-              <a:solidFill>
-                <a:schemeClr val="accent1">
-                  <a:lumMod val="50000"/>
-                </a:schemeClr>
-              </a:solidFill>
-              <a:latin typeface="Oswald"/>
-            </a:endParaRPr>
-          </a:p>
-        </p:txBody>
-      </p:sp>
-      <p:pic>
-        <p:nvPicPr>
-          <p:cNvPr id="10" name="Imagem 9">
-            <a:extLst>
-              <a:ext uri="{FF2B5EF4-FFF2-40B4-BE49-F238E27FC236}">
-                <a16:creationId xmlns:a16="http://schemas.microsoft.com/office/drawing/2014/main" id="{0EE77298-B13B-4A62-9B5E-D4BAC6E7F267}"/>
-              </a:ext>
-            </a:extLst>
-          </p:cNvPr>
-          <p:cNvPicPr>
-            <a:picLocks noChangeAspect="1"/>
-          </p:cNvPicPr>
-          <p:nvPr/>
-        </p:nvPicPr>
-        <p:blipFill rotWithShape="1">
-          <a:blip r:embed="rId2"/>
-          <a:srcRect l="23030" t="31534" r="18892" b="6667"/>
-          <a:stretch/>
-        </p:blipFill>
-        <p:spPr>
-          <a:xfrm>
-            <a:off x="566058" y="1761921"/>
-            <a:ext cx="6212114" cy="4699319"/>
-          </a:xfrm>
-          <a:prstGeom prst="rect">
-            <a:avLst/>
-          </a:prstGeom>
-        </p:spPr>
-      </p:pic>
-      <p:sp>
-        <p:nvSpPr>
-          <p:cNvPr id="11" name="CaixaDeTexto 10">
-            <a:extLst>
-              <a:ext uri="{FF2B5EF4-FFF2-40B4-BE49-F238E27FC236}">
-                <a16:creationId xmlns:a16="http://schemas.microsoft.com/office/drawing/2014/main" id="{10D7DDEC-2184-433A-9A5C-9A117B1A93A0}"/>
-              </a:ext>
-            </a:extLst>
-          </p:cNvPr>
-          <p:cNvSpPr txBox="1"/>
-          <p:nvPr/>
-        </p:nvSpPr>
-        <p:spPr>
-          <a:xfrm>
-            <a:off x="7053943" y="3095917"/>
-            <a:ext cx="1540615" cy="2031325"/>
-          </a:xfrm>
-          <a:prstGeom prst="rect">
-            <a:avLst/>
-          </a:prstGeom>
-          <a:noFill/>
-        </p:spPr>
-        <p:txBody>
-          <a:bodyPr wrap="none" rtlCol="0">
-            <a:spAutoFit/>
-          </a:bodyPr>
-          <a:lstStyle/>
-          <a:p>
-            <a:r>
-              <a:rPr lang="pt-BR" dirty="0">
-                <a:solidFill>
-                  <a:schemeClr val="accent1">
-                    <a:lumMod val="50000"/>
-                  </a:schemeClr>
-                </a:solidFill>
-                <a:latin typeface="Oswald"/>
-              </a:rPr>
-              <a:t>Doses Tomadas</a:t>
-            </a:r>
-          </a:p>
-          <a:p>
-            <a:r>
-              <a:rPr lang="pt-BR" dirty="0">
-                <a:solidFill>
-                  <a:schemeClr val="accent1">
-                    <a:lumMod val="50000"/>
-                  </a:schemeClr>
-                </a:solidFill>
-                <a:latin typeface="Oswald"/>
-              </a:rPr>
-              <a:t>1 -13.4% </a:t>
-            </a:r>
-          </a:p>
-          <a:p>
-            <a:r>
-              <a:rPr lang="pt-BR" dirty="0">
-                <a:solidFill>
-                  <a:schemeClr val="accent1">
-                    <a:lumMod val="50000"/>
-                  </a:schemeClr>
-                </a:solidFill>
-                <a:latin typeface="Oswald"/>
-              </a:rPr>
-              <a:t>2 - 33.0% </a:t>
-            </a:r>
-          </a:p>
-          <a:p>
-            <a:r>
-              <a:rPr lang="pt-BR" dirty="0">
-                <a:solidFill>
-                  <a:schemeClr val="accent1">
-                    <a:lumMod val="50000"/>
-                  </a:schemeClr>
-                </a:solidFill>
-                <a:latin typeface="Oswald"/>
-              </a:rPr>
-              <a:t>3 - 27.0% </a:t>
-            </a:r>
-          </a:p>
-          <a:p>
-            <a:r>
-              <a:rPr lang="pt-BR" dirty="0">
-                <a:solidFill>
-                  <a:schemeClr val="accent1">
-                    <a:lumMod val="50000"/>
-                  </a:schemeClr>
-                </a:solidFill>
-                <a:latin typeface="Oswald"/>
-              </a:rPr>
-              <a:t>4 - 15.5% </a:t>
-            </a:r>
-          </a:p>
-          <a:p>
-            <a:r>
-              <a:rPr lang="pt-BR" dirty="0">
-                <a:solidFill>
-                  <a:schemeClr val="accent1">
-                    <a:lumMod val="50000"/>
-                  </a:schemeClr>
-                </a:solidFill>
-                <a:latin typeface="Oswald"/>
-              </a:rPr>
-              <a:t>5 - 10.9% </a:t>
-            </a:r>
-          </a:p>
-          <a:p>
-            <a:r>
-              <a:rPr lang="pt-BR" dirty="0">
-                <a:solidFill>
-                  <a:schemeClr val="accent1">
-                    <a:lumMod val="50000"/>
-                  </a:schemeClr>
-                </a:solidFill>
-                <a:latin typeface="Oswald"/>
-              </a:rPr>
-              <a:t>5+ - 0.2%</a:t>
-            </a:r>
-          </a:p>
-        </p:txBody>
-      </p:sp>
-    </p:spTree>
-    <p:extLst>
-      <p:ext uri="{BB962C8B-B14F-4D97-AF65-F5344CB8AC3E}">
-        <p14:creationId xmlns:p14="http://schemas.microsoft.com/office/powerpoint/2010/main" val="3797479102"/>
-      </p:ext>
-    </p:extLst>
-  </p:cSld>
-  <p:clrMapOvr>
-    <a:masterClrMapping/>
-  </p:clrMapOvr>
-</p:sld>
-</file>
-
-<file path=ppt/slides/slide11.xml><?xml version="1.0" encoding="utf-8"?>
-<p:sld xmlns:a="http://schemas.openxmlformats.org/drawingml/2006/main" xmlns:r="http://schemas.openxmlformats.org/officeDocument/2006/relationships" xmlns:p="http://schemas.openxmlformats.org/presentationml/2006/main">
-  <p:cSld>
-    <p:spTree>
-      <p:nvGrpSpPr>
-        <p:cNvPr id="1" name=""/>
-        <p:cNvGrpSpPr/>
-        <p:nvPr/>
-      </p:nvGrpSpPr>
-      <p:grpSpPr>
-        <a:xfrm>
-          <a:off x="0" y="0"/>
-          <a:ext cx="0" cy="0"/>
-          <a:chOff x="0" y="0"/>
-          <a:chExt cx="0" cy="0"/>
-        </a:xfrm>
-      </p:grpSpPr>
-      <p:sp>
-        <p:nvSpPr>
-          <p:cNvPr id="2" name="CaixaDeTexto 1">
-            <a:extLst>
-              <a:ext uri="{FF2B5EF4-FFF2-40B4-BE49-F238E27FC236}">
-                <a16:creationId xmlns:a16="http://schemas.microsoft.com/office/drawing/2014/main" id="{BAF53F97-753A-4957-BE26-3B201D692607}"/>
-              </a:ext>
-            </a:extLst>
-          </p:cNvPr>
-          <p:cNvSpPr txBox="1"/>
-          <p:nvPr/>
-        </p:nvSpPr>
-        <p:spPr>
-          <a:xfrm>
-            <a:off x="0" y="-6807"/>
-            <a:ext cx="9906000" cy="523220"/>
-          </a:xfrm>
-          <a:prstGeom prst="rect">
-            <a:avLst/>
-          </a:prstGeom>
-          <a:solidFill>
-            <a:schemeClr val="accent5">
-              <a:lumMod val="40000"/>
-              <a:lumOff val="60000"/>
-            </a:schemeClr>
-          </a:solidFill>
-        </p:spPr>
-        <p:txBody>
-          <a:bodyPr wrap="square" rtlCol="0">
-            <a:spAutoFit/>
-          </a:bodyPr>
-          <a:lstStyle/>
-          <a:p>
-            <a:r>
-              <a:rPr lang="pt-BR" sz="2800" b="1" dirty="0">
-                <a:solidFill>
-                  <a:schemeClr val="accent1">
-                    <a:lumMod val="50000"/>
-                  </a:schemeClr>
-                </a:solidFill>
-                <a:latin typeface="Oswald"/>
-              </a:rPr>
-              <a:t>ANÁLISES</a:t>
-            </a:r>
-          </a:p>
-        </p:txBody>
-      </p:sp>
-      <p:sp>
-        <p:nvSpPr>
-          <p:cNvPr id="4" name="CaixaDeTexto 3">
-            <a:extLst>
-              <a:ext uri="{FF2B5EF4-FFF2-40B4-BE49-F238E27FC236}">
-                <a16:creationId xmlns:a16="http://schemas.microsoft.com/office/drawing/2014/main" id="{EB37902E-928D-4E2B-8A3E-AF908E1A68B0}"/>
-              </a:ext>
-            </a:extLst>
-          </p:cNvPr>
-          <p:cNvSpPr txBox="1"/>
-          <p:nvPr/>
-        </p:nvSpPr>
-        <p:spPr>
-          <a:xfrm>
-            <a:off x="286602" y="954501"/>
-            <a:ext cx="1544012" cy="369332"/>
-          </a:xfrm>
-          <a:prstGeom prst="rect">
-            <a:avLst/>
-          </a:prstGeom>
-          <a:noFill/>
-        </p:spPr>
-        <p:txBody>
-          <a:bodyPr wrap="none" rtlCol="0">
-            <a:spAutoFit/>
-          </a:bodyPr>
-          <a:lstStyle/>
-          <a:p>
-            <a:r>
-              <a:rPr lang="pt-BR" b="1" dirty="0">
-                <a:solidFill>
-                  <a:schemeClr val="accent1">
-                    <a:lumMod val="50000"/>
-                  </a:schemeClr>
-                </a:solidFill>
-                <a:latin typeface="Oswald"/>
-              </a:rPr>
-              <a:t>Probabilidades</a:t>
-            </a:r>
-            <a:endParaRPr lang="pt-BR" dirty="0">
-              <a:solidFill>
-                <a:schemeClr val="accent1">
-                  <a:lumMod val="50000"/>
-                </a:schemeClr>
-              </a:solidFill>
-              <a:latin typeface="Oswald"/>
-            </a:endParaRPr>
-          </a:p>
-        </p:txBody>
-      </p:sp>
-      <p:sp>
-        <p:nvSpPr>
-          <p:cNvPr id="3" name="CaixaDeTexto 2">
-            <a:extLst>
-              <a:ext uri="{FF2B5EF4-FFF2-40B4-BE49-F238E27FC236}">
-                <a16:creationId xmlns:a16="http://schemas.microsoft.com/office/drawing/2014/main" id="{05A2F39F-CB77-45B6-B032-B318CCF06A90}"/>
-              </a:ext>
-            </a:extLst>
-          </p:cNvPr>
-          <p:cNvSpPr txBox="1"/>
-          <p:nvPr/>
-        </p:nvSpPr>
-        <p:spPr>
-          <a:xfrm>
-            <a:off x="324736" y="1474098"/>
-            <a:ext cx="3794629" cy="3416320"/>
-          </a:xfrm>
-          <a:prstGeom prst="rect">
-            <a:avLst/>
-          </a:prstGeom>
-          <a:noFill/>
-        </p:spPr>
-        <p:txBody>
-          <a:bodyPr wrap="none" rtlCol="0">
-            <a:spAutoFit/>
-          </a:bodyPr>
-          <a:lstStyle/>
-          <a:p>
-            <a:r>
-              <a:rPr lang="pt-BR" dirty="0">
-                <a:latin typeface="Oswald"/>
-              </a:rPr>
-              <a:t>População Total:  2.817.068</a:t>
-            </a:r>
-          </a:p>
-          <a:p>
-            <a:r>
-              <a:rPr lang="pt-BR" dirty="0">
-                <a:latin typeface="Oswald"/>
-              </a:rPr>
-              <a:t>Pessoas que tomaram a vacina: 2.420.470</a:t>
-            </a:r>
-          </a:p>
-          <a:p>
-            <a:br>
-              <a:rPr lang="pt-BR" dirty="0">
-                <a:latin typeface="Oswald"/>
-              </a:rPr>
-            </a:br>
-            <a:r>
-              <a:rPr lang="pt-BR" dirty="0">
-                <a:latin typeface="Oswald"/>
-              </a:rPr>
-              <a:t>Percentuais de doses:</a:t>
-            </a:r>
-          </a:p>
-          <a:p>
-            <a:br>
-              <a:rPr lang="pt-BR" dirty="0">
-                <a:latin typeface="Oswald"/>
-              </a:rPr>
-            </a:br>
-            <a:r>
-              <a:rPr lang="pt-BR" dirty="0">
-                <a:latin typeface="Oswald"/>
-              </a:rPr>
-              <a:t>- 1    13.4 %</a:t>
-            </a:r>
-          </a:p>
-          <a:p>
-            <a:r>
-              <a:rPr lang="pt-BR" dirty="0">
-                <a:latin typeface="Oswald"/>
-              </a:rPr>
-              <a:t>- 2    32.9 %</a:t>
-            </a:r>
-          </a:p>
-          <a:p>
-            <a:r>
-              <a:rPr lang="pt-BR" dirty="0">
-                <a:latin typeface="Oswald"/>
-              </a:rPr>
-              <a:t>- 3    27.0 %</a:t>
-            </a:r>
-          </a:p>
-          <a:p>
-            <a:r>
-              <a:rPr lang="pt-BR" dirty="0">
-                <a:latin typeface="Oswald"/>
-              </a:rPr>
-              <a:t>- 4    15.6 %</a:t>
-            </a:r>
-          </a:p>
-          <a:p>
-            <a:r>
-              <a:rPr lang="pt-BR" dirty="0">
-                <a:latin typeface="Oswald"/>
-              </a:rPr>
-              <a:t>- 5    10.9 %</a:t>
-            </a:r>
-          </a:p>
-          <a:p>
-            <a:r>
-              <a:rPr lang="pt-BR" dirty="0">
-                <a:latin typeface="Oswald"/>
-              </a:rPr>
-              <a:t>- +5    0.2 %</a:t>
-            </a:r>
-          </a:p>
-          <a:p>
-            <a:endParaRPr lang="pt-BR" dirty="0">
-              <a:latin typeface="Oswald"/>
-            </a:endParaRPr>
-          </a:p>
-        </p:txBody>
-      </p:sp>
-      <p:sp>
-        <p:nvSpPr>
-          <p:cNvPr id="5" name="CaixaDeTexto 4">
-            <a:extLst>
-              <a:ext uri="{FF2B5EF4-FFF2-40B4-BE49-F238E27FC236}">
-                <a16:creationId xmlns:a16="http://schemas.microsoft.com/office/drawing/2014/main" id="{7963AA75-7ADF-4F91-9EBC-A9EB196C7271}"/>
-              </a:ext>
-            </a:extLst>
-          </p:cNvPr>
-          <p:cNvSpPr txBox="1"/>
-          <p:nvPr/>
-        </p:nvSpPr>
-        <p:spPr>
-          <a:xfrm>
-            <a:off x="4360474" y="794847"/>
-            <a:ext cx="4867038" cy="830997"/>
-          </a:xfrm>
-          <a:prstGeom prst="rect">
-            <a:avLst/>
-          </a:prstGeom>
-          <a:noFill/>
-        </p:spPr>
-        <p:txBody>
-          <a:bodyPr wrap="square" rtlCol="0">
-            <a:spAutoFit/>
-          </a:bodyPr>
-          <a:lstStyle/>
-          <a:p>
-            <a:r>
-              <a:rPr lang="pt-BR" sz="1600" dirty="0">
-                <a:latin typeface="Oswald"/>
-              </a:rPr>
-              <a:t>Probabilidade de termos uma pessoa escolhida aleatoriamente</a:t>
-            </a:r>
-          </a:p>
-          <a:p>
-            <a:r>
-              <a:rPr lang="pt-BR" sz="1600" dirty="0">
-                <a:latin typeface="Oswald"/>
-              </a:rPr>
-              <a:t> na população e ela ter tomado pelo menos 3 doses de vacina</a:t>
-            </a:r>
-          </a:p>
-          <a:p>
-            <a:endParaRPr lang="pt-BR" sz="1600" dirty="0">
-              <a:latin typeface="Oswald"/>
-            </a:endParaRPr>
-          </a:p>
-        </p:txBody>
-      </p:sp>
-      <p:pic>
-        <p:nvPicPr>
-          <p:cNvPr id="7" name="Imagem 6">
-            <a:extLst>
-              <a:ext uri="{FF2B5EF4-FFF2-40B4-BE49-F238E27FC236}">
-                <a16:creationId xmlns:a16="http://schemas.microsoft.com/office/drawing/2014/main" id="{2900E693-9F16-48D2-BC63-253A9087DB93}"/>
-              </a:ext>
-            </a:extLst>
-          </p:cNvPr>
-          <p:cNvPicPr>
-            <a:picLocks noChangeAspect="1"/>
-          </p:cNvPicPr>
-          <p:nvPr/>
-        </p:nvPicPr>
-        <p:blipFill rotWithShape="1">
-          <a:blip r:embed="rId2"/>
-          <a:srcRect l="21614" t="36867" r="29220" b="10686"/>
-          <a:stretch/>
-        </p:blipFill>
-        <p:spPr>
-          <a:xfrm>
-            <a:off x="4446570" y="1470961"/>
-            <a:ext cx="4742808" cy="3596769"/>
-          </a:xfrm>
-          <a:prstGeom prst="rect">
-            <a:avLst/>
-          </a:prstGeom>
-        </p:spPr>
-      </p:pic>
-      <p:sp>
-        <p:nvSpPr>
-          <p:cNvPr id="8" name="CaixaDeTexto 7">
-            <a:extLst>
-              <a:ext uri="{FF2B5EF4-FFF2-40B4-BE49-F238E27FC236}">
-                <a16:creationId xmlns:a16="http://schemas.microsoft.com/office/drawing/2014/main" id="{DCA7971C-4683-46FD-836A-CFF260DA28C2}"/>
-              </a:ext>
-            </a:extLst>
-          </p:cNvPr>
-          <p:cNvSpPr txBox="1"/>
-          <p:nvPr/>
-        </p:nvSpPr>
-        <p:spPr>
-          <a:xfrm>
-            <a:off x="7797217" y="4023399"/>
-            <a:ext cx="1223412" cy="954107"/>
-          </a:xfrm>
-          <a:prstGeom prst="rect">
-            <a:avLst/>
-          </a:prstGeom>
-          <a:solidFill>
-            <a:schemeClr val="accent1">
-              <a:lumMod val="60000"/>
-              <a:lumOff val="40000"/>
-            </a:schemeClr>
-          </a:solidFill>
-        </p:spPr>
-        <p:txBody>
-          <a:bodyPr wrap="none" rtlCol="0">
-            <a:spAutoFit/>
-          </a:bodyPr>
-          <a:lstStyle/>
-          <a:p>
-            <a:pPr algn="ctr"/>
-            <a:r>
-              <a:rPr lang="pt-BR" sz="2800" dirty="0">
-                <a:solidFill>
-                  <a:schemeClr val="bg1"/>
-                </a:solidFill>
-                <a:latin typeface="Oswald"/>
-              </a:rPr>
-              <a:t>Prob+3 </a:t>
-            </a:r>
-          </a:p>
-          <a:p>
-            <a:pPr algn="ctr"/>
-            <a:r>
-              <a:rPr lang="pt-BR" sz="2800" dirty="0">
-                <a:solidFill>
-                  <a:schemeClr val="bg1"/>
-                </a:solidFill>
-                <a:latin typeface="Oswald"/>
-              </a:rPr>
-              <a:t>46%</a:t>
-            </a:r>
-          </a:p>
-        </p:txBody>
-      </p:sp>
-      <p:sp>
-        <p:nvSpPr>
-          <p:cNvPr id="12" name="CaixaDeTexto 11">
-            <a:extLst>
-              <a:ext uri="{FF2B5EF4-FFF2-40B4-BE49-F238E27FC236}">
-                <a16:creationId xmlns:a16="http://schemas.microsoft.com/office/drawing/2014/main" id="{01822F17-48CB-4359-AC73-9ED431BA6314}"/>
-              </a:ext>
-            </a:extLst>
-          </p:cNvPr>
-          <p:cNvSpPr txBox="1"/>
-          <p:nvPr/>
-        </p:nvSpPr>
-        <p:spPr>
-          <a:xfrm>
-            <a:off x="4360474" y="5205235"/>
-            <a:ext cx="4867038" cy="830997"/>
-          </a:xfrm>
-          <a:prstGeom prst="rect">
-            <a:avLst/>
-          </a:prstGeom>
-          <a:noFill/>
-        </p:spPr>
-        <p:txBody>
-          <a:bodyPr wrap="square" rtlCol="0">
-            <a:spAutoFit/>
-          </a:bodyPr>
-          <a:lstStyle/>
-          <a:p>
-            <a:r>
-              <a:rPr lang="pt-BR" sz="1600" dirty="0">
-                <a:latin typeface="Oswald"/>
-              </a:rPr>
-              <a:t>Probabilidade de termos uma pessoa escolhida aleatoriamente</a:t>
-            </a:r>
-          </a:p>
-          <a:p>
-            <a:r>
-              <a:rPr lang="pt-BR" sz="1600" dirty="0">
-                <a:latin typeface="Oswald"/>
-              </a:rPr>
-              <a:t> na população e ela ter apenas uma dose de vacina</a:t>
-            </a:r>
-          </a:p>
-          <a:p>
-            <a:endParaRPr lang="pt-BR" sz="1600" dirty="0">
-              <a:latin typeface="Oswald"/>
-            </a:endParaRPr>
-          </a:p>
-        </p:txBody>
-      </p:sp>
-      <p:sp>
-        <p:nvSpPr>
-          <p:cNvPr id="13" name="CaixaDeTexto 12">
-            <a:extLst>
-              <a:ext uri="{FF2B5EF4-FFF2-40B4-BE49-F238E27FC236}">
-                <a16:creationId xmlns:a16="http://schemas.microsoft.com/office/drawing/2014/main" id="{31644BB7-274C-4CE0-A342-21FEB7BD4E32}"/>
-              </a:ext>
-            </a:extLst>
-          </p:cNvPr>
-          <p:cNvSpPr txBox="1"/>
-          <p:nvPr/>
-        </p:nvSpPr>
-        <p:spPr>
-          <a:xfrm>
-            <a:off x="7910581" y="5772872"/>
-            <a:ext cx="996683" cy="954107"/>
-          </a:xfrm>
-          <a:prstGeom prst="rect">
-            <a:avLst/>
-          </a:prstGeom>
-          <a:solidFill>
-            <a:schemeClr val="accent1">
-              <a:lumMod val="60000"/>
-              <a:lumOff val="40000"/>
-            </a:schemeClr>
-          </a:solidFill>
-        </p:spPr>
-        <p:txBody>
-          <a:bodyPr wrap="none" rtlCol="0">
-            <a:spAutoFit/>
-          </a:bodyPr>
-          <a:lstStyle/>
-          <a:p>
-            <a:pPr algn="ctr"/>
-            <a:r>
-              <a:rPr lang="pt-BR" sz="2800" dirty="0">
-                <a:solidFill>
-                  <a:schemeClr val="bg1"/>
-                </a:solidFill>
-                <a:latin typeface="Oswald"/>
-              </a:rPr>
-              <a:t>Prob1</a:t>
-            </a:r>
-          </a:p>
-          <a:p>
-            <a:pPr algn="ctr"/>
-            <a:r>
-              <a:rPr lang="pt-BR" sz="2800" dirty="0">
-                <a:solidFill>
-                  <a:schemeClr val="bg1"/>
-                </a:solidFill>
-                <a:latin typeface="Oswald"/>
-              </a:rPr>
-              <a:t>11.5%</a:t>
-            </a:r>
-          </a:p>
-        </p:txBody>
-      </p:sp>
-    </p:spTree>
-    <p:extLst>
-      <p:ext uri="{BB962C8B-B14F-4D97-AF65-F5344CB8AC3E}">
-        <p14:creationId xmlns:p14="http://schemas.microsoft.com/office/powerpoint/2010/main" val="2753795546"/>
-      </p:ext>
-    </p:extLst>
-  </p:cSld>
-  <p:clrMapOvr>
-    <a:masterClrMapping/>
-  </p:clrMapOvr>
-</p:sld>
-</file>
-
-<file path=ppt/slides/slide12.xml><?xml version="1.0" encoding="utf-8"?>
-<p:sld xmlns:a="http://schemas.openxmlformats.org/drawingml/2006/main" xmlns:r="http://schemas.openxmlformats.org/officeDocument/2006/relationships" xmlns:p="http://schemas.openxmlformats.org/presentationml/2006/main">
-  <p:cSld>
-    <p:spTree>
-      <p:nvGrpSpPr>
-        <p:cNvPr id="1" name=""/>
-        <p:cNvGrpSpPr/>
-        <p:nvPr/>
-      </p:nvGrpSpPr>
-      <p:grpSpPr>
-        <a:xfrm>
-          <a:off x="0" y="0"/>
-          <a:ext cx="0" cy="0"/>
-          <a:chOff x="0" y="0"/>
-          <a:chExt cx="0" cy="0"/>
-        </a:xfrm>
-      </p:grpSpPr>
-      <p:sp>
-        <p:nvSpPr>
-          <p:cNvPr id="2" name="CaixaDeTexto 1">
-            <a:extLst>
-              <a:ext uri="{FF2B5EF4-FFF2-40B4-BE49-F238E27FC236}">
-                <a16:creationId xmlns:a16="http://schemas.microsoft.com/office/drawing/2014/main" id="{BAF53F97-753A-4957-BE26-3B201D692607}"/>
-              </a:ext>
-            </a:extLst>
-          </p:cNvPr>
-          <p:cNvSpPr txBox="1"/>
-          <p:nvPr/>
-        </p:nvSpPr>
-        <p:spPr>
-          <a:xfrm>
-            <a:off x="0" y="-6807"/>
-            <a:ext cx="9906000" cy="523220"/>
-          </a:xfrm>
-          <a:prstGeom prst="rect">
-            <a:avLst/>
-          </a:prstGeom>
-          <a:solidFill>
-            <a:schemeClr val="accent5">
-              <a:lumMod val="40000"/>
-              <a:lumOff val="60000"/>
-            </a:schemeClr>
-          </a:solidFill>
-        </p:spPr>
-        <p:txBody>
-          <a:bodyPr wrap="square" rtlCol="0">
-            <a:spAutoFit/>
-          </a:bodyPr>
-          <a:lstStyle/>
-          <a:p>
-            <a:r>
-              <a:rPr lang="pt-BR" sz="2800" b="1" dirty="0">
-                <a:solidFill>
-                  <a:schemeClr val="accent1">
-                    <a:lumMod val="50000"/>
-                  </a:schemeClr>
-                </a:solidFill>
-                <a:latin typeface="Oswald"/>
-              </a:rPr>
-              <a:t>ANÁLISE TEMPORAL</a:t>
-            </a:r>
-          </a:p>
-        </p:txBody>
-      </p:sp>
-      <p:pic>
-        <p:nvPicPr>
-          <p:cNvPr id="6" name="Imagem 5">
-            <a:extLst>
-              <a:ext uri="{FF2B5EF4-FFF2-40B4-BE49-F238E27FC236}">
-                <a16:creationId xmlns:a16="http://schemas.microsoft.com/office/drawing/2014/main" id="{6E1360FA-C7D3-487E-BCF0-71C32175D445}"/>
-              </a:ext>
-            </a:extLst>
-          </p:cNvPr>
-          <p:cNvPicPr>
-            <a:picLocks noChangeAspect="1"/>
-          </p:cNvPicPr>
-          <p:nvPr/>
-        </p:nvPicPr>
-        <p:blipFill rotWithShape="1">
-          <a:blip r:embed="rId2"/>
-          <a:srcRect l="17914" t="25608" r="1438" b="6244"/>
-          <a:stretch/>
-        </p:blipFill>
-        <p:spPr>
-          <a:xfrm>
-            <a:off x="584199" y="1416641"/>
-            <a:ext cx="8476512" cy="5092234"/>
-          </a:xfrm>
-          <a:prstGeom prst="rect">
-            <a:avLst/>
-          </a:prstGeom>
-        </p:spPr>
-      </p:pic>
-      <p:sp>
-        <p:nvSpPr>
-          <p:cNvPr id="11" name="CaixaDeTexto 10">
-            <a:extLst>
-              <a:ext uri="{FF2B5EF4-FFF2-40B4-BE49-F238E27FC236}">
-                <a16:creationId xmlns:a16="http://schemas.microsoft.com/office/drawing/2014/main" id="{D4393D9B-8544-4880-B8DA-3C9AD2DE33D0}"/>
-              </a:ext>
-            </a:extLst>
-          </p:cNvPr>
-          <p:cNvSpPr txBox="1"/>
-          <p:nvPr/>
-        </p:nvSpPr>
-        <p:spPr>
-          <a:xfrm>
-            <a:off x="286602" y="577131"/>
-            <a:ext cx="4177747" cy="369332"/>
-          </a:xfrm>
-          <a:prstGeom prst="rect">
-            <a:avLst/>
-          </a:prstGeom>
-          <a:noFill/>
-        </p:spPr>
-        <p:txBody>
-          <a:bodyPr wrap="none" rtlCol="0">
-            <a:spAutoFit/>
-          </a:bodyPr>
-          <a:lstStyle/>
-          <a:p>
-            <a:r>
-              <a:rPr lang="pt-BR" b="1" dirty="0">
-                <a:solidFill>
-                  <a:schemeClr val="accent1">
-                    <a:lumMod val="50000"/>
-                  </a:schemeClr>
-                </a:solidFill>
-                <a:latin typeface="Oswald"/>
-              </a:rPr>
-              <a:t>Evolução da quantidade de doses tomadas</a:t>
-            </a:r>
-            <a:endParaRPr lang="pt-BR" dirty="0">
-              <a:solidFill>
-                <a:schemeClr val="accent1">
-                  <a:lumMod val="50000"/>
-                </a:schemeClr>
-              </a:solidFill>
-              <a:latin typeface="Oswald"/>
-            </a:endParaRPr>
-          </a:p>
-        </p:txBody>
-      </p:sp>
-    </p:spTree>
-    <p:extLst>
-      <p:ext uri="{BB962C8B-B14F-4D97-AF65-F5344CB8AC3E}">
-        <p14:creationId xmlns:p14="http://schemas.microsoft.com/office/powerpoint/2010/main" val="1492413397"/>
-      </p:ext>
-    </p:extLst>
-  </p:cSld>
-  <p:clrMapOvr>
-    <a:masterClrMapping/>
-  </p:clrMapOvr>
-</p:sld>
-</file>
-
-<file path=ppt/slides/slide13.xml><?xml version="1.0" encoding="utf-8"?>
-<p:sld xmlns:a="http://schemas.openxmlformats.org/drawingml/2006/main" xmlns:r="http://schemas.openxmlformats.org/officeDocument/2006/relationships" xmlns:p="http://schemas.openxmlformats.org/presentationml/2006/main">
-  <p:cSld>
-    <p:spTree>
-      <p:nvGrpSpPr>
-        <p:cNvPr id="1" name=""/>
-        <p:cNvGrpSpPr/>
-        <p:nvPr/>
-      </p:nvGrpSpPr>
-      <p:grpSpPr>
-        <a:xfrm>
-          <a:off x="0" y="0"/>
-          <a:ext cx="0" cy="0"/>
-          <a:chOff x="0" y="0"/>
-          <a:chExt cx="0" cy="0"/>
-        </a:xfrm>
-      </p:grpSpPr>
-      <p:sp>
-        <p:nvSpPr>
-          <p:cNvPr id="2" name="CaixaDeTexto 1">
-            <a:extLst>
-              <a:ext uri="{FF2B5EF4-FFF2-40B4-BE49-F238E27FC236}">
-                <a16:creationId xmlns:a16="http://schemas.microsoft.com/office/drawing/2014/main" id="{BAF53F97-753A-4957-BE26-3B201D692607}"/>
-              </a:ext>
-            </a:extLst>
-          </p:cNvPr>
-          <p:cNvSpPr txBox="1"/>
-          <p:nvPr/>
-        </p:nvSpPr>
-        <p:spPr>
-          <a:xfrm>
-            <a:off x="0" y="-6807"/>
-            <a:ext cx="9906000" cy="523220"/>
-          </a:xfrm>
-          <a:prstGeom prst="rect">
-            <a:avLst/>
-          </a:prstGeom>
-          <a:solidFill>
-            <a:schemeClr val="accent5">
-              <a:lumMod val="40000"/>
-              <a:lumOff val="60000"/>
-            </a:schemeClr>
-          </a:solidFill>
-        </p:spPr>
-        <p:txBody>
-          <a:bodyPr wrap="square" rtlCol="0">
-            <a:spAutoFit/>
-          </a:bodyPr>
-          <a:lstStyle/>
-          <a:p>
-            <a:r>
-              <a:rPr lang="pt-BR" sz="2800" b="1" dirty="0">
-                <a:solidFill>
-                  <a:schemeClr val="accent1">
-                    <a:lumMod val="50000"/>
-                  </a:schemeClr>
-                </a:solidFill>
-                <a:latin typeface="Oswald"/>
-              </a:rPr>
-              <a:t>ANÁLISE TEMPORAL</a:t>
-            </a:r>
-          </a:p>
-        </p:txBody>
-      </p:sp>
-      <p:pic>
-        <p:nvPicPr>
-          <p:cNvPr id="6" name="Imagem 5">
-            <a:extLst>
-              <a:ext uri="{FF2B5EF4-FFF2-40B4-BE49-F238E27FC236}">
-                <a16:creationId xmlns:a16="http://schemas.microsoft.com/office/drawing/2014/main" id="{6E1360FA-C7D3-487E-BCF0-71C32175D445}"/>
-              </a:ext>
-            </a:extLst>
-          </p:cNvPr>
-          <p:cNvPicPr>
-            <a:picLocks noChangeAspect="1"/>
-          </p:cNvPicPr>
-          <p:nvPr/>
-        </p:nvPicPr>
-        <p:blipFill rotWithShape="1">
-          <a:blip r:embed="rId2"/>
-          <a:srcRect l="17914" t="25608" r="1438" b="6244"/>
-          <a:stretch/>
-        </p:blipFill>
-        <p:spPr>
-          <a:xfrm>
-            <a:off x="2622207" y="1182346"/>
-            <a:ext cx="3915754" cy="2352375"/>
-          </a:xfrm>
-          <a:prstGeom prst="rect">
-            <a:avLst/>
-          </a:prstGeom>
-        </p:spPr>
-      </p:pic>
-      <p:sp>
-        <p:nvSpPr>
-          <p:cNvPr id="11" name="CaixaDeTexto 10">
-            <a:extLst>
-              <a:ext uri="{FF2B5EF4-FFF2-40B4-BE49-F238E27FC236}">
-                <a16:creationId xmlns:a16="http://schemas.microsoft.com/office/drawing/2014/main" id="{D4393D9B-8544-4880-B8DA-3C9AD2DE33D0}"/>
-              </a:ext>
-            </a:extLst>
-          </p:cNvPr>
-          <p:cNvSpPr txBox="1"/>
-          <p:nvPr/>
-        </p:nvSpPr>
-        <p:spPr>
-          <a:xfrm>
-            <a:off x="286602" y="577131"/>
-            <a:ext cx="4177747" cy="369332"/>
-          </a:xfrm>
-          <a:prstGeom prst="rect">
-            <a:avLst/>
-          </a:prstGeom>
-          <a:noFill/>
-        </p:spPr>
-        <p:txBody>
-          <a:bodyPr wrap="none" rtlCol="0">
-            <a:spAutoFit/>
-          </a:bodyPr>
-          <a:lstStyle/>
-          <a:p>
-            <a:r>
-              <a:rPr lang="pt-BR" b="1" dirty="0">
-                <a:solidFill>
-                  <a:schemeClr val="accent1">
-                    <a:lumMod val="50000"/>
-                  </a:schemeClr>
-                </a:solidFill>
-                <a:latin typeface="Oswald"/>
-              </a:rPr>
-              <a:t>Evolução da quantidade de doses tomadas</a:t>
-            </a:r>
-            <a:endParaRPr lang="pt-BR" dirty="0">
-              <a:solidFill>
-                <a:schemeClr val="accent1">
-                  <a:lumMod val="50000"/>
-                </a:schemeClr>
-              </a:solidFill>
-              <a:latin typeface="Oswald"/>
-            </a:endParaRPr>
-          </a:p>
-        </p:txBody>
-      </p:sp>
-      <p:pic>
-        <p:nvPicPr>
-          <p:cNvPr id="9" name="Imagem 8">
-            <a:extLst>
-              <a:ext uri="{FF2B5EF4-FFF2-40B4-BE49-F238E27FC236}">
-                <a16:creationId xmlns:a16="http://schemas.microsoft.com/office/drawing/2014/main" id="{5ECC826F-1566-4184-9F05-BC3007D67FD2}"/>
-              </a:ext>
-            </a:extLst>
-          </p:cNvPr>
-          <p:cNvPicPr>
-            <a:picLocks noChangeAspect="1"/>
-          </p:cNvPicPr>
-          <p:nvPr/>
-        </p:nvPicPr>
-        <p:blipFill rotWithShape="1">
-          <a:blip r:embed="rId3"/>
-          <a:srcRect l="23029" t="32593" r="29123" b="19364"/>
-          <a:stretch/>
-        </p:blipFill>
-        <p:spPr>
-          <a:xfrm>
-            <a:off x="715725" y="3770604"/>
-            <a:ext cx="4034540" cy="2880000"/>
-          </a:xfrm>
-          <a:prstGeom prst="rect">
-            <a:avLst/>
-          </a:prstGeom>
-        </p:spPr>
-      </p:pic>
-      <p:pic>
-        <p:nvPicPr>
-          <p:cNvPr id="10" name="Imagem 9">
-            <a:extLst>
-              <a:ext uri="{FF2B5EF4-FFF2-40B4-BE49-F238E27FC236}">
-                <a16:creationId xmlns:a16="http://schemas.microsoft.com/office/drawing/2014/main" id="{A55398BF-5009-41D8-96EF-04BBEB7D5E1F}"/>
-              </a:ext>
-            </a:extLst>
-          </p:cNvPr>
-          <p:cNvPicPr>
-            <a:picLocks noChangeAspect="1"/>
-          </p:cNvPicPr>
-          <p:nvPr/>
-        </p:nvPicPr>
-        <p:blipFill rotWithShape="1">
-          <a:blip r:embed="rId4"/>
-          <a:srcRect l="23180" t="27724" r="28823" b="24021"/>
-          <a:stretch/>
-        </p:blipFill>
-        <p:spPr>
-          <a:xfrm>
-            <a:off x="4916209" y="3770604"/>
-            <a:ext cx="4029472" cy="2880000"/>
-          </a:xfrm>
-          <a:prstGeom prst="rect">
-            <a:avLst/>
-          </a:prstGeom>
-        </p:spPr>
-      </p:pic>
-      <p:cxnSp>
-        <p:nvCxnSpPr>
-          <p:cNvPr id="18" name="Conector de Seta Reta 17">
-            <a:extLst>
-              <a:ext uri="{FF2B5EF4-FFF2-40B4-BE49-F238E27FC236}">
-                <a16:creationId xmlns:a16="http://schemas.microsoft.com/office/drawing/2014/main" id="{D2D3AAB6-A6F5-4430-8BC6-1472ABA4FD1A}"/>
-              </a:ext>
-            </a:extLst>
-          </p:cNvPr>
-          <p:cNvCxnSpPr>
-            <a:cxnSpLocks/>
-          </p:cNvCxnSpPr>
-          <p:nvPr/>
-        </p:nvCxnSpPr>
-        <p:spPr>
-          <a:xfrm>
-            <a:off x="3823335" y="2358533"/>
-            <a:ext cx="1754505" cy="2042017"/>
-          </a:xfrm>
-          <a:prstGeom prst="straightConnector1">
-            <a:avLst/>
-          </a:prstGeom>
-          <a:ln w="38100">
-            <a:tailEnd type="triangle"/>
-          </a:ln>
-        </p:spPr>
-        <p:style>
-          <a:lnRef idx="1">
-            <a:schemeClr val="accent1"/>
-          </a:lnRef>
-          <a:fillRef idx="0">
-            <a:schemeClr val="accent1"/>
-          </a:fillRef>
-          <a:effectRef idx="0">
-            <a:schemeClr val="accent1"/>
-          </a:effectRef>
-          <a:fontRef idx="minor">
-            <a:schemeClr val="tx1"/>
-          </a:fontRef>
-        </p:style>
-      </p:cxnSp>
-      <p:cxnSp>
-        <p:nvCxnSpPr>
-          <p:cNvPr id="20" name="Conector de Seta Reta 19">
-            <a:extLst>
-              <a:ext uri="{FF2B5EF4-FFF2-40B4-BE49-F238E27FC236}">
-                <a16:creationId xmlns:a16="http://schemas.microsoft.com/office/drawing/2014/main" id="{FB91B325-A978-41F1-9664-BCF2123A67CA}"/>
-              </a:ext>
-            </a:extLst>
-          </p:cNvPr>
-          <p:cNvCxnSpPr>
-            <a:cxnSpLocks/>
-          </p:cNvCxnSpPr>
-          <p:nvPr/>
-        </p:nvCxnSpPr>
-        <p:spPr>
-          <a:xfrm>
-            <a:off x="3449782" y="2743200"/>
-            <a:ext cx="516428" cy="1817370"/>
-          </a:xfrm>
-          <a:prstGeom prst="straightConnector1">
-            <a:avLst/>
-          </a:prstGeom>
-          <a:ln w="38100">
-            <a:tailEnd type="triangle"/>
-          </a:ln>
-        </p:spPr>
-        <p:style>
-          <a:lnRef idx="1">
-            <a:schemeClr val="accent1"/>
-          </a:lnRef>
-          <a:fillRef idx="0">
-            <a:schemeClr val="accent1"/>
-          </a:fillRef>
-          <a:effectRef idx="0">
-            <a:schemeClr val="accent1"/>
-          </a:effectRef>
-          <a:fontRef idx="minor">
-            <a:schemeClr val="tx1"/>
-          </a:fontRef>
-        </p:style>
-      </p:cxnSp>
-    </p:spTree>
-    <p:extLst>
-      <p:ext uri="{BB962C8B-B14F-4D97-AF65-F5344CB8AC3E}">
-        <p14:creationId xmlns:p14="http://schemas.microsoft.com/office/powerpoint/2010/main" val="1329204382"/>
-      </p:ext>
-    </p:extLst>
-  </p:cSld>
-  <p:clrMapOvr>
-    <a:masterClrMapping/>
-  </p:clrMapOvr>
-</p:sld>
-</file>
-
-<file path=ppt/slides/slide14.xml><?xml version="1.0" encoding="utf-8"?>
-<p:sld xmlns:a="http://schemas.openxmlformats.org/drawingml/2006/main" xmlns:r="http://schemas.openxmlformats.org/officeDocument/2006/relationships" xmlns:p="http://schemas.openxmlformats.org/presentationml/2006/main">
-  <p:cSld>
-    <p:spTree>
-      <p:nvGrpSpPr>
-        <p:cNvPr id="1" name=""/>
-        <p:cNvGrpSpPr/>
-        <p:nvPr/>
-      </p:nvGrpSpPr>
-      <p:grpSpPr>
-        <a:xfrm>
-          <a:off x="0" y="0"/>
-          <a:ext cx="0" cy="0"/>
-          <a:chOff x="0" y="0"/>
-          <a:chExt cx="0" cy="0"/>
-        </a:xfrm>
-      </p:grpSpPr>
-      <p:sp>
-        <p:nvSpPr>
-          <p:cNvPr id="2" name="CaixaDeTexto 1">
-            <a:extLst>
-              <a:ext uri="{FF2B5EF4-FFF2-40B4-BE49-F238E27FC236}">
-                <a16:creationId xmlns:a16="http://schemas.microsoft.com/office/drawing/2014/main" id="{BAF53F97-753A-4957-BE26-3B201D692607}"/>
-              </a:ext>
-            </a:extLst>
-          </p:cNvPr>
-          <p:cNvSpPr txBox="1"/>
-          <p:nvPr/>
-        </p:nvSpPr>
-        <p:spPr>
-          <a:xfrm>
-            <a:off x="0" y="-6807"/>
-            <a:ext cx="9906000" cy="523220"/>
-          </a:xfrm>
-          <a:prstGeom prst="rect">
-            <a:avLst/>
-          </a:prstGeom>
-          <a:solidFill>
-            <a:schemeClr val="accent5">
-              <a:lumMod val="40000"/>
-              <a:lumOff val="60000"/>
-            </a:schemeClr>
-          </a:solidFill>
-        </p:spPr>
-        <p:txBody>
-          <a:bodyPr wrap="square" rtlCol="0">
-            <a:spAutoFit/>
-          </a:bodyPr>
-          <a:lstStyle/>
-          <a:p>
-            <a:r>
-              <a:rPr lang="pt-BR" sz="2800" b="1" dirty="0">
-                <a:solidFill>
-                  <a:schemeClr val="accent1">
-                    <a:lumMod val="50000"/>
-                  </a:schemeClr>
-                </a:solidFill>
-                <a:latin typeface="Oswald"/>
-              </a:rPr>
-              <a:t>ANÁLISE TEMPORAL</a:t>
-            </a:r>
-          </a:p>
-        </p:txBody>
-      </p:sp>
-      <p:sp>
-        <p:nvSpPr>
-          <p:cNvPr id="11" name="CaixaDeTexto 10">
-            <a:extLst>
-              <a:ext uri="{FF2B5EF4-FFF2-40B4-BE49-F238E27FC236}">
-                <a16:creationId xmlns:a16="http://schemas.microsoft.com/office/drawing/2014/main" id="{D4393D9B-8544-4880-B8DA-3C9AD2DE33D0}"/>
-              </a:ext>
-            </a:extLst>
-          </p:cNvPr>
-          <p:cNvSpPr txBox="1"/>
-          <p:nvPr/>
-        </p:nvSpPr>
-        <p:spPr>
-          <a:xfrm>
-            <a:off x="286602" y="577131"/>
-            <a:ext cx="4041491" cy="369332"/>
-          </a:xfrm>
-          <a:prstGeom prst="rect">
-            <a:avLst/>
-          </a:prstGeom>
-          <a:noFill/>
-        </p:spPr>
-        <p:txBody>
-          <a:bodyPr wrap="none" rtlCol="0">
-            <a:spAutoFit/>
-          </a:bodyPr>
-          <a:lstStyle/>
-          <a:p>
-            <a:r>
-              <a:rPr lang="pt-BR" b="1" dirty="0">
-                <a:solidFill>
-                  <a:schemeClr val="accent1">
-                    <a:lumMod val="50000"/>
-                  </a:schemeClr>
-                </a:solidFill>
-                <a:latin typeface="Oswald"/>
-              </a:rPr>
-              <a:t>Evolução dos casos de COVID acumulado</a:t>
-            </a:r>
-            <a:endParaRPr lang="pt-BR" dirty="0">
-              <a:solidFill>
-                <a:schemeClr val="accent1">
-                  <a:lumMod val="50000"/>
-                </a:schemeClr>
-              </a:solidFill>
-              <a:latin typeface="Oswald"/>
-            </a:endParaRPr>
-          </a:p>
-        </p:txBody>
-      </p:sp>
-      <p:pic>
-        <p:nvPicPr>
-          <p:cNvPr id="5" name="Imagem 4">
-            <a:extLst>
-              <a:ext uri="{FF2B5EF4-FFF2-40B4-BE49-F238E27FC236}">
-                <a16:creationId xmlns:a16="http://schemas.microsoft.com/office/drawing/2014/main" id="{226CC449-8D5D-41BE-9E89-983D8B226C0D}"/>
-              </a:ext>
-            </a:extLst>
-          </p:cNvPr>
-          <p:cNvPicPr>
-            <a:picLocks noChangeAspect="1"/>
-          </p:cNvPicPr>
-          <p:nvPr/>
-        </p:nvPicPr>
-        <p:blipFill rotWithShape="1">
-          <a:blip r:embed="rId2"/>
-          <a:srcRect l="18079" t="24918" r="1581" b="11694"/>
-          <a:stretch/>
-        </p:blipFill>
-        <p:spPr>
-          <a:xfrm>
-            <a:off x="1289381" y="1603948"/>
-            <a:ext cx="7749916" cy="4347148"/>
-          </a:xfrm>
-          <a:prstGeom prst="rect">
-            <a:avLst/>
-          </a:prstGeom>
-        </p:spPr>
-      </p:pic>
-    </p:spTree>
-    <p:extLst>
-      <p:ext uri="{BB962C8B-B14F-4D97-AF65-F5344CB8AC3E}">
-        <p14:creationId xmlns:p14="http://schemas.microsoft.com/office/powerpoint/2010/main" val="809296902"/>
-      </p:ext>
-    </p:extLst>
-  </p:cSld>
-  <p:clrMapOvr>
-    <a:masterClrMapping/>
-  </p:clrMapOvr>
-</p:sld>
-</file>
-
-<file path=ppt/slides/slide15.xml><?xml version="1.0" encoding="utf-8"?>
-<p:sld xmlns:a="http://schemas.openxmlformats.org/drawingml/2006/main" xmlns:r="http://schemas.openxmlformats.org/officeDocument/2006/relationships" xmlns:p="http://schemas.openxmlformats.org/presentationml/2006/main">
-  <p:cSld>
-    <p:spTree>
-      <p:nvGrpSpPr>
-        <p:cNvPr id="1" name=""/>
-        <p:cNvGrpSpPr/>
-        <p:nvPr/>
-      </p:nvGrpSpPr>
-      <p:grpSpPr>
-        <a:xfrm>
-          <a:off x="0" y="0"/>
-          <a:ext cx="0" cy="0"/>
-          <a:chOff x="0" y="0"/>
-          <a:chExt cx="0" cy="0"/>
-        </a:xfrm>
-      </p:grpSpPr>
-      <p:sp>
-        <p:nvSpPr>
-          <p:cNvPr id="2" name="CaixaDeTexto 1">
-            <a:extLst>
-              <a:ext uri="{FF2B5EF4-FFF2-40B4-BE49-F238E27FC236}">
-                <a16:creationId xmlns:a16="http://schemas.microsoft.com/office/drawing/2014/main" id="{BAF53F97-753A-4957-BE26-3B201D692607}"/>
-              </a:ext>
-            </a:extLst>
-          </p:cNvPr>
-          <p:cNvSpPr txBox="1"/>
-          <p:nvPr/>
-        </p:nvSpPr>
-        <p:spPr>
-          <a:xfrm>
-            <a:off x="0" y="-6807"/>
-            <a:ext cx="9906000" cy="523220"/>
-          </a:xfrm>
-          <a:prstGeom prst="rect">
-            <a:avLst/>
-          </a:prstGeom>
-          <a:solidFill>
-            <a:schemeClr val="accent5">
-              <a:lumMod val="40000"/>
-              <a:lumOff val="60000"/>
-            </a:schemeClr>
-          </a:solidFill>
-        </p:spPr>
-        <p:txBody>
-          <a:bodyPr wrap="square" rtlCol="0">
-            <a:spAutoFit/>
-          </a:bodyPr>
-          <a:lstStyle/>
-          <a:p>
-            <a:r>
-              <a:rPr lang="pt-BR" sz="2800" b="1" dirty="0">
-                <a:solidFill>
-                  <a:schemeClr val="accent1">
-                    <a:lumMod val="50000"/>
-                  </a:schemeClr>
-                </a:solidFill>
-                <a:latin typeface="Oswald"/>
-              </a:rPr>
-              <a:t>ANÁLISE TEMPORAL</a:t>
-            </a:r>
-          </a:p>
-        </p:txBody>
-      </p:sp>
-      <p:sp>
-        <p:nvSpPr>
-          <p:cNvPr id="11" name="CaixaDeTexto 10">
-            <a:extLst>
-              <a:ext uri="{FF2B5EF4-FFF2-40B4-BE49-F238E27FC236}">
-                <a16:creationId xmlns:a16="http://schemas.microsoft.com/office/drawing/2014/main" id="{D4393D9B-8544-4880-B8DA-3C9AD2DE33D0}"/>
-              </a:ext>
-            </a:extLst>
-          </p:cNvPr>
-          <p:cNvSpPr txBox="1"/>
-          <p:nvPr/>
-        </p:nvSpPr>
-        <p:spPr>
-          <a:xfrm>
-            <a:off x="286602" y="577131"/>
-            <a:ext cx="4100803" cy="369332"/>
-          </a:xfrm>
-          <a:prstGeom prst="rect">
-            <a:avLst/>
-          </a:prstGeom>
-          <a:noFill/>
-        </p:spPr>
-        <p:txBody>
-          <a:bodyPr wrap="none" rtlCol="0">
-            <a:spAutoFit/>
-          </a:bodyPr>
-          <a:lstStyle/>
-          <a:p>
-            <a:r>
-              <a:rPr lang="pt-BR" b="1" dirty="0">
-                <a:solidFill>
-                  <a:schemeClr val="accent1">
-                    <a:lumMod val="50000"/>
-                  </a:schemeClr>
-                </a:solidFill>
-                <a:latin typeface="Oswald"/>
-              </a:rPr>
-              <a:t>Evolução dos óbitos por COVID acumulado</a:t>
-            </a:r>
-            <a:endParaRPr lang="pt-BR" dirty="0">
-              <a:solidFill>
-                <a:schemeClr val="accent1">
-                  <a:lumMod val="50000"/>
-                </a:schemeClr>
-              </a:solidFill>
-              <a:latin typeface="Oswald"/>
-            </a:endParaRPr>
-          </a:p>
-        </p:txBody>
-      </p:sp>
-      <p:pic>
-        <p:nvPicPr>
-          <p:cNvPr id="5" name="Imagem 4">
-            <a:extLst>
-              <a:ext uri="{FF2B5EF4-FFF2-40B4-BE49-F238E27FC236}">
-                <a16:creationId xmlns:a16="http://schemas.microsoft.com/office/drawing/2014/main" id="{226CC449-8D5D-41BE-9E89-983D8B226C0D}"/>
-              </a:ext>
-            </a:extLst>
-          </p:cNvPr>
-          <p:cNvPicPr>
-            <a:picLocks noChangeAspect="1"/>
-          </p:cNvPicPr>
-          <p:nvPr/>
-        </p:nvPicPr>
-        <p:blipFill rotWithShape="1">
-          <a:blip r:embed="rId2"/>
-          <a:srcRect l="18079" t="24918" r="1581" b="11694"/>
-          <a:stretch/>
-        </p:blipFill>
-        <p:spPr>
-          <a:xfrm>
-            <a:off x="1289381" y="1603948"/>
-            <a:ext cx="7749916" cy="4347148"/>
-          </a:xfrm>
-          <a:prstGeom prst="rect">
-            <a:avLst/>
-          </a:prstGeom>
-        </p:spPr>
-      </p:pic>
-      <p:pic>
-        <p:nvPicPr>
-          <p:cNvPr id="7" name="Imagem 6">
-            <a:extLst>
-              <a:ext uri="{FF2B5EF4-FFF2-40B4-BE49-F238E27FC236}">
-                <a16:creationId xmlns:a16="http://schemas.microsoft.com/office/drawing/2014/main" id="{B9397E7F-079C-46E4-BAF2-6B32259419B6}"/>
-              </a:ext>
-            </a:extLst>
-          </p:cNvPr>
-          <p:cNvPicPr>
-            <a:picLocks noChangeAspect="1"/>
-          </p:cNvPicPr>
-          <p:nvPr/>
-        </p:nvPicPr>
-        <p:blipFill rotWithShape="1">
-          <a:blip r:embed="rId3"/>
-          <a:srcRect l="21187" t="31694" r="7823" b="14754"/>
-          <a:stretch/>
-        </p:blipFill>
-        <p:spPr>
-          <a:xfrm>
-            <a:off x="959996" y="1648920"/>
-            <a:ext cx="8108887" cy="4348800"/>
-          </a:xfrm>
-          <a:prstGeom prst="rect">
-            <a:avLst/>
-          </a:prstGeom>
-        </p:spPr>
-      </p:pic>
-    </p:spTree>
-    <p:extLst>
-      <p:ext uri="{BB962C8B-B14F-4D97-AF65-F5344CB8AC3E}">
-        <p14:creationId xmlns:p14="http://schemas.microsoft.com/office/powerpoint/2010/main" val="1962978847"/>
-      </p:ext>
-    </p:extLst>
-  </p:cSld>
-  <p:clrMapOvr>
-    <a:masterClrMapping/>
-  </p:clrMapOvr>
-</p:sld>
-</file>
-
-<file path=ppt/slides/slide16.xml><?xml version="1.0" encoding="utf-8"?>
-<p:sld xmlns:a="http://schemas.openxmlformats.org/drawingml/2006/main" xmlns:r="http://schemas.openxmlformats.org/officeDocument/2006/relationships" xmlns:p="http://schemas.openxmlformats.org/presentationml/2006/main">
-  <p:cSld>
-    <p:spTree>
-      <p:nvGrpSpPr>
-        <p:cNvPr id="1" name=""/>
-        <p:cNvGrpSpPr/>
-        <p:nvPr/>
-      </p:nvGrpSpPr>
-      <p:grpSpPr>
-        <a:xfrm>
-          <a:off x="0" y="0"/>
-          <a:ext cx="0" cy="0"/>
-          <a:chOff x="0" y="0"/>
-          <a:chExt cx="0" cy="0"/>
-        </a:xfrm>
-      </p:grpSpPr>
-      <p:sp>
-        <p:nvSpPr>
-          <p:cNvPr id="2" name="CaixaDeTexto 1">
-            <a:extLst>
-              <a:ext uri="{FF2B5EF4-FFF2-40B4-BE49-F238E27FC236}">
-                <a16:creationId xmlns:a16="http://schemas.microsoft.com/office/drawing/2014/main" id="{BAF53F97-753A-4957-BE26-3B201D692607}"/>
-              </a:ext>
-            </a:extLst>
-          </p:cNvPr>
-          <p:cNvSpPr txBox="1"/>
-          <p:nvPr/>
-        </p:nvSpPr>
-        <p:spPr>
-          <a:xfrm>
-            <a:off x="0" y="-6807"/>
-            <a:ext cx="9906000" cy="523220"/>
-          </a:xfrm>
-          <a:prstGeom prst="rect">
-            <a:avLst/>
-          </a:prstGeom>
-          <a:solidFill>
-            <a:schemeClr val="accent5">
-              <a:lumMod val="40000"/>
-              <a:lumOff val="60000"/>
-            </a:schemeClr>
-          </a:solidFill>
-        </p:spPr>
-        <p:txBody>
-          <a:bodyPr wrap="square" rtlCol="0">
-            <a:spAutoFit/>
-          </a:bodyPr>
-          <a:lstStyle/>
-          <a:p>
-            <a:r>
-              <a:rPr lang="pt-BR" sz="2800" b="1" dirty="0">
-                <a:solidFill>
-                  <a:schemeClr val="accent1">
-                    <a:lumMod val="50000"/>
-                  </a:schemeClr>
-                </a:solidFill>
-                <a:latin typeface="Oswald"/>
-              </a:rPr>
-              <a:t>ANÁLISE TEMPORAL</a:t>
-            </a:r>
-          </a:p>
-        </p:txBody>
-      </p:sp>
-      <p:sp>
-        <p:nvSpPr>
-          <p:cNvPr id="11" name="CaixaDeTexto 10">
-            <a:extLst>
-              <a:ext uri="{FF2B5EF4-FFF2-40B4-BE49-F238E27FC236}">
-                <a16:creationId xmlns:a16="http://schemas.microsoft.com/office/drawing/2014/main" id="{D4393D9B-8544-4880-B8DA-3C9AD2DE33D0}"/>
-              </a:ext>
-            </a:extLst>
-          </p:cNvPr>
-          <p:cNvSpPr txBox="1"/>
-          <p:nvPr/>
-        </p:nvSpPr>
-        <p:spPr>
-          <a:xfrm>
-            <a:off x="286602" y="577131"/>
-            <a:ext cx="6370205" cy="369332"/>
-          </a:xfrm>
-          <a:prstGeom prst="rect">
-            <a:avLst/>
-          </a:prstGeom>
-          <a:noFill/>
-        </p:spPr>
-        <p:txBody>
-          <a:bodyPr wrap="none" rtlCol="0">
-            <a:spAutoFit/>
-          </a:bodyPr>
-          <a:lstStyle/>
-          <a:p>
-            <a:r>
-              <a:rPr lang="pt-BR" b="1" dirty="0">
-                <a:solidFill>
-                  <a:schemeClr val="accent1">
-                    <a:lumMod val="50000"/>
-                  </a:schemeClr>
-                </a:solidFill>
-                <a:latin typeface="Oswald"/>
-              </a:rPr>
-              <a:t>Comparação da Aplicação das Doses e o comportamento dos óbitos</a:t>
-            </a:r>
-            <a:endParaRPr lang="pt-BR" dirty="0">
-              <a:solidFill>
-                <a:schemeClr val="accent1">
-                  <a:lumMod val="50000"/>
-                </a:schemeClr>
-              </a:solidFill>
-              <a:latin typeface="Oswald"/>
-            </a:endParaRPr>
-          </a:p>
-        </p:txBody>
-      </p:sp>
-      <p:pic>
-        <p:nvPicPr>
-          <p:cNvPr id="4" name="Imagem 3">
-            <a:extLst>
-              <a:ext uri="{FF2B5EF4-FFF2-40B4-BE49-F238E27FC236}">
-                <a16:creationId xmlns:a16="http://schemas.microsoft.com/office/drawing/2014/main" id="{F4A10DBD-011D-4F9E-8875-41709D94845F}"/>
-              </a:ext>
-            </a:extLst>
-          </p:cNvPr>
-          <p:cNvPicPr>
-            <a:picLocks noChangeAspect="1"/>
-          </p:cNvPicPr>
-          <p:nvPr/>
-        </p:nvPicPr>
-        <p:blipFill rotWithShape="1">
-          <a:blip r:embed="rId2"/>
-          <a:srcRect l="23829" t="30820" r="1115" b="13006"/>
-          <a:stretch/>
-        </p:blipFill>
-        <p:spPr>
-          <a:xfrm>
-            <a:off x="467477" y="1517753"/>
-            <a:ext cx="8500954" cy="4523283"/>
-          </a:xfrm>
-          <a:prstGeom prst="rect">
-            <a:avLst/>
-          </a:prstGeom>
-        </p:spPr>
-      </p:pic>
-    </p:spTree>
-    <p:extLst>
-      <p:ext uri="{BB962C8B-B14F-4D97-AF65-F5344CB8AC3E}">
-        <p14:creationId xmlns:p14="http://schemas.microsoft.com/office/powerpoint/2010/main" val="233266088"/>
-      </p:ext>
-    </p:extLst>
-  </p:cSld>
-  <p:clrMapOvr>
-    <a:masterClrMapping/>
-  </p:clrMapOvr>
-</p:sld>
-</file>
-
-<file path=ppt/slides/slide17.xml><?xml version="1.0" encoding="utf-8"?>
-<p:sld xmlns:a="http://schemas.openxmlformats.org/drawingml/2006/main" xmlns:r="http://schemas.openxmlformats.org/officeDocument/2006/relationships" xmlns:p="http://schemas.openxmlformats.org/presentationml/2006/main">
-  <p:cSld>
-    <p:spTree>
-      <p:nvGrpSpPr>
-        <p:cNvPr id="1" name=""/>
-        <p:cNvGrpSpPr/>
-        <p:nvPr/>
-      </p:nvGrpSpPr>
-      <p:grpSpPr>
-        <a:xfrm>
-          <a:off x="0" y="0"/>
-          <a:ext cx="0" cy="0"/>
-          <a:chOff x="0" y="0"/>
-          <a:chExt cx="0" cy="0"/>
-        </a:xfrm>
-      </p:grpSpPr>
-      <p:sp>
-        <p:nvSpPr>
-          <p:cNvPr id="2" name="CaixaDeTexto 1">
-            <a:extLst>
-              <a:ext uri="{FF2B5EF4-FFF2-40B4-BE49-F238E27FC236}">
-                <a16:creationId xmlns:a16="http://schemas.microsoft.com/office/drawing/2014/main" id="{BAF53F97-753A-4957-BE26-3B201D692607}"/>
-              </a:ext>
-            </a:extLst>
-          </p:cNvPr>
-          <p:cNvSpPr txBox="1"/>
-          <p:nvPr/>
-        </p:nvSpPr>
-        <p:spPr>
-          <a:xfrm>
-            <a:off x="0" y="-6807"/>
-            <a:ext cx="9906000" cy="523220"/>
-          </a:xfrm>
-          <a:prstGeom prst="rect">
-            <a:avLst/>
-          </a:prstGeom>
-          <a:solidFill>
-            <a:schemeClr val="accent5">
-              <a:lumMod val="40000"/>
-              <a:lumOff val="60000"/>
-            </a:schemeClr>
-          </a:solidFill>
-        </p:spPr>
-        <p:txBody>
-          <a:bodyPr wrap="square" rtlCol="0">
-            <a:spAutoFit/>
-          </a:bodyPr>
-          <a:lstStyle/>
-          <a:p>
-            <a:r>
-              <a:rPr lang="pt-BR" sz="2800" b="1" dirty="0">
-                <a:solidFill>
-                  <a:schemeClr val="accent1">
-                    <a:lumMod val="50000"/>
-                  </a:schemeClr>
-                </a:solidFill>
-                <a:latin typeface="Oswald"/>
-              </a:rPr>
-              <a:t>Maiores Desafios e Aprendizado</a:t>
-            </a:r>
-          </a:p>
-        </p:txBody>
-      </p:sp>
-      <p:sp>
-        <p:nvSpPr>
-          <p:cNvPr id="3" name="CaixaDeTexto 2">
-            <a:extLst>
-              <a:ext uri="{FF2B5EF4-FFF2-40B4-BE49-F238E27FC236}">
-                <a16:creationId xmlns:a16="http://schemas.microsoft.com/office/drawing/2014/main" id="{AADD7C1B-8555-4E3A-9DDB-AE929B4416C8}"/>
-              </a:ext>
-            </a:extLst>
-          </p:cNvPr>
-          <p:cNvSpPr txBox="1"/>
-          <p:nvPr/>
-        </p:nvSpPr>
-        <p:spPr>
-          <a:xfrm>
-            <a:off x="719528" y="1244184"/>
-            <a:ext cx="7544053" cy="1477328"/>
-          </a:xfrm>
-          <a:prstGeom prst="rect">
-            <a:avLst/>
-          </a:prstGeom>
-          <a:solidFill>
-            <a:schemeClr val="accent5">
-              <a:lumMod val="40000"/>
-              <a:lumOff val="60000"/>
-            </a:schemeClr>
-          </a:solidFill>
-        </p:spPr>
-        <p:txBody>
-          <a:bodyPr wrap="none" rtlCol="0">
-            <a:spAutoFit/>
-          </a:bodyPr>
-          <a:lstStyle/>
-          <a:p>
-            <a:pPr marL="285750" indent="-285750" algn="just">
-              <a:buFont typeface="Arial" panose="020B0604020202020204" pitchFamily="34" charset="0"/>
-              <a:buChar char="•"/>
-            </a:pPr>
-            <a:r>
-              <a:rPr lang="pt-BR" dirty="0" err="1">
-                <a:latin typeface="Oswald"/>
-              </a:rPr>
-              <a:t>Dataset</a:t>
-            </a:r>
-            <a:r>
-              <a:rPr lang="pt-BR" dirty="0">
-                <a:latin typeface="Oswald"/>
-              </a:rPr>
-              <a:t> muito grande,  tivemos que escolher um Estado com população menor;</a:t>
-            </a:r>
-          </a:p>
-          <a:p>
-            <a:pPr marL="285750" indent="-285750" algn="just">
-              <a:buFont typeface="Arial" panose="020B0604020202020204" pitchFamily="34" charset="0"/>
-              <a:buChar char="•"/>
-            </a:pPr>
-            <a:r>
-              <a:rPr lang="pt-BR" dirty="0">
-                <a:latin typeface="Oswald"/>
-              </a:rPr>
-              <a:t>Dados não padronizados, exigindo pesquisa sobre as campanhas, tipos de vacinas;</a:t>
-            </a:r>
-          </a:p>
-          <a:p>
-            <a:pPr marL="285750" indent="-285750" algn="just">
-              <a:buFont typeface="Arial" panose="020B0604020202020204" pitchFamily="34" charset="0"/>
-              <a:buChar char="•"/>
-            </a:pPr>
-            <a:r>
-              <a:rPr lang="pt-BR" dirty="0">
-                <a:latin typeface="Oswald"/>
-              </a:rPr>
-              <a:t> sobre as categorização dos grupos </a:t>
-            </a:r>
-            <a:r>
-              <a:rPr lang="pt-BR" dirty="0" err="1">
-                <a:latin typeface="Oswald"/>
-              </a:rPr>
-              <a:t>etc</a:t>
-            </a:r>
-            <a:r>
-              <a:rPr lang="pt-BR" dirty="0">
-                <a:latin typeface="Oswald"/>
-              </a:rPr>
-              <a:t>;</a:t>
-            </a:r>
-          </a:p>
-          <a:p>
-            <a:pPr marL="285750" indent="-285750" algn="just">
-              <a:buFont typeface="Arial" panose="020B0604020202020204" pitchFamily="34" charset="0"/>
-              <a:buChar char="•"/>
-            </a:pPr>
-            <a:r>
-              <a:rPr lang="pt-BR" dirty="0" err="1">
-                <a:latin typeface="Oswald"/>
-              </a:rPr>
-              <a:t>Dataset</a:t>
-            </a:r>
-            <a:r>
-              <a:rPr lang="pt-BR" dirty="0">
-                <a:latin typeface="Oswald"/>
-              </a:rPr>
-              <a:t> com muitos dados categóricos o que dificultou as análises estatísticas, </a:t>
-            </a:r>
-          </a:p>
-          <a:p>
-            <a:pPr marL="285750" indent="-285750" algn="just">
-              <a:buFont typeface="Arial" panose="020B0604020202020204" pitchFamily="34" charset="0"/>
-              <a:buChar char="•"/>
-            </a:pPr>
-            <a:r>
-              <a:rPr lang="pt-BR" dirty="0">
-                <a:latin typeface="Oswald"/>
-              </a:rPr>
-              <a:t>por isso buscamos mais dados complementares.</a:t>
-            </a:r>
-          </a:p>
-        </p:txBody>
-      </p:sp>
-      <p:sp>
-        <p:nvSpPr>
-          <p:cNvPr id="6" name="CaixaDeTexto 5">
-            <a:extLst>
-              <a:ext uri="{FF2B5EF4-FFF2-40B4-BE49-F238E27FC236}">
-                <a16:creationId xmlns:a16="http://schemas.microsoft.com/office/drawing/2014/main" id="{F8B25DD0-1E50-4137-90FD-F2176CED765F}"/>
-              </a:ext>
-            </a:extLst>
-          </p:cNvPr>
-          <p:cNvSpPr txBox="1"/>
-          <p:nvPr/>
-        </p:nvSpPr>
-        <p:spPr>
-          <a:xfrm>
-            <a:off x="719528" y="3449283"/>
-            <a:ext cx="8893781" cy="1200329"/>
-          </a:xfrm>
-          <a:prstGeom prst="rect">
-            <a:avLst/>
-          </a:prstGeom>
-          <a:solidFill>
-            <a:schemeClr val="accent6">
-              <a:lumMod val="40000"/>
-              <a:lumOff val="60000"/>
-            </a:schemeClr>
-          </a:solidFill>
-        </p:spPr>
-        <p:txBody>
-          <a:bodyPr wrap="none" rtlCol="0">
-            <a:spAutoFit/>
-          </a:bodyPr>
-          <a:lstStyle/>
-          <a:p>
-            <a:pPr marL="285750" indent="-285750">
-              <a:buFont typeface="Arial" panose="020B0604020202020204" pitchFamily="34" charset="0"/>
-              <a:buChar char="•"/>
-            </a:pPr>
-            <a:r>
-              <a:rPr lang="pt-BR" dirty="0">
-                <a:latin typeface="Oswald"/>
-              </a:rPr>
-              <a:t>Treino com o uso de bases de dados grandes;</a:t>
-            </a:r>
-          </a:p>
-          <a:p>
-            <a:pPr marL="285750" indent="-285750">
-              <a:buFont typeface="Arial" panose="020B0604020202020204" pitchFamily="34" charset="0"/>
-              <a:buChar char="•"/>
-            </a:pPr>
-            <a:r>
-              <a:rPr lang="pt-BR" dirty="0">
-                <a:latin typeface="Oswald"/>
-              </a:rPr>
-              <a:t>Necessidade de uso de novas funções, principalmente em pandas;</a:t>
-            </a:r>
-          </a:p>
-          <a:p>
-            <a:pPr marL="285750" indent="-285750">
-              <a:buFont typeface="Arial" panose="020B0604020202020204" pitchFamily="34" charset="0"/>
-              <a:buChar char="•"/>
-            </a:pPr>
-            <a:r>
-              <a:rPr lang="pt-BR" dirty="0">
-                <a:latin typeface="Oswald"/>
-              </a:rPr>
-              <a:t>Criatividade para aplicar o que foi visto em aula neste projeto;</a:t>
-            </a:r>
-          </a:p>
-          <a:p>
-            <a:pPr marL="285750" indent="-285750">
-              <a:buFont typeface="Arial" panose="020B0604020202020204" pitchFamily="34" charset="0"/>
-              <a:buChar char="•"/>
-            </a:pPr>
-            <a:r>
-              <a:rPr lang="pt-BR" dirty="0">
-                <a:latin typeface="Oswald"/>
-              </a:rPr>
-              <a:t>Levar para os próximos projetos, escolha de </a:t>
-            </a:r>
-            <a:r>
-              <a:rPr lang="pt-BR" dirty="0" err="1">
-                <a:latin typeface="Oswald"/>
-              </a:rPr>
-              <a:t>Dataset</a:t>
-            </a:r>
-            <a:r>
-              <a:rPr lang="pt-BR" dirty="0">
-                <a:latin typeface="Oswald"/>
-              </a:rPr>
-              <a:t> mais apropriado par ao que está sendo pedido.</a:t>
-            </a:r>
-          </a:p>
-        </p:txBody>
-      </p:sp>
-    </p:spTree>
-    <p:extLst>
-      <p:ext uri="{BB962C8B-B14F-4D97-AF65-F5344CB8AC3E}">
-        <p14:creationId xmlns:p14="http://schemas.microsoft.com/office/powerpoint/2010/main" val="206434860"/>
-      </p:ext>
-    </p:extLst>
-  </p:cSld>
-  <p:clrMapOvr>
-    <a:masterClrMapping/>
-  </p:clrMapOvr>
-</p:sld>
-</file>
-
-<file path=ppt/slides/slide2.xml><?xml version="1.0" encoding="utf-8"?>
-<p:sld xmlns:a="http://schemas.openxmlformats.org/drawingml/2006/main" xmlns:r="http://schemas.openxmlformats.org/officeDocument/2006/relationships" xmlns:p="http://schemas.openxmlformats.org/presentationml/2006/main">
-  <p:cSld>
-    <p:spTree>
-      <p:nvGrpSpPr>
-        <p:cNvPr id="1" name=""/>
-        <p:cNvGrpSpPr/>
-        <p:nvPr/>
-      </p:nvGrpSpPr>
-      <p:grpSpPr>
-        <a:xfrm>
-          <a:off x="0" y="0"/>
-          <a:ext cx="0" cy="0"/>
-          <a:chOff x="0" y="0"/>
-          <a:chExt cx="0" cy="0"/>
-        </a:xfrm>
-      </p:grpSpPr>
-      <p:sp>
-        <p:nvSpPr>
-          <p:cNvPr id="2" name="CaixaDeTexto 1">
-            <a:extLst>
-              <a:ext uri="{FF2B5EF4-FFF2-40B4-BE49-F238E27FC236}">
-                <a16:creationId xmlns:a16="http://schemas.microsoft.com/office/drawing/2014/main" id="{BAF53F97-753A-4957-BE26-3B201D692607}"/>
-              </a:ext>
-            </a:extLst>
-          </p:cNvPr>
-          <p:cNvSpPr txBox="1"/>
-          <p:nvPr/>
-        </p:nvSpPr>
-        <p:spPr>
-          <a:xfrm>
-            <a:off x="0" y="-6807"/>
-            <a:ext cx="9906000" cy="523220"/>
-          </a:xfrm>
-          <a:prstGeom prst="rect">
-            <a:avLst/>
-          </a:prstGeom>
-          <a:solidFill>
-            <a:schemeClr val="accent5">
-              <a:lumMod val="40000"/>
-              <a:lumOff val="60000"/>
-            </a:schemeClr>
-          </a:solidFill>
-        </p:spPr>
-        <p:txBody>
-          <a:bodyPr wrap="square" rtlCol="0">
-            <a:spAutoFit/>
-          </a:bodyPr>
-          <a:lstStyle/>
-          <a:p>
-            <a:r>
-              <a:rPr lang="pt-BR" sz="2800" b="1" dirty="0">
-                <a:solidFill>
-                  <a:schemeClr val="accent1">
-                    <a:lumMod val="50000"/>
-                  </a:schemeClr>
-                </a:solidFill>
-                <a:latin typeface="Oswald"/>
-              </a:rPr>
-              <a:t>EXTRAÇÃO E TRATAMENTOS DOS DADOS</a:t>
-            </a:r>
-          </a:p>
-        </p:txBody>
-      </p:sp>
-      <p:sp>
-        <p:nvSpPr>
-          <p:cNvPr id="3" name="CaixaDeTexto 2">
-            <a:extLst>
-              <a:ext uri="{FF2B5EF4-FFF2-40B4-BE49-F238E27FC236}">
-                <a16:creationId xmlns:a16="http://schemas.microsoft.com/office/drawing/2014/main" id="{A4D4039F-9AEE-4DD5-800B-8B41ADD12235}"/>
-              </a:ext>
-            </a:extLst>
-          </p:cNvPr>
-          <p:cNvSpPr txBox="1"/>
-          <p:nvPr/>
-        </p:nvSpPr>
-        <p:spPr>
-          <a:xfrm>
-            <a:off x="1083519" y="1462188"/>
-            <a:ext cx="4687565" cy="369332"/>
-          </a:xfrm>
-          <a:prstGeom prst="rect">
-            <a:avLst/>
-          </a:prstGeom>
-          <a:noFill/>
-        </p:spPr>
-        <p:txBody>
-          <a:bodyPr wrap="none" rtlCol="0">
-            <a:spAutoFit/>
-          </a:bodyPr>
-          <a:lstStyle/>
-          <a:p>
-            <a:r>
-              <a:rPr lang="pt-BR" dirty="0">
-                <a:solidFill>
-                  <a:schemeClr val="accent1">
-                    <a:lumMod val="50000"/>
-                  </a:schemeClr>
-                </a:solidFill>
-                <a:latin typeface="Oswald"/>
-              </a:rPr>
-              <a:t>5 ARQUIVOS CSV – Aproximadamente 735 MB cada</a:t>
-            </a:r>
-          </a:p>
-        </p:txBody>
-      </p:sp>
-      <p:sp>
-        <p:nvSpPr>
-          <p:cNvPr id="4" name="CaixaDeTexto 3">
-            <a:extLst>
-              <a:ext uri="{FF2B5EF4-FFF2-40B4-BE49-F238E27FC236}">
-                <a16:creationId xmlns:a16="http://schemas.microsoft.com/office/drawing/2014/main" id="{EB37902E-928D-4E2B-8A3E-AF908E1A68B0}"/>
-              </a:ext>
-            </a:extLst>
-          </p:cNvPr>
-          <p:cNvSpPr txBox="1"/>
-          <p:nvPr/>
-        </p:nvSpPr>
-        <p:spPr>
-          <a:xfrm>
-            <a:off x="286602" y="954501"/>
-            <a:ext cx="1593834" cy="369332"/>
-          </a:xfrm>
-          <a:prstGeom prst="rect">
-            <a:avLst/>
-          </a:prstGeom>
-          <a:noFill/>
-        </p:spPr>
-        <p:txBody>
-          <a:bodyPr wrap="none" rtlCol="0">
-            <a:spAutoFit/>
-          </a:bodyPr>
-          <a:lstStyle/>
-          <a:p>
-            <a:r>
-              <a:rPr lang="pt-BR" b="1" dirty="0">
-                <a:solidFill>
-                  <a:schemeClr val="accent1">
-                    <a:lumMod val="50000"/>
-                  </a:schemeClr>
-                </a:solidFill>
-              </a:rPr>
-              <a:t>OPENDATASUS</a:t>
-            </a:r>
-          </a:p>
-        </p:txBody>
-      </p:sp>
-      <p:sp>
-        <p:nvSpPr>
-          <p:cNvPr id="6" name="CaixaDeTexto 5">
-            <a:extLst>
-              <a:ext uri="{FF2B5EF4-FFF2-40B4-BE49-F238E27FC236}">
-                <a16:creationId xmlns:a16="http://schemas.microsoft.com/office/drawing/2014/main" id="{D282B193-42E4-4945-B2CD-88054DEE3A34}"/>
-              </a:ext>
-            </a:extLst>
-          </p:cNvPr>
-          <p:cNvSpPr txBox="1"/>
-          <p:nvPr/>
-        </p:nvSpPr>
-        <p:spPr>
-          <a:xfrm>
-            <a:off x="1083519" y="1969875"/>
-            <a:ext cx="6970178" cy="2308324"/>
-          </a:xfrm>
-          <a:prstGeom prst="rect">
-            <a:avLst/>
-          </a:prstGeom>
-          <a:noFill/>
-        </p:spPr>
-        <p:txBody>
-          <a:bodyPr wrap="none" rtlCol="0">
-            <a:spAutoFit/>
-          </a:bodyPr>
-          <a:lstStyle/>
-          <a:p>
-            <a:pPr marL="285750" indent="-285750">
-              <a:buFont typeface="Arial" panose="020B0604020202020204" pitchFamily="34" charset="0"/>
-              <a:buChar char="•"/>
-            </a:pPr>
-            <a:r>
-              <a:rPr lang="pt-BR" dirty="0">
-                <a:solidFill>
-                  <a:schemeClr val="accent1">
-                    <a:lumMod val="50000"/>
-                  </a:schemeClr>
-                </a:solidFill>
-                <a:latin typeface="Oswald"/>
-              </a:rPr>
-              <a:t>Identificação e ajustes dos tipos de cada coluna de dados;</a:t>
-            </a:r>
-          </a:p>
-          <a:p>
-            <a:pPr marL="285750" indent="-285750">
-              <a:buFont typeface="Arial" panose="020B0604020202020204" pitchFamily="34" charset="0"/>
-              <a:buChar char="•"/>
-            </a:pPr>
-            <a:r>
-              <a:rPr lang="pt-BR" dirty="0">
-                <a:solidFill>
-                  <a:schemeClr val="accent1">
-                    <a:lumMod val="50000"/>
-                  </a:schemeClr>
-                </a:solidFill>
-                <a:latin typeface="Oswald"/>
-              </a:rPr>
-              <a:t>Exclusão de registros sem identificação de paciente(*);</a:t>
-            </a:r>
-          </a:p>
-          <a:p>
-            <a:pPr marL="285750" indent="-285750">
-              <a:buFont typeface="Arial" panose="020B0604020202020204" pitchFamily="34" charset="0"/>
-              <a:buChar char="•"/>
-            </a:pPr>
-            <a:r>
-              <a:rPr lang="pt-BR" dirty="0">
-                <a:solidFill>
-                  <a:schemeClr val="accent1">
-                    <a:lumMod val="50000"/>
-                  </a:schemeClr>
-                </a:solidFill>
-                <a:latin typeface="Oswald"/>
-              </a:rPr>
-              <a:t>Exclusão de registros de pacientes que residem fora do DF;</a:t>
-            </a:r>
-          </a:p>
-          <a:p>
-            <a:pPr marL="285750" indent="-285750">
-              <a:buFont typeface="Arial" panose="020B0604020202020204" pitchFamily="34" charset="0"/>
-              <a:buChar char="•"/>
-            </a:pPr>
-            <a:r>
-              <a:rPr lang="pt-BR" dirty="0">
-                <a:solidFill>
-                  <a:schemeClr val="accent1">
-                    <a:lumMod val="50000"/>
-                  </a:schemeClr>
-                </a:solidFill>
-                <a:latin typeface="Oswald"/>
-              </a:rPr>
-              <a:t>Exclusão de colunas não relevantes para a análise;</a:t>
-            </a:r>
-          </a:p>
-          <a:p>
-            <a:pPr marL="285750" indent="-285750">
-              <a:buFont typeface="Arial" panose="020B0604020202020204" pitchFamily="34" charset="0"/>
-              <a:buChar char="•"/>
-            </a:pPr>
-            <a:r>
-              <a:rPr lang="pt-BR" dirty="0">
-                <a:solidFill>
-                  <a:schemeClr val="accent1">
-                    <a:lumMod val="50000"/>
-                  </a:schemeClr>
-                </a:solidFill>
-                <a:latin typeface="Oswald"/>
-              </a:rPr>
-              <a:t>Identificação das variáveis categóricas e análise e correção de  seus valores;</a:t>
-            </a:r>
-          </a:p>
-          <a:p>
-            <a:pPr marL="285750" indent="-285750">
-              <a:buFont typeface="Arial" panose="020B0604020202020204" pitchFamily="34" charset="0"/>
-              <a:buChar char="•"/>
-            </a:pPr>
-            <a:r>
-              <a:rPr lang="pt-BR" dirty="0">
-                <a:solidFill>
-                  <a:schemeClr val="accent1">
-                    <a:lumMod val="50000"/>
-                  </a:schemeClr>
-                </a:solidFill>
-                <a:latin typeface="Oswald"/>
-              </a:rPr>
-              <a:t>Padronização de valores das variáveis categóricas;</a:t>
-            </a:r>
-          </a:p>
-          <a:p>
-            <a:pPr marL="285750" indent="-285750">
-              <a:buFont typeface="Arial" panose="020B0604020202020204" pitchFamily="34" charset="0"/>
-              <a:buChar char="•"/>
-            </a:pPr>
-            <a:r>
-              <a:rPr lang="pt-BR" dirty="0">
-                <a:solidFill>
-                  <a:schemeClr val="accent1">
-                    <a:lumMod val="50000"/>
-                  </a:schemeClr>
-                </a:solidFill>
-                <a:latin typeface="Oswald"/>
-              </a:rPr>
-              <a:t>Identificação das variáveis numéricas e análise e correção de  seus valores.</a:t>
-            </a:r>
-          </a:p>
-          <a:p>
-            <a:pPr marL="285750" indent="-285750">
-              <a:buFont typeface="Arial" panose="020B0604020202020204" pitchFamily="34" charset="0"/>
-              <a:buChar char="•"/>
-            </a:pPr>
-            <a:endParaRPr lang="pt-BR" dirty="0">
-              <a:solidFill>
-                <a:schemeClr val="accent1">
-                  <a:lumMod val="50000"/>
-                </a:schemeClr>
-              </a:solidFill>
-              <a:latin typeface="Oswald"/>
-            </a:endParaRPr>
-          </a:p>
-        </p:txBody>
-      </p:sp>
-      <p:sp>
-        <p:nvSpPr>
-          <p:cNvPr id="11" name="CaixaDeTexto 10">
-            <a:extLst>
-              <a:ext uri="{FF2B5EF4-FFF2-40B4-BE49-F238E27FC236}">
-                <a16:creationId xmlns:a16="http://schemas.microsoft.com/office/drawing/2014/main" id="{6E1C3B58-9575-4BA8-B400-06C0E83FE2A7}"/>
-              </a:ext>
-            </a:extLst>
-          </p:cNvPr>
-          <p:cNvSpPr txBox="1"/>
-          <p:nvPr/>
-        </p:nvSpPr>
-        <p:spPr>
-          <a:xfrm>
-            <a:off x="1083519" y="4637098"/>
-            <a:ext cx="4581767" cy="369332"/>
-          </a:xfrm>
-          <a:prstGeom prst="rect">
-            <a:avLst/>
-          </a:prstGeom>
-          <a:noFill/>
-        </p:spPr>
-        <p:txBody>
-          <a:bodyPr wrap="none" rtlCol="0">
-            <a:spAutoFit/>
-          </a:bodyPr>
-          <a:lstStyle/>
-          <a:p>
-            <a:r>
-              <a:rPr lang="pt-BR" dirty="0">
-                <a:solidFill>
-                  <a:schemeClr val="accent1">
-                    <a:lumMod val="50000"/>
-                  </a:schemeClr>
-                </a:solidFill>
-                <a:latin typeface="Oswald"/>
-              </a:rPr>
-              <a:t>8 ARQUIVOS CSV – Aproximadamente 80 MB cada</a:t>
-            </a:r>
-          </a:p>
-        </p:txBody>
-      </p:sp>
-      <p:sp>
-        <p:nvSpPr>
-          <p:cNvPr id="12" name="CaixaDeTexto 11">
-            <a:extLst>
-              <a:ext uri="{FF2B5EF4-FFF2-40B4-BE49-F238E27FC236}">
-                <a16:creationId xmlns:a16="http://schemas.microsoft.com/office/drawing/2014/main" id="{EB50DEA6-617F-41FE-A3C7-09AF42D54E41}"/>
-              </a:ext>
-            </a:extLst>
-          </p:cNvPr>
-          <p:cNvSpPr txBox="1"/>
-          <p:nvPr/>
-        </p:nvSpPr>
-        <p:spPr>
-          <a:xfrm>
-            <a:off x="286602" y="4129411"/>
-            <a:ext cx="1755802" cy="369332"/>
-          </a:xfrm>
-          <a:prstGeom prst="rect">
-            <a:avLst/>
-          </a:prstGeom>
-          <a:noFill/>
-        </p:spPr>
-        <p:txBody>
-          <a:bodyPr wrap="none" rtlCol="0">
-            <a:spAutoFit/>
-          </a:bodyPr>
-          <a:lstStyle/>
-          <a:p>
-            <a:r>
-              <a:rPr lang="pt-BR" b="1" dirty="0">
-                <a:solidFill>
-                  <a:schemeClr val="accent1">
-                    <a:lumMod val="50000"/>
-                  </a:schemeClr>
-                </a:solidFill>
-              </a:rPr>
-              <a:t>CASOS E ÓBITOS</a:t>
-            </a:r>
-          </a:p>
-        </p:txBody>
-      </p:sp>
-      <p:sp>
-        <p:nvSpPr>
-          <p:cNvPr id="13" name="CaixaDeTexto 12">
-            <a:extLst>
-              <a:ext uri="{FF2B5EF4-FFF2-40B4-BE49-F238E27FC236}">
-                <a16:creationId xmlns:a16="http://schemas.microsoft.com/office/drawing/2014/main" id="{63299975-902B-4A69-A89D-6536F427255D}"/>
-              </a:ext>
-            </a:extLst>
-          </p:cNvPr>
-          <p:cNvSpPr txBox="1"/>
-          <p:nvPr/>
-        </p:nvSpPr>
-        <p:spPr>
-          <a:xfrm>
-            <a:off x="1083519" y="5098617"/>
-            <a:ext cx="5394425" cy="1477328"/>
-          </a:xfrm>
-          <a:prstGeom prst="rect">
-            <a:avLst/>
-          </a:prstGeom>
-          <a:noFill/>
-        </p:spPr>
-        <p:txBody>
-          <a:bodyPr wrap="none" rtlCol="0">
-            <a:spAutoFit/>
-          </a:bodyPr>
-          <a:lstStyle/>
-          <a:p>
-            <a:pPr marL="285750" indent="-285750">
-              <a:buFont typeface="Arial" panose="020B0604020202020204" pitchFamily="34" charset="0"/>
-              <a:buChar char="•"/>
-            </a:pPr>
-            <a:r>
-              <a:rPr lang="pt-BR" dirty="0">
-                <a:solidFill>
-                  <a:schemeClr val="accent1">
-                    <a:lumMod val="50000"/>
-                  </a:schemeClr>
-                </a:solidFill>
-                <a:latin typeface="Oswald"/>
-              </a:rPr>
-              <a:t>Extraídas as informações somente do DF;</a:t>
-            </a:r>
-          </a:p>
-          <a:p>
-            <a:pPr marL="285750" indent="-285750">
-              <a:buFont typeface="Arial" panose="020B0604020202020204" pitchFamily="34" charset="0"/>
-              <a:buChar char="•"/>
-            </a:pPr>
-            <a:r>
-              <a:rPr lang="pt-BR" dirty="0">
-                <a:solidFill>
-                  <a:schemeClr val="accent1">
-                    <a:lumMod val="50000"/>
-                  </a:schemeClr>
-                </a:solidFill>
-                <a:latin typeface="Oswald"/>
-              </a:rPr>
-              <a:t>Exclusão de registros duplicados;</a:t>
-            </a:r>
-          </a:p>
-          <a:p>
-            <a:pPr marL="285750" indent="-285750">
-              <a:buFont typeface="Arial" panose="020B0604020202020204" pitchFamily="34" charset="0"/>
-              <a:buChar char="•"/>
-            </a:pPr>
-            <a:r>
-              <a:rPr lang="pt-BR" dirty="0">
-                <a:solidFill>
-                  <a:schemeClr val="accent1">
-                    <a:lumMod val="50000"/>
-                  </a:schemeClr>
-                </a:solidFill>
-                <a:latin typeface="Oswald"/>
-              </a:rPr>
-              <a:t>Identificação e ajustes dos tipos de cada coluna de dados.</a:t>
-            </a:r>
-          </a:p>
-          <a:p>
-            <a:pPr marL="285750" indent="-285750">
-              <a:buFont typeface="Arial" panose="020B0604020202020204" pitchFamily="34" charset="0"/>
-              <a:buChar char="•"/>
-            </a:pPr>
-            <a:endParaRPr lang="pt-BR" dirty="0">
-              <a:solidFill>
-                <a:schemeClr val="accent1">
-                  <a:lumMod val="50000"/>
-                </a:schemeClr>
-              </a:solidFill>
-              <a:latin typeface="Oswald"/>
-            </a:endParaRPr>
-          </a:p>
-          <a:p>
-            <a:pPr marL="285750" indent="-285750">
-              <a:buFont typeface="Arial" panose="020B0604020202020204" pitchFamily="34" charset="0"/>
-              <a:buChar char="•"/>
-            </a:pPr>
-            <a:endParaRPr lang="pt-BR" dirty="0">
-              <a:solidFill>
-                <a:schemeClr val="accent1">
-                  <a:lumMod val="50000"/>
-                </a:schemeClr>
-              </a:solidFill>
-              <a:latin typeface="Oswald"/>
-            </a:endParaRPr>
-          </a:p>
-        </p:txBody>
-      </p:sp>
-    </p:spTree>
-    <p:extLst>
-      <p:ext uri="{BB962C8B-B14F-4D97-AF65-F5344CB8AC3E}">
-        <p14:creationId xmlns:p14="http://schemas.microsoft.com/office/powerpoint/2010/main" val="2349247002"/>
-      </p:ext>
-    </p:extLst>
-  </p:cSld>
-  <p:clrMapOvr>
-    <a:masterClrMapping/>
-  </p:clrMapOvr>
-</p:sld>
-</file>
-
 <file path=ppt/slides/slide3.xml><?xml version="1.0" encoding="utf-8"?>
 <p:sld xmlns:a="http://schemas.openxmlformats.org/drawingml/2006/main" xmlns:r="http://schemas.openxmlformats.org/officeDocument/2006/relationships" xmlns:p="http://schemas.openxmlformats.org/presentationml/2006/main">
   <p:cSld>
@@ -6307,17 +6373,17 @@
                 </a:solidFill>
                 <a:latin typeface="Oswald"/>
               </a:rPr>
-              <a:t>ANÁLISES</a:t>
-            </a:r>
-          </a:p>
-        </p:txBody>
-      </p:sp>
-      <p:sp>
-        <p:nvSpPr>
-          <p:cNvPr id="4" name="CaixaDeTexto 3">
-            <a:extLst>
-              <a:ext uri="{FF2B5EF4-FFF2-40B4-BE49-F238E27FC236}">
-                <a16:creationId xmlns:a16="http://schemas.microsoft.com/office/drawing/2014/main" id="{EB37902E-928D-4E2B-8A3E-AF908E1A68B0}"/>
+              <a:t>EXTRAÇÃO E TRATAMENTOS DOS DADOS</a:t>
+            </a:r>
+          </a:p>
+        </p:txBody>
+      </p:sp>
+      <p:sp>
+        <p:nvSpPr>
+          <p:cNvPr id="3" name="CaixaDeTexto 2">
+            <a:extLst>
+              <a:ext uri="{FF2B5EF4-FFF2-40B4-BE49-F238E27FC236}">
+                <a16:creationId xmlns:a16="http://schemas.microsoft.com/office/drawing/2014/main" id="{A4D4039F-9AEE-4DD5-800B-8B41ADD12235}"/>
               </a:ext>
             </a:extLst>
           </p:cNvPr>
@@ -6326,8 +6392,8 @@
         </p:nvSpPr>
         <p:spPr>
           <a:xfrm>
-            <a:off x="286602" y="954501"/>
-            <a:ext cx="5346335" cy="369332"/>
+            <a:off x="1083519" y="1462188"/>
+            <a:ext cx="4687565" cy="369332"/>
           </a:xfrm>
           <a:prstGeom prst="rect">
             <a:avLst/>
@@ -6341,7 +6407,7 @@
           <a:lstStyle/>
           <a:p>
             <a:r>
-              <a:rPr lang="pt-BR" b="1" dirty="0">
+              <a:rPr lang="pt-BR" dirty="0">
                 <a:solidFill>
                   <a:schemeClr val="accent1">
                     <a:lumMod val="50000"/>
@@ -6349,8 +6415,203 @@
                 </a:solidFill>
                 <a:latin typeface="Oswald"/>
               </a:rPr>
-              <a:t>% População que tomou pelo menos uma dose da vacina</a:t>
-            </a:r>
+              <a:t>5 ARQUIVOS CSV – Aproximadamente 735 MB cada</a:t>
+            </a:r>
+          </a:p>
+        </p:txBody>
+      </p:sp>
+      <p:sp>
+        <p:nvSpPr>
+          <p:cNvPr id="4" name="CaixaDeTexto 3">
+            <a:extLst>
+              <a:ext uri="{FF2B5EF4-FFF2-40B4-BE49-F238E27FC236}">
+                <a16:creationId xmlns:a16="http://schemas.microsoft.com/office/drawing/2014/main" id="{EB37902E-928D-4E2B-8A3E-AF908E1A68B0}"/>
+              </a:ext>
+            </a:extLst>
+          </p:cNvPr>
+          <p:cNvSpPr txBox="1"/>
+          <p:nvPr/>
+        </p:nvSpPr>
+        <p:spPr>
+          <a:xfrm>
+            <a:off x="286602" y="954501"/>
+            <a:ext cx="1593834" cy="369332"/>
+          </a:xfrm>
+          <a:prstGeom prst="rect">
+            <a:avLst/>
+          </a:prstGeom>
+          <a:noFill/>
+        </p:spPr>
+        <p:txBody>
+          <a:bodyPr wrap="none" rtlCol="0">
+            <a:spAutoFit/>
+          </a:bodyPr>
+          <a:lstStyle/>
+          <a:p>
+            <a:r>
+              <a:rPr lang="pt-BR" b="1" dirty="0">
+                <a:solidFill>
+                  <a:schemeClr val="accent1">
+                    <a:lumMod val="50000"/>
+                  </a:schemeClr>
+                </a:solidFill>
+              </a:rPr>
+              <a:t>OPENDATASUS</a:t>
+            </a:r>
+          </a:p>
+        </p:txBody>
+      </p:sp>
+      <p:sp>
+        <p:nvSpPr>
+          <p:cNvPr id="6" name="CaixaDeTexto 5">
+            <a:extLst>
+              <a:ext uri="{FF2B5EF4-FFF2-40B4-BE49-F238E27FC236}">
+                <a16:creationId xmlns:a16="http://schemas.microsoft.com/office/drawing/2014/main" id="{D282B193-42E4-4945-B2CD-88054DEE3A34}"/>
+              </a:ext>
+            </a:extLst>
+          </p:cNvPr>
+          <p:cNvSpPr txBox="1"/>
+          <p:nvPr/>
+        </p:nvSpPr>
+        <p:spPr>
+          <a:xfrm>
+            <a:off x="1083519" y="1969875"/>
+            <a:ext cx="6970178" cy="2308324"/>
+          </a:xfrm>
+          <a:prstGeom prst="rect">
+            <a:avLst/>
+          </a:prstGeom>
+          <a:noFill/>
+        </p:spPr>
+        <p:txBody>
+          <a:bodyPr wrap="none" rtlCol="0">
+            <a:spAutoFit/>
+          </a:bodyPr>
+          <a:lstStyle/>
+          <a:p>
+            <a:pPr marL="285750" indent="-285750">
+              <a:buFont typeface="Arial" panose="020B0604020202020204" pitchFamily="34" charset="0"/>
+              <a:buChar char="•"/>
+            </a:pPr>
+            <a:r>
+              <a:rPr lang="pt-BR" dirty="0">
+                <a:solidFill>
+                  <a:schemeClr val="accent1">
+                    <a:lumMod val="50000"/>
+                  </a:schemeClr>
+                </a:solidFill>
+                <a:latin typeface="Oswald"/>
+              </a:rPr>
+              <a:t>Identificação e ajustes dos tipos de cada coluna de dados;</a:t>
+            </a:r>
+          </a:p>
+          <a:p>
+            <a:pPr marL="285750" indent="-285750">
+              <a:buFont typeface="Arial" panose="020B0604020202020204" pitchFamily="34" charset="0"/>
+              <a:buChar char="•"/>
+            </a:pPr>
+            <a:r>
+              <a:rPr lang="pt-BR" dirty="0">
+                <a:solidFill>
+                  <a:schemeClr val="accent1">
+                    <a:lumMod val="50000"/>
+                  </a:schemeClr>
+                </a:solidFill>
+                <a:latin typeface="Oswald"/>
+              </a:rPr>
+              <a:t>Exclusão de registros sem identificação de paciente(*);</a:t>
+            </a:r>
+          </a:p>
+          <a:p>
+            <a:pPr marL="285750" indent="-285750">
+              <a:buFont typeface="Arial" panose="020B0604020202020204" pitchFamily="34" charset="0"/>
+              <a:buChar char="•"/>
+            </a:pPr>
+            <a:r>
+              <a:rPr lang="pt-BR" dirty="0">
+                <a:solidFill>
+                  <a:schemeClr val="accent1">
+                    <a:lumMod val="50000"/>
+                  </a:schemeClr>
+                </a:solidFill>
+                <a:latin typeface="Oswald"/>
+              </a:rPr>
+              <a:t>Exclusão de registros de pacientes que residem fora do DF;</a:t>
+            </a:r>
+          </a:p>
+          <a:p>
+            <a:pPr marL="285750" indent="-285750">
+              <a:buFont typeface="Arial" panose="020B0604020202020204" pitchFamily="34" charset="0"/>
+              <a:buChar char="•"/>
+            </a:pPr>
+            <a:r>
+              <a:rPr lang="pt-BR" dirty="0">
+                <a:solidFill>
+                  <a:schemeClr val="accent1">
+                    <a:lumMod val="50000"/>
+                  </a:schemeClr>
+                </a:solidFill>
+                <a:latin typeface="Oswald"/>
+              </a:rPr>
+              <a:t>Exclusão de colunas não relevantes para a análise;</a:t>
+            </a:r>
+          </a:p>
+          <a:p>
+            <a:pPr marL="285750" indent="-285750">
+              <a:buFont typeface="Arial" panose="020B0604020202020204" pitchFamily="34" charset="0"/>
+              <a:buChar char="•"/>
+            </a:pPr>
+            <a:r>
+              <a:rPr lang="pt-BR" dirty="0">
+                <a:solidFill>
+                  <a:schemeClr val="accent1">
+                    <a:lumMod val="50000"/>
+                  </a:schemeClr>
+                </a:solidFill>
+                <a:latin typeface="Oswald"/>
+              </a:rPr>
+              <a:t>Identificação das variáveis categóricas e análise e correção de  seus valores;</a:t>
+            </a:r>
+          </a:p>
+          <a:p>
+            <a:pPr marL="285750" indent="-285750">
+              <a:buFont typeface="Arial" panose="020B0604020202020204" pitchFamily="34" charset="0"/>
+              <a:buChar char="•"/>
+            </a:pPr>
+            <a:r>
+              <a:rPr lang="pt-BR" dirty="0">
+                <a:solidFill>
+                  <a:schemeClr val="accent1">
+                    <a:lumMod val="50000"/>
+                  </a:schemeClr>
+                </a:solidFill>
+                <a:latin typeface="Oswald"/>
+              </a:rPr>
+              <a:t>Padronização de valores das variáveis categóricas;</a:t>
+            </a:r>
+          </a:p>
+          <a:p>
+            <a:pPr marL="285750" indent="-285750">
+              <a:buFont typeface="Arial" panose="020B0604020202020204" pitchFamily="34" charset="0"/>
+              <a:buChar char="•"/>
+            </a:pPr>
+            <a:r>
+              <a:rPr lang="pt-BR" dirty="0">
+                <a:solidFill>
+                  <a:schemeClr val="accent1">
+                    <a:lumMod val="50000"/>
+                  </a:schemeClr>
+                </a:solidFill>
+                <a:latin typeface="Oswald"/>
+              </a:rPr>
+              <a:t>Identificação das variáveis numéricas e análise e correção de  seus valores.</a:t>
+            </a:r>
+          </a:p>
+          <a:p>
+            <a:pPr marL="285750" indent="-285750">
+              <a:buFont typeface="Arial" panose="020B0604020202020204" pitchFamily="34" charset="0"/>
+              <a:buChar char="•"/>
+            </a:pPr>
             <a:endParaRPr lang="pt-BR" dirty="0">
               <a:solidFill>
                 <a:schemeClr val="accent1">
@@ -6364,10 +6625,10 @@
       </p:sp>
       <p:sp>
         <p:nvSpPr>
-          <p:cNvPr id="5" name="CaixaDeTexto 4">
-            <a:extLst>
-              <a:ext uri="{FF2B5EF4-FFF2-40B4-BE49-F238E27FC236}">
-                <a16:creationId xmlns:a16="http://schemas.microsoft.com/office/drawing/2014/main" id="{CFF657CF-C808-4F98-A825-B414D24E6EA6}"/>
+          <p:cNvPr id="11" name="CaixaDeTexto 10">
+            <a:extLst>
+              <a:ext uri="{FF2B5EF4-FFF2-40B4-BE49-F238E27FC236}">
+                <a16:creationId xmlns:a16="http://schemas.microsoft.com/office/drawing/2014/main" id="{6E1C3B58-9575-4BA8-B400-06C0E83FE2A7}"/>
               </a:ext>
             </a:extLst>
           </p:cNvPr>
@@ -6376,8 +6637,8 @@
         </p:nvSpPr>
         <p:spPr>
           <a:xfrm>
-            <a:off x="491320" y="2183642"/>
-            <a:ext cx="2930610" cy="400110"/>
+            <a:off x="1083519" y="4637098"/>
+            <a:ext cx="4581767" cy="369332"/>
           </a:xfrm>
           <a:prstGeom prst="rect">
             <a:avLst/>
@@ -6391,7 +6652,7 @@
           <a:lstStyle/>
           <a:p>
             <a:r>
-              <a:rPr lang="pt-BR" sz="2000" dirty="0">
+              <a:rPr lang="pt-BR" dirty="0">
                 <a:solidFill>
                   <a:schemeClr val="accent1">
                     <a:lumMod val="50000"/>
@@ -6399,17 +6660,17 @@
                 </a:solidFill>
                 <a:latin typeface="Oswald"/>
               </a:rPr>
-              <a:t>População do DF - 2.817.068</a:t>
-            </a:r>
-          </a:p>
-        </p:txBody>
-      </p:sp>
-      <p:sp>
-        <p:nvSpPr>
-          <p:cNvPr id="10" name="CaixaDeTexto 9">
-            <a:extLst>
-              <a:ext uri="{FF2B5EF4-FFF2-40B4-BE49-F238E27FC236}">
-                <a16:creationId xmlns:a16="http://schemas.microsoft.com/office/drawing/2014/main" id="{416DF0C8-9A4D-497F-8DD2-8840FD05CC2D}"/>
+              <a:t>8 ARQUIVOS CSV – Aproximadamente 80 MB cada</a:t>
+            </a:r>
+          </a:p>
+        </p:txBody>
+      </p:sp>
+      <p:sp>
+        <p:nvSpPr>
+          <p:cNvPr id="12" name="CaixaDeTexto 11">
+            <a:extLst>
+              <a:ext uri="{FF2B5EF4-FFF2-40B4-BE49-F238E27FC236}">
+                <a16:creationId xmlns:a16="http://schemas.microsoft.com/office/drawing/2014/main" id="{EB50DEA6-617F-41FE-A3C7-09AF42D54E41}"/>
               </a:ext>
             </a:extLst>
           </p:cNvPr>
@@ -6418,8 +6679,8 @@
         </p:nvSpPr>
         <p:spPr>
           <a:xfrm>
-            <a:off x="491320" y="3429000"/>
-            <a:ext cx="3526928" cy="400110"/>
+            <a:off x="286602" y="4129411"/>
+            <a:ext cx="1755802" cy="369332"/>
           </a:xfrm>
           <a:prstGeom prst="rect">
             <a:avLst/>
@@ -6433,25 +6694,24 @@
           <a:lstStyle/>
           <a:p>
             <a:r>
-              <a:rPr lang="pt-BR" sz="2000" dirty="0">
+              <a:rPr lang="pt-BR" b="1" dirty="0">
                 <a:solidFill>
                   <a:schemeClr val="accent1">
                     <a:lumMod val="50000"/>
                   </a:schemeClr>
                 </a:solidFill>
-                <a:latin typeface="Oswald"/>
-              </a:rPr>
-              <a:t>Doses aplicadas no DF – 6.729.707</a:t>
-            </a:r>
-          </a:p>
-        </p:txBody>
-      </p:sp>
-      <p:sp>
-        <p:nvSpPr>
-          <p:cNvPr id="14" name="CaixaDeTexto 13">
-            <a:extLst>
-              <a:ext uri="{FF2B5EF4-FFF2-40B4-BE49-F238E27FC236}">
-                <a16:creationId xmlns:a16="http://schemas.microsoft.com/office/drawing/2014/main" id="{3E02EECE-A101-4E23-8EF2-86223E0BA8D3}"/>
+              </a:rPr>
+              <a:t>CASOS E ÓBITOS</a:t>
+            </a:r>
+          </a:p>
+        </p:txBody>
+      </p:sp>
+      <p:sp>
+        <p:nvSpPr>
+          <p:cNvPr id="13" name="CaixaDeTexto 12">
+            <a:extLst>
+              <a:ext uri="{FF2B5EF4-FFF2-40B4-BE49-F238E27FC236}">
+                <a16:creationId xmlns:a16="http://schemas.microsoft.com/office/drawing/2014/main" id="{63299975-902B-4A69-A89D-6536F427255D}"/>
               </a:ext>
             </a:extLst>
           </p:cNvPr>
@@ -6460,8 +6720,8 @@
         </p:nvSpPr>
         <p:spPr>
           <a:xfrm>
-            <a:off x="491320" y="2806321"/>
-            <a:ext cx="4297971" cy="400110"/>
+            <a:off x="1083519" y="5098617"/>
+            <a:ext cx="5394425" cy="1477328"/>
           </a:xfrm>
           <a:prstGeom prst="rect">
             <a:avLst/>
@@ -6474,8 +6734,12 @@
           </a:bodyPr>
           <a:lstStyle/>
           <a:p>
-            <a:r>
-              <a:rPr lang="pt-BR" sz="2000" dirty="0">
+            <a:pPr marL="285750" indent="-285750">
+              <a:buFont typeface="Arial" panose="020B0604020202020204" pitchFamily="34" charset="0"/>
+              <a:buChar char="•"/>
+            </a:pPr>
+            <a:r>
+              <a:rPr lang="pt-BR" dirty="0">
                 <a:solidFill>
                   <a:schemeClr val="accent1">
                     <a:lumMod val="50000"/>
@@ -6483,70 +6747,77 @@
                 </a:solidFill>
                 <a:latin typeface="Oswald"/>
               </a:rPr>
-              <a:t>Pessoas que tomaram a vacina – 2.420.470</a:t>
-            </a:r>
-          </a:p>
-        </p:txBody>
-      </p:sp>
-      <p:sp>
-        <p:nvSpPr>
-          <p:cNvPr id="7" name="CaixaDeTexto 6">
-            <a:extLst>
-              <a:ext uri="{FF2B5EF4-FFF2-40B4-BE49-F238E27FC236}">
-                <a16:creationId xmlns:a16="http://schemas.microsoft.com/office/drawing/2014/main" id="{7955F6FA-16E3-46DE-81DA-CED63B6D84DA}"/>
-              </a:ext>
-            </a:extLst>
-          </p:cNvPr>
-          <p:cNvSpPr txBox="1"/>
-          <p:nvPr/>
-        </p:nvSpPr>
-        <p:spPr>
-          <a:xfrm>
-            <a:off x="5632937" y="3429000"/>
-            <a:ext cx="2825086" cy="1569660"/>
-          </a:xfrm>
-          <a:prstGeom prst="rect">
-            <a:avLst/>
-          </a:prstGeom>
-          <a:solidFill>
-            <a:schemeClr val="accent5">
-              <a:lumMod val="75000"/>
-            </a:schemeClr>
-          </a:solidFill>
-        </p:spPr>
-        <p:txBody>
-          <a:bodyPr wrap="square" rtlCol="0">
-            <a:spAutoFit/>
-          </a:bodyPr>
-          <a:lstStyle/>
-          <a:p>
-            <a:pPr algn="ctr"/>
-            <a:r>
-              <a:rPr lang="pt-BR" sz="6000" dirty="0">
-                <a:solidFill>
-                  <a:schemeClr val="bg1"/>
-                </a:solidFill>
-              </a:rPr>
-              <a:t>86%</a:t>
-            </a:r>
-          </a:p>
-          <a:p>
-            <a:pPr algn="ctr"/>
+              <a:t>Extraídas as informações somente do DF;</a:t>
+            </a:r>
+          </a:p>
+          <a:p>
+            <a:pPr marL="285750" indent="-285750">
+              <a:buFont typeface="Arial" panose="020B0604020202020204" pitchFamily="34" charset="0"/>
+              <a:buChar char="•"/>
+            </a:pPr>
             <a:r>
               <a:rPr lang="pt-BR" dirty="0">
                 <a:solidFill>
-                  <a:schemeClr val="bg1"/>
-                </a:solidFill>
-              </a:rPr>
-              <a:t> Da população tomou pelo menos uma dose da vacina </a:t>
-            </a:r>
+                  <a:schemeClr val="accent1">
+                    <a:lumMod val="50000"/>
+                  </a:schemeClr>
+                </a:solidFill>
+                <a:latin typeface="Oswald"/>
+              </a:rPr>
+              <a:t>Exclusão de registros duplicados;</a:t>
+            </a:r>
+          </a:p>
+          <a:p>
+            <a:pPr marL="285750" indent="-285750">
+              <a:buFont typeface="Arial" panose="020B0604020202020204" pitchFamily="34" charset="0"/>
+              <a:buChar char="•"/>
+            </a:pPr>
+            <a:r>
+              <a:rPr lang="pt-BR" dirty="0">
+                <a:solidFill>
+                  <a:schemeClr val="accent1">
+                    <a:lumMod val="50000"/>
+                  </a:schemeClr>
+                </a:solidFill>
+                <a:latin typeface="Oswald"/>
+              </a:rPr>
+              <a:t>Identificação e ajustes dos tipos de cada coluna de dados.</a:t>
+            </a:r>
+          </a:p>
+          <a:p>
+            <a:pPr marL="285750" indent="-285750">
+              <a:buFont typeface="Arial" panose="020B0604020202020204" pitchFamily="34" charset="0"/>
+              <a:buChar char="•"/>
+            </a:pPr>
+            <a:endParaRPr lang="pt-BR" dirty="0">
+              <a:solidFill>
+                <a:schemeClr val="accent1">
+                  <a:lumMod val="50000"/>
+                </a:schemeClr>
+              </a:solidFill>
+              <a:latin typeface="Oswald"/>
+            </a:endParaRPr>
+          </a:p>
+          <a:p>
+            <a:pPr marL="285750" indent="-285750">
+              <a:buFont typeface="Arial" panose="020B0604020202020204" pitchFamily="34" charset="0"/>
+              <a:buChar char="•"/>
+            </a:pPr>
+            <a:endParaRPr lang="pt-BR" dirty="0">
+              <a:solidFill>
+                <a:schemeClr val="accent1">
+                  <a:lumMod val="50000"/>
+                </a:schemeClr>
+              </a:solidFill>
+              <a:latin typeface="Oswald"/>
+            </a:endParaRPr>
           </a:p>
         </p:txBody>
       </p:sp>
     </p:spTree>
     <p:extLst>
       <p:ext uri="{BB962C8B-B14F-4D97-AF65-F5344CB8AC3E}">
-        <p14:creationId xmlns:p14="http://schemas.microsoft.com/office/powerpoint/2010/main" val="863328062"/>
+        <p14:creationId xmlns:p14="http://schemas.microsoft.com/office/powerpoint/2010/main" val="2349247002"/>
       </p:ext>
     </p:extLst>
   </p:cSld>
@@ -6635,7 +6906,7 @@
         <p:spPr>
           <a:xfrm>
             <a:off x="286602" y="954501"/>
-            <a:ext cx="5766387" cy="369332"/>
+            <a:ext cx="5346335" cy="369332"/>
           </a:xfrm>
           <a:prstGeom prst="rect">
             <a:avLst/>
@@ -6655,8 +6926,9 @@
                     <a:lumMod val="50000"/>
                   </a:schemeClr>
                 </a:solidFill>
-              </a:rPr>
-              <a:t>Distribuição das idades das pessoas que tomaram a Vacina</a:t>
+                <a:latin typeface="Oswald"/>
+              </a:rPr>
+              <a:t>% População que tomou pelo menos uma dose da vacina</a:t>
             </a:r>
             <a:endParaRPr lang="pt-BR" dirty="0">
               <a:solidFill>
@@ -6664,45 +6936,17 @@
                   <a:lumMod val="50000"/>
                 </a:schemeClr>
               </a:solidFill>
+              <a:latin typeface="Oswald"/>
             </a:endParaRPr>
           </a:p>
         </p:txBody>
       </p:sp>
-      <p:pic>
-        <p:nvPicPr>
-          <p:cNvPr id="3" name="Imagem 2">
-            <a:extLst>
-              <a:ext uri="{FF2B5EF4-FFF2-40B4-BE49-F238E27FC236}">
-                <a16:creationId xmlns:a16="http://schemas.microsoft.com/office/drawing/2014/main" id="{55C97D19-36BC-41D1-9AB1-C7E927C1EC10}"/>
-              </a:ext>
-            </a:extLst>
-          </p:cNvPr>
-          <p:cNvPicPr>
-            <a:picLocks noChangeAspect="1"/>
-          </p:cNvPicPr>
-          <p:nvPr/>
-        </p:nvPicPr>
-        <p:blipFill rotWithShape="1">
-          <a:blip r:embed="rId2"/>
-          <a:srcRect l="19434" t="25594" r="32667" b="21075"/>
-          <a:stretch/>
-        </p:blipFill>
-        <p:spPr>
-          <a:xfrm>
-            <a:off x="460571" y="1958973"/>
-            <a:ext cx="5457564" cy="4320000"/>
-          </a:xfrm>
-          <a:prstGeom prst="rect">
-            <a:avLst/>
-          </a:prstGeom>
-        </p:spPr>
-      </p:pic>
-      <p:sp>
-        <p:nvSpPr>
-          <p:cNvPr id="6" name="CaixaDeTexto 5">
-            <a:extLst>
-              <a:ext uri="{FF2B5EF4-FFF2-40B4-BE49-F238E27FC236}">
-                <a16:creationId xmlns:a16="http://schemas.microsoft.com/office/drawing/2014/main" id="{801CA773-7171-4218-853A-3FFD075F1591}"/>
+      <p:sp>
+        <p:nvSpPr>
+          <p:cNvPr id="5" name="CaixaDeTexto 4">
+            <a:extLst>
+              <a:ext uri="{FF2B5EF4-FFF2-40B4-BE49-F238E27FC236}">
+                <a16:creationId xmlns:a16="http://schemas.microsoft.com/office/drawing/2014/main" id="{CFF657CF-C808-4F98-A825-B414D24E6EA6}"/>
               </a:ext>
             </a:extLst>
           </p:cNvPr>
@@ -6711,8 +6955,8 @@
         </p:nvSpPr>
         <p:spPr>
           <a:xfrm>
-            <a:off x="5918135" y="2407478"/>
-            <a:ext cx="3350597" cy="2948436"/>
+            <a:off x="491320" y="2183642"/>
+            <a:ext cx="2930610" cy="400110"/>
           </a:xfrm>
           <a:prstGeom prst="rect">
             <a:avLst/>
@@ -6725,13 +6969,8 @@
           </a:bodyPr>
           <a:lstStyle/>
           <a:p>
-            <a:pPr>
-              <a:lnSpc>
-                <a:spcPct val="150000"/>
-              </a:lnSpc>
-            </a:pPr>
-            <a:r>
-              <a:rPr lang="pt-BR" dirty="0">
+            <a:r>
+              <a:rPr lang="pt-BR" sz="2000" dirty="0">
                 <a:solidFill>
                   <a:schemeClr val="accent1">
                     <a:lumMod val="50000"/>
@@ -6739,17 +6978,41 @@
                 </a:solidFill>
                 <a:latin typeface="Oswald"/>
               </a:rPr>
-              <a:t>Média: 37.5</a:t>
-            </a:r>
-          </a:p>
-          <a:p>
-            <a:pPr>
-              <a:lnSpc>
-                <a:spcPct val="150000"/>
-              </a:lnSpc>
-            </a:pPr>
-            <a:r>
-              <a:rPr lang="pt-BR" dirty="0">
+              <a:t>População do DF - 2.817.068</a:t>
+            </a:r>
+          </a:p>
+        </p:txBody>
+      </p:sp>
+      <p:sp>
+        <p:nvSpPr>
+          <p:cNvPr id="10" name="CaixaDeTexto 9">
+            <a:extLst>
+              <a:ext uri="{FF2B5EF4-FFF2-40B4-BE49-F238E27FC236}">
+                <a16:creationId xmlns:a16="http://schemas.microsoft.com/office/drawing/2014/main" id="{416DF0C8-9A4D-497F-8DD2-8840FD05CC2D}"/>
+              </a:ext>
+            </a:extLst>
+          </p:cNvPr>
+          <p:cNvSpPr txBox="1"/>
+          <p:nvPr/>
+        </p:nvSpPr>
+        <p:spPr>
+          <a:xfrm>
+            <a:off x="491320" y="3429000"/>
+            <a:ext cx="3526928" cy="400110"/>
+          </a:xfrm>
+          <a:prstGeom prst="rect">
+            <a:avLst/>
+          </a:prstGeom>
+          <a:noFill/>
+        </p:spPr>
+        <p:txBody>
+          <a:bodyPr wrap="none" rtlCol="0">
+            <a:spAutoFit/>
+          </a:bodyPr>
+          <a:lstStyle/>
+          <a:p>
+            <a:r>
+              <a:rPr lang="pt-BR" sz="2000" dirty="0">
                 <a:solidFill>
                   <a:schemeClr val="accent1">
                     <a:lumMod val="50000"/>
@@ -6757,17 +7020,41 @@
                 </a:solidFill>
                 <a:latin typeface="Oswald"/>
               </a:rPr>
-              <a:t>Desvio Padrão: 19.7</a:t>
-            </a:r>
-          </a:p>
-          <a:p>
-            <a:pPr>
-              <a:lnSpc>
-                <a:spcPct val="150000"/>
-              </a:lnSpc>
-            </a:pPr>
-            <a:r>
-              <a:rPr lang="pt-BR" dirty="0">
+              <a:t>Doses aplicadas no DF – 6.729.707</a:t>
+            </a:r>
+          </a:p>
+        </p:txBody>
+      </p:sp>
+      <p:sp>
+        <p:nvSpPr>
+          <p:cNvPr id="14" name="CaixaDeTexto 13">
+            <a:extLst>
+              <a:ext uri="{FF2B5EF4-FFF2-40B4-BE49-F238E27FC236}">
+                <a16:creationId xmlns:a16="http://schemas.microsoft.com/office/drawing/2014/main" id="{3E02EECE-A101-4E23-8EF2-86223E0BA8D3}"/>
+              </a:ext>
+            </a:extLst>
+          </p:cNvPr>
+          <p:cNvSpPr txBox="1"/>
+          <p:nvPr/>
+        </p:nvSpPr>
+        <p:spPr>
+          <a:xfrm>
+            <a:off x="491320" y="2806321"/>
+            <a:ext cx="4297971" cy="400110"/>
+          </a:xfrm>
+          <a:prstGeom prst="rect">
+            <a:avLst/>
+          </a:prstGeom>
+          <a:noFill/>
+        </p:spPr>
+        <p:txBody>
+          <a:bodyPr wrap="none" rtlCol="0">
+            <a:spAutoFit/>
+          </a:bodyPr>
+          <a:lstStyle/>
+          <a:p>
+            <a:r>
+              <a:rPr lang="pt-BR" sz="2000" dirty="0">
                 <a:solidFill>
                   <a:schemeClr val="accent1">
                     <a:lumMod val="50000"/>
@@ -6775,79 +7062,62 @@
                 </a:solidFill>
                 <a:latin typeface="Oswald"/>
               </a:rPr>
-              <a:t>Máximo: 121 </a:t>
-            </a:r>
-          </a:p>
-          <a:p>
-            <a:pPr>
-              <a:lnSpc>
-                <a:spcPct val="150000"/>
-              </a:lnSpc>
-            </a:pPr>
+              <a:t>Pessoas que tomaram a vacina – 2.420.470</a:t>
+            </a:r>
+          </a:p>
+        </p:txBody>
+      </p:sp>
+      <p:sp>
+        <p:nvSpPr>
+          <p:cNvPr id="7" name="CaixaDeTexto 6">
+            <a:extLst>
+              <a:ext uri="{FF2B5EF4-FFF2-40B4-BE49-F238E27FC236}">
+                <a16:creationId xmlns:a16="http://schemas.microsoft.com/office/drawing/2014/main" id="{7955F6FA-16E3-46DE-81DA-CED63B6D84DA}"/>
+              </a:ext>
+            </a:extLst>
+          </p:cNvPr>
+          <p:cNvSpPr txBox="1"/>
+          <p:nvPr/>
+        </p:nvSpPr>
+        <p:spPr>
+          <a:xfrm>
+            <a:off x="5632937" y="3429000"/>
+            <a:ext cx="2825086" cy="1569660"/>
+          </a:xfrm>
+          <a:prstGeom prst="rect">
+            <a:avLst/>
+          </a:prstGeom>
+          <a:solidFill>
+            <a:schemeClr val="accent5">
+              <a:lumMod val="75000"/>
+            </a:schemeClr>
+          </a:solidFill>
+        </p:spPr>
+        <p:txBody>
+          <a:bodyPr wrap="square" rtlCol="0">
+            <a:spAutoFit/>
+          </a:bodyPr>
+          <a:lstStyle/>
+          <a:p>
+            <a:pPr algn="ctr"/>
+            <a:r>
+              <a:rPr lang="pt-BR" sz="6000" dirty="0">
+                <a:solidFill>
+                  <a:schemeClr val="bg1"/>
+                </a:solidFill>
+              </a:rPr>
+              <a:t>86%</a:t>
+            </a:r>
+          </a:p>
+          <a:p>
+            <a:pPr algn="ctr"/>
             <a:r>
               <a:rPr lang="pt-BR" dirty="0">
                 <a:solidFill>
-                  <a:schemeClr val="accent1">
-                    <a:lumMod val="50000"/>
-                  </a:schemeClr>
-                </a:solidFill>
-                <a:latin typeface="Oswald"/>
-              </a:rPr>
-              <a:t>Mínimo: 0 </a:t>
-            </a:r>
-          </a:p>
-          <a:p>
-            <a:pPr>
-              <a:lnSpc>
-                <a:spcPct val="150000"/>
-              </a:lnSpc>
-            </a:pPr>
-            <a:r>
-              <a:rPr lang="pt-BR" dirty="0">
-                <a:solidFill>
-                  <a:schemeClr val="accent1">
-                    <a:lumMod val="50000"/>
-                  </a:schemeClr>
-                </a:solidFill>
-                <a:latin typeface="Oswald"/>
-              </a:rPr>
-              <a:t>Primeiro Quartil (Q1): 22.0 </a:t>
-            </a:r>
-          </a:p>
-          <a:p>
-            <a:pPr>
-              <a:lnSpc>
-                <a:spcPct val="150000"/>
-              </a:lnSpc>
-            </a:pPr>
-            <a:r>
-              <a:rPr lang="pt-BR" dirty="0">
-                <a:solidFill>
-                  <a:schemeClr val="accent1">
-                    <a:lumMod val="50000"/>
-                  </a:schemeClr>
-                </a:solidFill>
-                <a:latin typeface="Oswald"/>
-              </a:rPr>
-              <a:t>Segundo Quartil (Q2, Mediana): 37.0 </a:t>
-            </a:r>
-          </a:p>
-          <a:p>
-            <a:pPr>
-              <a:lnSpc>
-                <a:spcPct val="150000"/>
-              </a:lnSpc>
-            </a:pPr>
-            <a:r>
-              <a:rPr lang="pt-BR" dirty="0">
-                <a:solidFill>
-                  <a:schemeClr val="accent1">
-                    <a:lumMod val="50000"/>
-                  </a:schemeClr>
-                </a:solidFill>
-                <a:latin typeface="Oswald"/>
-              </a:rPr>
-              <a:t>Terceiro Quartil (Q3): 51.0</a:t>
+                  <a:schemeClr val="bg1"/>
+                </a:solidFill>
+              </a:rPr>
+              <a:t> Da população tomou pelo menos uma dose da vacina </a:t>
             </a:r>
           </a:p>
         </p:txBody>
@@ -6855,7 +7125,7 @@
     </p:spTree>
     <p:extLst>
       <p:ext uri="{BB962C8B-B14F-4D97-AF65-F5344CB8AC3E}">
-        <p14:creationId xmlns:p14="http://schemas.microsoft.com/office/powerpoint/2010/main" val="4073162744"/>
+        <p14:creationId xmlns:p14="http://schemas.microsoft.com/office/powerpoint/2010/main" val="863328062"/>
       </p:ext>
     </p:extLst>
   </p:cSld>
@@ -6944,7 +7214,7 @@
         <p:spPr>
           <a:xfrm>
             <a:off x="286602" y="954501"/>
-            <a:ext cx="2162067" cy="369332"/>
+            <a:ext cx="5766387" cy="369332"/>
           </a:xfrm>
           <a:prstGeom prst="rect">
             <a:avLst/>
@@ -6965,7 +7235,7 @@
                   </a:schemeClr>
                 </a:solidFill>
               </a:rPr>
-              <a:t>Distribuição por raça</a:t>
+              <a:t>Distribuição das idades das pessoas que tomaram a Vacina</a:t>
             </a:r>
             <a:endParaRPr lang="pt-BR" dirty="0">
               <a:solidFill>
@@ -6979,10 +7249,10 @@
       </p:sp>
       <p:pic>
         <p:nvPicPr>
-          <p:cNvPr id="5" name="Imagem 4">
-            <a:extLst>
-              <a:ext uri="{FF2B5EF4-FFF2-40B4-BE49-F238E27FC236}">
-                <a16:creationId xmlns:a16="http://schemas.microsoft.com/office/drawing/2014/main" id="{B4EBEEED-C021-40DE-814B-3229C1F525A1}"/>
+          <p:cNvPr id="3" name="Imagem 2">
+            <a:extLst>
+              <a:ext uri="{FF2B5EF4-FFF2-40B4-BE49-F238E27FC236}">
+                <a16:creationId xmlns:a16="http://schemas.microsoft.com/office/drawing/2014/main" id="{55C97D19-36BC-41D1-9AB1-C7E927C1EC10}"/>
               </a:ext>
             </a:extLst>
           </p:cNvPr>
@@ -6993,13 +7263,13 @@
         </p:nvPicPr>
         <p:blipFill rotWithShape="1">
           <a:blip r:embed="rId2"/>
-          <a:srcRect l="18025" t="25691" r="21803" b="8792"/>
+          <a:srcRect l="19434" t="25594" r="32667" b="21075"/>
           <a:stretch/>
         </p:blipFill>
         <p:spPr>
           <a:xfrm>
-            <a:off x="530087" y="1907694"/>
-            <a:ext cx="5870713" cy="4544397"/>
+            <a:off x="460571" y="1958973"/>
+            <a:ext cx="5457564" cy="4320000"/>
           </a:xfrm>
           <a:prstGeom prst="rect">
             <a:avLst/>
@@ -7008,10 +7278,10 @@
       </p:pic>
       <p:sp>
         <p:nvSpPr>
-          <p:cNvPr id="7" name="CaixaDeTexto 6">
-            <a:extLst>
-              <a:ext uri="{FF2B5EF4-FFF2-40B4-BE49-F238E27FC236}">
-                <a16:creationId xmlns:a16="http://schemas.microsoft.com/office/drawing/2014/main" id="{38C13A5D-B62A-4281-AAC7-F91014DA53DA}"/>
+          <p:cNvPr id="6" name="CaixaDeTexto 5">
+            <a:extLst>
+              <a:ext uri="{FF2B5EF4-FFF2-40B4-BE49-F238E27FC236}">
+                <a16:creationId xmlns:a16="http://schemas.microsoft.com/office/drawing/2014/main" id="{801CA773-7171-4218-853A-3FFD075F1591}"/>
               </a:ext>
             </a:extLst>
           </p:cNvPr>
@@ -7020,8 +7290,8 @@
         </p:nvSpPr>
         <p:spPr>
           <a:xfrm>
-            <a:off x="6175812" y="2915478"/>
-            <a:ext cx="2521844" cy="2532937"/>
+            <a:off x="5918135" y="2407478"/>
+            <a:ext cx="3350597" cy="2948436"/>
           </a:xfrm>
           <a:prstGeom prst="rect">
             <a:avLst/>
@@ -7048,7 +7318,7 @@
                 </a:solidFill>
                 <a:latin typeface="Oswald"/>
               </a:rPr>
-              <a:t>AMARELA 9.1%</a:t>
+              <a:t>Média: 37.5</a:t>
             </a:r>
           </a:p>
           <a:p>
@@ -7066,7 +7336,7 @@
                 </a:solidFill>
                 <a:latin typeface="Oswald"/>
               </a:rPr>
-              <a:t>BRANCA 16.8% </a:t>
+              <a:t>Desvio Padrão: 19.7</a:t>
             </a:r>
           </a:p>
           <a:p>
@@ -7084,7 +7354,7 @@
                 </a:solidFill>
                 <a:latin typeface="Oswald"/>
               </a:rPr>
-              <a:t>INDIGENA 0.0%</a:t>
+              <a:t>Máximo: 121 </a:t>
             </a:r>
           </a:p>
           <a:p>
@@ -7102,7 +7372,7 @@
                 </a:solidFill>
                 <a:latin typeface="Oswald"/>
               </a:rPr>
-              <a:t>PARDA 32.7% </a:t>
+              <a:t>Mínimo: 0 </a:t>
             </a:r>
           </a:p>
           <a:p>
@@ -7120,7 +7390,7 @@
                 </a:solidFill>
                 <a:latin typeface="Oswald"/>
               </a:rPr>
-              <a:t>PRETA 3.2% </a:t>
+              <a:t>Primeiro Quartil (Q1): 22.0 </a:t>
             </a:r>
           </a:p>
           <a:p>
@@ -7138,7 +7408,25 @@
                 </a:solidFill>
                 <a:latin typeface="Oswald"/>
               </a:rPr>
-              <a:t>SEM INFORMACAO 38.2%</a:t>
+              <a:t>Segundo Quartil (Q2, Mediana): 37.0 </a:t>
+            </a:r>
+          </a:p>
+          <a:p>
+            <a:pPr>
+              <a:lnSpc>
+                <a:spcPct val="150000"/>
+              </a:lnSpc>
+            </a:pPr>
+            <a:r>
+              <a:rPr lang="pt-BR" dirty="0">
+                <a:solidFill>
+                  <a:schemeClr val="accent1">
+                    <a:lumMod val="50000"/>
+                  </a:schemeClr>
+                </a:solidFill>
+                <a:latin typeface="Oswald"/>
+              </a:rPr>
+              <a:t>Terceiro Quartil (Q3): 51.0</a:t>
             </a:r>
           </a:p>
         </p:txBody>
@@ -7146,7 +7434,7 @@
     </p:spTree>
     <p:extLst>
       <p:ext uri="{BB962C8B-B14F-4D97-AF65-F5344CB8AC3E}">
-        <p14:creationId xmlns:p14="http://schemas.microsoft.com/office/powerpoint/2010/main" val="136262154"/>
+        <p14:creationId xmlns:p14="http://schemas.microsoft.com/office/powerpoint/2010/main" val="4073162744"/>
       </p:ext>
     </p:extLst>
   </p:cSld>
@@ -7173,35 +7461,6 @@
           <a:chExt cx="0" cy="0"/>
         </a:xfrm>
       </p:grpSpPr>
-      <p:pic>
-        <p:nvPicPr>
-          <p:cNvPr id="6" name="Imagem 5">
-            <a:extLst>
-              <a:ext uri="{FF2B5EF4-FFF2-40B4-BE49-F238E27FC236}">
-                <a16:creationId xmlns:a16="http://schemas.microsoft.com/office/drawing/2014/main" id="{F1D361F2-CA39-4893-BDB4-99D4C8F861D5}"/>
-              </a:ext>
-            </a:extLst>
-          </p:cNvPr>
-          <p:cNvPicPr>
-            <a:picLocks noChangeAspect="1"/>
-          </p:cNvPicPr>
-          <p:nvPr/>
-        </p:nvPicPr>
-        <p:blipFill rotWithShape="1">
-          <a:blip r:embed="rId2"/>
-          <a:srcRect l="17888" t="25691" r="24825" b="11498"/>
-          <a:stretch/>
-        </p:blipFill>
-        <p:spPr>
-          <a:xfrm>
-            <a:off x="438730" y="1908891"/>
-            <a:ext cx="5828439" cy="4543200"/>
-          </a:xfrm>
-          <a:prstGeom prst="rect">
-            <a:avLst/>
-          </a:prstGeom>
-        </p:spPr>
-      </p:pic>
       <p:sp>
         <p:nvSpPr>
           <p:cNvPr id="2" name="CaixaDeTexto 1">
@@ -7264,7 +7523,7 @@
         <p:spPr>
           <a:xfrm>
             <a:off x="286602" y="954501"/>
-            <a:ext cx="2190023" cy="369332"/>
+            <a:ext cx="2162067" cy="369332"/>
           </a:xfrm>
           <a:prstGeom prst="rect">
             <a:avLst/>
@@ -7285,7 +7544,7 @@
                   </a:schemeClr>
                 </a:solidFill>
               </a:rPr>
-              <a:t>Distribuição por sexo</a:t>
+              <a:t>Distribuição por raça</a:t>
             </a:r>
             <a:endParaRPr lang="pt-BR" dirty="0">
               <a:solidFill>
@@ -7297,6 +7556,35 @@
           </a:p>
         </p:txBody>
       </p:sp>
+      <p:pic>
+        <p:nvPicPr>
+          <p:cNvPr id="5" name="Imagem 4">
+            <a:extLst>
+              <a:ext uri="{FF2B5EF4-FFF2-40B4-BE49-F238E27FC236}">
+                <a16:creationId xmlns:a16="http://schemas.microsoft.com/office/drawing/2014/main" id="{B4EBEEED-C021-40DE-814B-3229C1F525A1}"/>
+              </a:ext>
+            </a:extLst>
+          </p:cNvPr>
+          <p:cNvPicPr>
+            <a:picLocks noChangeAspect="1"/>
+          </p:cNvPicPr>
+          <p:nvPr/>
+        </p:nvPicPr>
+        <p:blipFill rotWithShape="1">
+          <a:blip r:embed="rId2"/>
+          <a:srcRect l="18025" t="25691" r="21803" b="8792"/>
+          <a:stretch/>
+        </p:blipFill>
+        <p:spPr>
+          <a:xfrm>
+            <a:off x="530087" y="1907694"/>
+            <a:ext cx="5870713" cy="4544397"/>
+          </a:xfrm>
+          <a:prstGeom prst="rect">
+            <a:avLst/>
+          </a:prstGeom>
+        </p:spPr>
+      </p:pic>
       <p:sp>
         <p:nvSpPr>
           <p:cNvPr id="7" name="CaixaDeTexto 6">
@@ -7311,8 +7599,8 @@
         </p:nvSpPr>
         <p:spPr>
           <a:xfrm>
-            <a:off x="6175812" y="3750368"/>
-            <a:ext cx="1954381" cy="870944"/>
+            <a:off x="6175812" y="2915478"/>
+            <a:ext cx="2521844" cy="2532937"/>
           </a:xfrm>
           <a:prstGeom prst="rect">
             <a:avLst/>
@@ -7339,7 +7627,7 @@
                 </a:solidFill>
                 <a:latin typeface="Oswald"/>
               </a:rPr>
-              <a:t>FEMININO 53,8%</a:t>
+              <a:t>AMARELA 9.1%</a:t>
             </a:r>
           </a:p>
           <a:p>
@@ -7357,7 +7645,79 @@
                 </a:solidFill>
                 <a:latin typeface="Oswald"/>
               </a:rPr>
-              <a:t>MASCULINO 46.2% </a:t>
+              <a:t>BRANCA 16.8% </a:t>
+            </a:r>
+          </a:p>
+          <a:p>
+            <a:pPr>
+              <a:lnSpc>
+                <a:spcPct val="150000"/>
+              </a:lnSpc>
+            </a:pPr>
+            <a:r>
+              <a:rPr lang="pt-BR" dirty="0">
+                <a:solidFill>
+                  <a:schemeClr val="accent1">
+                    <a:lumMod val="50000"/>
+                  </a:schemeClr>
+                </a:solidFill>
+                <a:latin typeface="Oswald"/>
+              </a:rPr>
+              <a:t>INDIGENA 0.0%</a:t>
+            </a:r>
+          </a:p>
+          <a:p>
+            <a:pPr>
+              <a:lnSpc>
+                <a:spcPct val="150000"/>
+              </a:lnSpc>
+            </a:pPr>
+            <a:r>
+              <a:rPr lang="pt-BR" dirty="0">
+                <a:solidFill>
+                  <a:schemeClr val="accent1">
+                    <a:lumMod val="50000"/>
+                  </a:schemeClr>
+                </a:solidFill>
+                <a:latin typeface="Oswald"/>
+              </a:rPr>
+              <a:t>PARDA 32.7% </a:t>
+            </a:r>
+          </a:p>
+          <a:p>
+            <a:pPr>
+              <a:lnSpc>
+                <a:spcPct val="150000"/>
+              </a:lnSpc>
+            </a:pPr>
+            <a:r>
+              <a:rPr lang="pt-BR" dirty="0">
+                <a:solidFill>
+                  <a:schemeClr val="accent1">
+                    <a:lumMod val="50000"/>
+                  </a:schemeClr>
+                </a:solidFill>
+                <a:latin typeface="Oswald"/>
+              </a:rPr>
+              <a:t>PRETA 3.2% </a:t>
+            </a:r>
+          </a:p>
+          <a:p>
+            <a:pPr>
+              <a:lnSpc>
+                <a:spcPct val="150000"/>
+              </a:lnSpc>
+            </a:pPr>
+            <a:r>
+              <a:rPr lang="pt-BR" dirty="0">
+                <a:solidFill>
+                  <a:schemeClr val="accent1">
+                    <a:lumMod val="50000"/>
+                  </a:schemeClr>
+                </a:solidFill>
+                <a:latin typeface="Oswald"/>
+              </a:rPr>
+              <a:t>SEM INFORMACAO 38.2%</a:t>
             </a:r>
           </a:p>
         </p:txBody>
@@ -7365,7 +7725,7 @@
     </p:spTree>
     <p:extLst>
       <p:ext uri="{BB962C8B-B14F-4D97-AF65-F5344CB8AC3E}">
-        <p14:creationId xmlns:p14="http://schemas.microsoft.com/office/powerpoint/2010/main" val="1177382199"/>
+        <p14:creationId xmlns:p14="http://schemas.microsoft.com/office/powerpoint/2010/main" val="136262154"/>
       </p:ext>
     </p:extLst>
   </p:cSld>
@@ -7392,6 +7752,35 @@
           <a:chExt cx="0" cy="0"/>
         </a:xfrm>
       </p:grpSpPr>
+      <p:pic>
+        <p:nvPicPr>
+          <p:cNvPr id="6" name="Imagem 5">
+            <a:extLst>
+              <a:ext uri="{FF2B5EF4-FFF2-40B4-BE49-F238E27FC236}">
+                <a16:creationId xmlns:a16="http://schemas.microsoft.com/office/drawing/2014/main" id="{F1D361F2-CA39-4893-BDB4-99D4C8F861D5}"/>
+              </a:ext>
+            </a:extLst>
+          </p:cNvPr>
+          <p:cNvPicPr>
+            <a:picLocks noChangeAspect="1"/>
+          </p:cNvPicPr>
+          <p:nvPr/>
+        </p:nvPicPr>
+        <p:blipFill rotWithShape="1">
+          <a:blip r:embed="rId2"/>
+          <a:srcRect l="17888" t="25691" r="24825" b="11498"/>
+          <a:stretch/>
+        </p:blipFill>
+        <p:spPr>
+          <a:xfrm>
+            <a:off x="438730" y="1908891"/>
+            <a:ext cx="5828439" cy="4543200"/>
+          </a:xfrm>
+          <a:prstGeom prst="rect">
+            <a:avLst/>
+          </a:prstGeom>
+        </p:spPr>
+      </p:pic>
       <p:sp>
         <p:nvSpPr>
           <p:cNvPr id="2" name="CaixaDeTexto 1">
@@ -7454,7 +7843,7 @@
         <p:spPr>
           <a:xfrm>
             <a:off x="286602" y="954501"/>
-            <a:ext cx="4408579" cy="369332"/>
+            <a:ext cx="2190023" cy="369332"/>
           </a:xfrm>
           <a:prstGeom prst="rect">
             <a:avLst/>
@@ -7470,56 +7859,29 @@
             <a:r>
               <a:rPr lang="pt-BR" b="1" dirty="0">
                 <a:solidFill>
-                  <a:srgbClr val="002060"/>
-                </a:solidFill>
-                <a:latin typeface="Oswald"/>
-              </a:rPr>
-              <a:t>Quantidades de doses tomadas por Fabricante</a:t>
+                  <a:schemeClr val="accent1">
+                    <a:lumMod val="50000"/>
+                  </a:schemeClr>
+                </a:solidFill>
+              </a:rPr>
+              <a:t>Distribuição por sexo</a:t>
             </a:r>
             <a:endParaRPr lang="pt-BR" dirty="0">
               <a:solidFill>
-                <a:srgbClr val="002060"/>
+                <a:schemeClr val="accent1">
+                  <a:lumMod val="50000"/>
+                </a:schemeClr>
               </a:solidFill>
-              <a:latin typeface="Oswald"/>
             </a:endParaRPr>
           </a:p>
         </p:txBody>
       </p:sp>
-      <p:pic>
-        <p:nvPicPr>
-          <p:cNvPr id="3" name="Imagem 2">
-            <a:extLst>
-              <a:ext uri="{FF2B5EF4-FFF2-40B4-BE49-F238E27FC236}">
-                <a16:creationId xmlns:a16="http://schemas.microsoft.com/office/drawing/2014/main" id="{C644E42E-75DE-4E08-9F24-ECC1CDED4B6C}"/>
-              </a:ext>
-            </a:extLst>
-          </p:cNvPr>
-          <p:cNvPicPr>
-            <a:picLocks noChangeAspect="1"/>
-          </p:cNvPicPr>
-          <p:nvPr/>
-        </p:nvPicPr>
-        <p:blipFill rotWithShape="1">
-          <a:blip r:embed="rId2"/>
-          <a:srcRect l="18163" t="25691" r="24824" b="2896"/>
-          <a:stretch/>
-        </p:blipFill>
-        <p:spPr>
-          <a:xfrm>
-            <a:off x="556890" y="1615221"/>
-            <a:ext cx="5499652" cy="4897410"/>
-          </a:xfrm>
-          <a:prstGeom prst="rect">
-            <a:avLst/>
-          </a:prstGeom>
-        </p:spPr>
-      </p:pic>
-      <p:sp>
-        <p:nvSpPr>
-          <p:cNvPr id="8" name="CaixaDeTexto 7">
-            <a:extLst>
-              <a:ext uri="{FF2B5EF4-FFF2-40B4-BE49-F238E27FC236}">
-                <a16:creationId xmlns:a16="http://schemas.microsoft.com/office/drawing/2014/main" id="{CB4E7C45-6BA3-49F0-BE2A-E8FE28D566D3}"/>
+      <p:sp>
+        <p:nvSpPr>
+          <p:cNvPr id="7" name="CaixaDeTexto 6">
+            <a:extLst>
+              <a:ext uri="{FF2B5EF4-FFF2-40B4-BE49-F238E27FC236}">
+                <a16:creationId xmlns:a16="http://schemas.microsoft.com/office/drawing/2014/main" id="{38C13A5D-B62A-4281-AAC7-F91014DA53DA}"/>
               </a:ext>
             </a:extLst>
           </p:cNvPr>
@@ -7528,8 +7890,8 @@
         </p:nvSpPr>
         <p:spPr>
           <a:xfrm>
-            <a:off x="6056542" y="2760746"/>
-            <a:ext cx="3068469" cy="2117439"/>
+            <a:off x="6175812" y="3750368"/>
+            <a:ext cx="1954381" cy="870944"/>
           </a:xfrm>
           <a:prstGeom prst="rect">
             <a:avLst/>
@@ -7556,7 +7918,7 @@
                 </a:solidFill>
                 <a:latin typeface="Oswald"/>
               </a:rPr>
-              <a:t>ASTRAZENECA/FIOCRUZ 23.5%</a:t>
+              <a:t>FEMININO 53,8%</a:t>
             </a:r>
           </a:p>
           <a:p>
@@ -7574,61 +7936,7 @@
                 </a:solidFill>
                 <a:latin typeface="Oswald"/>
               </a:rPr>
-              <a:t>SINOVAC/BUTANTAN 16.3% </a:t>
-            </a:r>
-          </a:p>
-          <a:p>
-            <a:pPr>
-              <a:lnSpc>
-                <a:spcPct val="150000"/>
-              </a:lnSpc>
-            </a:pPr>
-            <a:r>
-              <a:rPr lang="pt-BR" dirty="0">
-                <a:solidFill>
-                  <a:schemeClr val="accent1">
-                    <a:lumMod val="50000"/>
-                  </a:schemeClr>
-                </a:solidFill>
-                <a:latin typeface="Oswald"/>
-              </a:rPr>
-              <a:t>PFIZER 52.1%</a:t>
-            </a:r>
-          </a:p>
-          <a:p>
-            <a:pPr>
-              <a:lnSpc>
-                <a:spcPct val="150000"/>
-              </a:lnSpc>
-            </a:pPr>
-            <a:r>
-              <a:rPr lang="pt-BR" dirty="0">
-                <a:solidFill>
-                  <a:schemeClr val="accent1">
-                    <a:lumMod val="50000"/>
-                  </a:schemeClr>
-                </a:solidFill>
-                <a:latin typeface="Oswald"/>
-              </a:rPr>
-              <a:t>JANSSEN 7.0% </a:t>
-            </a:r>
-          </a:p>
-          <a:p>
-            <a:pPr>
-              <a:lnSpc>
-                <a:spcPct val="150000"/>
-              </a:lnSpc>
-            </a:pPr>
-            <a:r>
-              <a:rPr lang="pt-BR" dirty="0">
-                <a:solidFill>
-                  <a:schemeClr val="accent1">
-                    <a:lumMod val="50000"/>
-                  </a:schemeClr>
-                </a:solidFill>
-                <a:latin typeface="Oswald"/>
-              </a:rPr>
-              <a:t>SEM INFORMACAO 1.1%</a:t>
+              <a:t>MASCULINO 46.2% </a:t>
             </a:r>
           </a:p>
         </p:txBody>
@@ -7636,7 +7944,7 @@
     </p:spTree>
     <p:extLst>
       <p:ext uri="{BB962C8B-B14F-4D97-AF65-F5344CB8AC3E}">
-        <p14:creationId xmlns:p14="http://schemas.microsoft.com/office/powerpoint/2010/main" val="506537487"/>
+        <p14:creationId xmlns:p14="http://schemas.microsoft.com/office/powerpoint/2010/main" val="1177382199"/>
       </p:ext>
     </p:extLst>
   </p:cSld>
@@ -7724,8 +8032,8 @@
         </p:nvSpPr>
         <p:spPr>
           <a:xfrm>
-            <a:off x="286602" y="644256"/>
-            <a:ext cx="6250429" cy="369332"/>
+            <a:off x="286602" y="954501"/>
+            <a:ext cx="4408579" cy="369332"/>
           </a:xfrm>
           <a:prstGeom prst="rect">
             <a:avLst/>
@@ -7741,19 +8049,15 @@
             <a:r>
               <a:rPr lang="pt-BR" b="1" dirty="0">
                 <a:solidFill>
-                  <a:schemeClr val="accent1">
-                    <a:lumMod val="50000"/>
-                  </a:schemeClr>
-                </a:solidFill>
-                <a:latin typeface="Oswald"/>
-              </a:rPr>
-              <a:t>Distribuição das idades dos pacientes para as diferentes vacinas</a:t>
+                  <a:srgbClr val="002060"/>
+                </a:solidFill>
+                <a:latin typeface="Oswald"/>
+              </a:rPr>
+              <a:t>Quantidades de doses tomadas por Fabricante</a:t>
             </a:r>
             <a:endParaRPr lang="pt-BR" dirty="0">
               <a:solidFill>
-                <a:schemeClr val="accent1">
-                  <a:lumMod val="50000"/>
-                </a:schemeClr>
+                <a:srgbClr val="002060"/>
               </a:solidFill>
               <a:latin typeface="Oswald"/>
             </a:endParaRPr>
@@ -7762,10 +8066,10 @@
       </p:sp>
       <p:pic>
         <p:nvPicPr>
-          <p:cNvPr id="5" name="Imagem 4">
-            <a:extLst>
-              <a:ext uri="{FF2B5EF4-FFF2-40B4-BE49-F238E27FC236}">
-                <a16:creationId xmlns:a16="http://schemas.microsoft.com/office/drawing/2014/main" id="{F779584C-62A6-4CD6-ACA6-423556871529}"/>
+          <p:cNvPr id="3" name="Imagem 2">
+            <a:extLst>
+              <a:ext uri="{FF2B5EF4-FFF2-40B4-BE49-F238E27FC236}">
+                <a16:creationId xmlns:a16="http://schemas.microsoft.com/office/drawing/2014/main" id="{C644E42E-75DE-4E08-9F24-ECC1CDED4B6C}"/>
               </a:ext>
             </a:extLst>
           </p:cNvPr>
@@ -7776,52 +8080,142 @@
         </p:nvPicPr>
         <p:blipFill rotWithShape="1">
           <a:blip r:embed="rId2"/>
-          <a:srcRect l="32737" t="35695" r="13264" b="4442"/>
+          <a:srcRect l="18163" t="25691" r="24824" b="2896"/>
           <a:stretch/>
         </p:blipFill>
         <p:spPr>
           <a:xfrm>
-            <a:off x="-130632" y="1051533"/>
-            <a:ext cx="5947251" cy="4687114"/>
+            <a:off x="556890" y="1615221"/>
+            <a:ext cx="5499652" cy="4897410"/>
           </a:xfrm>
           <a:prstGeom prst="rect">
             <a:avLst/>
           </a:prstGeom>
         </p:spPr>
       </p:pic>
-      <p:pic>
-        <p:nvPicPr>
-          <p:cNvPr id="6" name="Imagem 5">
-            <a:extLst>
-              <a:ext uri="{FF2B5EF4-FFF2-40B4-BE49-F238E27FC236}">
-                <a16:creationId xmlns:a16="http://schemas.microsoft.com/office/drawing/2014/main" id="{21B24459-0494-4A0A-BBC0-5043633AEF7D}"/>
-              </a:ext>
-            </a:extLst>
-          </p:cNvPr>
-          <p:cNvPicPr>
-            <a:picLocks noChangeAspect="1"/>
-          </p:cNvPicPr>
-          <p:nvPr/>
-        </p:nvPicPr>
-        <p:blipFill rotWithShape="1">
-          <a:blip r:embed="rId3"/>
-          <a:srcRect l="28051" t="43809" r="6554" b="33096"/>
-          <a:stretch/>
-        </p:blipFill>
-        <p:spPr>
-          <a:xfrm>
-            <a:off x="4328825" y="5241471"/>
-            <a:ext cx="5691392" cy="1428981"/>
-          </a:xfrm>
-          <a:prstGeom prst="rect">
-            <a:avLst/>
-          </a:prstGeom>
-        </p:spPr>
-      </p:pic>
+      <p:sp>
+        <p:nvSpPr>
+          <p:cNvPr id="8" name="CaixaDeTexto 7">
+            <a:extLst>
+              <a:ext uri="{FF2B5EF4-FFF2-40B4-BE49-F238E27FC236}">
+                <a16:creationId xmlns:a16="http://schemas.microsoft.com/office/drawing/2014/main" id="{CB4E7C45-6BA3-49F0-BE2A-E8FE28D566D3}"/>
+              </a:ext>
+            </a:extLst>
+          </p:cNvPr>
+          <p:cNvSpPr txBox="1"/>
+          <p:nvPr/>
+        </p:nvSpPr>
+        <p:spPr>
+          <a:xfrm>
+            <a:off x="6056542" y="2760746"/>
+            <a:ext cx="3068469" cy="2117439"/>
+          </a:xfrm>
+          <a:prstGeom prst="rect">
+            <a:avLst/>
+          </a:prstGeom>
+          <a:noFill/>
+        </p:spPr>
+        <p:txBody>
+          <a:bodyPr wrap="none" rtlCol="0">
+            <a:spAutoFit/>
+          </a:bodyPr>
+          <a:lstStyle/>
+          <a:p>
+            <a:pPr>
+              <a:lnSpc>
+                <a:spcPct val="150000"/>
+              </a:lnSpc>
+            </a:pPr>
+            <a:r>
+              <a:rPr lang="pt-BR" dirty="0">
+                <a:solidFill>
+                  <a:schemeClr val="accent1">
+                    <a:lumMod val="50000"/>
+                  </a:schemeClr>
+                </a:solidFill>
+                <a:latin typeface="Oswald"/>
+              </a:rPr>
+              <a:t>ASTRAZENECA/FIOCRUZ 23.5%</a:t>
+            </a:r>
+          </a:p>
+          <a:p>
+            <a:pPr>
+              <a:lnSpc>
+                <a:spcPct val="150000"/>
+              </a:lnSpc>
+            </a:pPr>
+            <a:r>
+              <a:rPr lang="pt-BR" dirty="0">
+                <a:solidFill>
+                  <a:schemeClr val="accent1">
+                    <a:lumMod val="50000"/>
+                  </a:schemeClr>
+                </a:solidFill>
+                <a:latin typeface="Oswald"/>
+              </a:rPr>
+              <a:t>SINOVAC/BUTANTAN 16.3% </a:t>
+            </a:r>
+          </a:p>
+          <a:p>
+            <a:pPr>
+              <a:lnSpc>
+                <a:spcPct val="150000"/>
+              </a:lnSpc>
+            </a:pPr>
+            <a:r>
+              <a:rPr lang="pt-BR" dirty="0">
+                <a:solidFill>
+                  <a:schemeClr val="accent1">
+                    <a:lumMod val="50000"/>
+                  </a:schemeClr>
+                </a:solidFill>
+                <a:latin typeface="Oswald"/>
+              </a:rPr>
+              <a:t>PFIZER 52.1%</a:t>
+            </a:r>
+          </a:p>
+          <a:p>
+            <a:pPr>
+              <a:lnSpc>
+                <a:spcPct val="150000"/>
+              </a:lnSpc>
+            </a:pPr>
+            <a:r>
+              <a:rPr lang="pt-BR" dirty="0">
+                <a:solidFill>
+                  <a:schemeClr val="accent1">
+                    <a:lumMod val="50000"/>
+                  </a:schemeClr>
+                </a:solidFill>
+                <a:latin typeface="Oswald"/>
+              </a:rPr>
+              <a:t>JANSSEN 7.0% </a:t>
+            </a:r>
+          </a:p>
+          <a:p>
+            <a:pPr>
+              <a:lnSpc>
+                <a:spcPct val="150000"/>
+              </a:lnSpc>
+            </a:pPr>
+            <a:r>
+              <a:rPr lang="pt-BR" dirty="0">
+                <a:solidFill>
+                  <a:schemeClr val="accent1">
+                    <a:lumMod val="50000"/>
+                  </a:schemeClr>
+                </a:solidFill>
+                <a:latin typeface="Oswald"/>
+              </a:rPr>
+              <a:t>SEM INFORMACAO 1.1%</a:t>
+            </a:r>
+          </a:p>
+        </p:txBody>
+      </p:sp>
     </p:spTree>
     <p:extLst>
       <p:ext uri="{BB962C8B-B14F-4D97-AF65-F5344CB8AC3E}">
-        <p14:creationId xmlns:p14="http://schemas.microsoft.com/office/powerpoint/2010/main" val="1542025728"/>
+        <p14:creationId xmlns:p14="http://schemas.microsoft.com/office/powerpoint/2010/main" val="506537487"/>
       </p:ext>
     </p:extLst>
   </p:cSld>
@@ -7909,7 +8303,7 @@
         </p:nvSpPr>
         <p:spPr>
           <a:xfrm>
-            <a:off x="286602" y="954501"/>
+            <a:off x="286602" y="644256"/>
             <a:ext cx="6250429" cy="369332"/>
           </a:xfrm>
           <a:prstGeom prst="rect">
@@ -7945,146 +8339,12 @@
           </a:p>
         </p:txBody>
       </p:sp>
-      <p:sp>
-        <p:nvSpPr>
-          <p:cNvPr id="3" name="CaixaDeTexto 2">
-            <a:extLst>
-              <a:ext uri="{FF2B5EF4-FFF2-40B4-BE49-F238E27FC236}">
-                <a16:creationId xmlns:a16="http://schemas.microsoft.com/office/drawing/2014/main" id="{777A9AF8-50B4-46A1-8915-35B49E5AB78F}"/>
-              </a:ext>
-            </a:extLst>
-          </p:cNvPr>
-          <p:cNvSpPr txBox="1"/>
-          <p:nvPr/>
-        </p:nvSpPr>
-        <p:spPr>
-          <a:xfrm>
-            <a:off x="286602" y="1761921"/>
-            <a:ext cx="3381439" cy="338554"/>
-          </a:xfrm>
-          <a:prstGeom prst="rect">
-            <a:avLst/>
-          </a:prstGeom>
-          <a:noFill/>
-        </p:spPr>
-        <p:txBody>
-          <a:bodyPr wrap="none" rtlCol="0">
-            <a:spAutoFit/>
-          </a:bodyPr>
-          <a:lstStyle/>
-          <a:p>
-            <a:r>
-              <a:rPr lang="pt-BR" sz="1600" b="1" dirty="0">
-                <a:solidFill>
-                  <a:schemeClr val="accent1">
-                    <a:lumMod val="50000"/>
-                  </a:schemeClr>
-                </a:solidFill>
-                <a:latin typeface="Oswald"/>
-              </a:rPr>
-              <a:t>Análise do Outliers da Vacina Pediátrica</a:t>
-            </a:r>
-            <a:endParaRPr lang="pt-BR" sz="1600" dirty="0">
-              <a:solidFill>
-                <a:schemeClr val="accent1">
-                  <a:lumMod val="50000"/>
-                </a:schemeClr>
-              </a:solidFill>
-              <a:latin typeface="Oswald"/>
-            </a:endParaRPr>
-          </a:p>
-        </p:txBody>
-      </p:sp>
-      <p:sp>
-        <p:nvSpPr>
-          <p:cNvPr id="6" name="CaixaDeTexto 5">
-            <a:extLst>
-              <a:ext uri="{FF2B5EF4-FFF2-40B4-BE49-F238E27FC236}">
-                <a16:creationId xmlns:a16="http://schemas.microsoft.com/office/drawing/2014/main" id="{7EFFC658-6A28-4003-A01C-BB518714DE4A}"/>
-              </a:ext>
-            </a:extLst>
-          </p:cNvPr>
-          <p:cNvSpPr txBox="1"/>
-          <p:nvPr/>
-        </p:nvSpPr>
-        <p:spPr>
-          <a:xfrm>
-            <a:off x="375138" y="2579077"/>
-            <a:ext cx="2865464" cy="338554"/>
-          </a:xfrm>
-          <a:prstGeom prst="rect">
-            <a:avLst/>
-          </a:prstGeom>
-          <a:noFill/>
-        </p:spPr>
-        <p:txBody>
-          <a:bodyPr wrap="none" rtlCol="0">
-            <a:spAutoFit/>
-          </a:bodyPr>
-          <a:lstStyle/>
-          <a:p>
-            <a:r>
-              <a:rPr lang="pt-BR" sz="1600" dirty="0">
-                <a:solidFill>
-                  <a:schemeClr val="accent1">
-                    <a:lumMod val="50000"/>
-                  </a:schemeClr>
-                </a:solidFill>
-                <a:latin typeface="Oswald"/>
-              </a:rPr>
-              <a:t>Total da vacina pediátrica – 236.831</a:t>
-            </a:r>
-          </a:p>
-        </p:txBody>
-      </p:sp>
-      <p:sp>
-        <p:nvSpPr>
-          <p:cNvPr id="7" name="CaixaDeTexto 6">
-            <a:extLst>
-              <a:ext uri="{FF2B5EF4-FFF2-40B4-BE49-F238E27FC236}">
-                <a16:creationId xmlns:a16="http://schemas.microsoft.com/office/drawing/2014/main" id="{40632E83-0355-491A-8D77-B29EDAE5123C}"/>
-              </a:ext>
-            </a:extLst>
-          </p:cNvPr>
-          <p:cNvSpPr txBox="1"/>
-          <p:nvPr/>
-        </p:nvSpPr>
-        <p:spPr>
-          <a:xfrm>
-            <a:off x="375138" y="3140276"/>
-            <a:ext cx="2362122" cy="338554"/>
-          </a:xfrm>
-          <a:prstGeom prst="rect">
-            <a:avLst/>
-          </a:prstGeom>
-          <a:noFill/>
-        </p:spPr>
-        <p:txBody>
-          <a:bodyPr wrap="none" rtlCol="0">
-            <a:spAutoFit/>
-          </a:bodyPr>
-          <a:lstStyle/>
-          <a:p>
-            <a:r>
-              <a:rPr lang="pt-BR" sz="1600" dirty="0">
-                <a:solidFill>
-                  <a:schemeClr val="accent1">
-                    <a:lumMod val="50000"/>
-                  </a:schemeClr>
-                </a:solidFill>
-                <a:latin typeface="Oswald"/>
-              </a:rPr>
-              <a:t>Total de outliers – 457 (0,2%)</a:t>
-            </a:r>
-          </a:p>
-        </p:txBody>
-      </p:sp>
       <p:pic>
         <p:nvPicPr>
           <p:cNvPr id="5" name="Imagem 4">
             <a:extLst>
               <a:ext uri="{FF2B5EF4-FFF2-40B4-BE49-F238E27FC236}">
-                <a16:creationId xmlns:a16="http://schemas.microsoft.com/office/drawing/2014/main" id="{4E272B5E-6DBD-4C09-824E-A45F156C0523}"/>
+                <a16:creationId xmlns:a16="http://schemas.microsoft.com/office/drawing/2014/main" id="{F779584C-62A6-4CD6-ACA6-423556871529}"/>
               </a:ext>
             </a:extLst>
           </p:cNvPr>
@@ -8095,13 +8355,13 @@
         </p:nvPicPr>
         <p:blipFill rotWithShape="1">
           <a:blip r:embed="rId2"/>
-          <a:srcRect l="18460" t="24947" r="35205" b="25238"/>
+          <a:srcRect l="32737" t="35695" r="13264" b="4442"/>
           <a:stretch/>
         </p:blipFill>
         <p:spPr>
           <a:xfrm>
-            <a:off x="4048090" y="1432100"/>
-            <a:ext cx="4469777" cy="3416351"/>
+            <a:off x="-130632" y="1051533"/>
+            <a:ext cx="5947251" cy="4687114"/>
           </a:xfrm>
           <a:prstGeom prst="rect">
             <a:avLst/>
@@ -8110,10 +8370,10 @@
       </p:pic>
       <p:pic>
         <p:nvPicPr>
-          <p:cNvPr id="9" name="Imagem 8">
-            <a:extLst>
-              <a:ext uri="{FF2B5EF4-FFF2-40B4-BE49-F238E27FC236}">
-                <a16:creationId xmlns:a16="http://schemas.microsoft.com/office/drawing/2014/main" id="{EF493D11-DD85-47C2-8477-89091CC4A01D}"/>
+          <p:cNvPr id="6" name="Imagem 5">
+            <a:extLst>
+              <a:ext uri="{FF2B5EF4-FFF2-40B4-BE49-F238E27FC236}">
+                <a16:creationId xmlns:a16="http://schemas.microsoft.com/office/drawing/2014/main" id="{21B24459-0494-4A0A-BBC0-5043633AEF7D}"/>
               </a:ext>
             </a:extLst>
           </p:cNvPr>
@@ -8124,13 +8384,13 @@
         </p:nvPicPr>
         <p:blipFill rotWithShape="1">
           <a:blip r:embed="rId3"/>
-          <a:srcRect l="21137" t="55589" r="64614" b="13918"/>
+          <a:srcRect l="28051" t="43809" r="6554" b="33096"/>
           <a:stretch/>
         </p:blipFill>
         <p:spPr>
           <a:xfrm>
-            <a:off x="7425312" y="3309553"/>
-            <a:ext cx="2185110" cy="3324422"/>
+            <a:off x="4328825" y="5241471"/>
+            <a:ext cx="5691392" cy="1428981"/>
           </a:xfrm>
           <a:prstGeom prst="rect">
             <a:avLst/>
@@ -8140,7 +8400,7 @@
     </p:spTree>
     <p:extLst>
       <p:ext uri="{BB962C8B-B14F-4D97-AF65-F5344CB8AC3E}">
-        <p14:creationId xmlns:p14="http://schemas.microsoft.com/office/powerpoint/2010/main" val="548593830"/>
+        <p14:creationId xmlns:p14="http://schemas.microsoft.com/office/powerpoint/2010/main" val="1542025728"/>
       </p:ext>
     </p:extLst>
   </p:cSld>
